--- a/slides/Module 12 - Functions.pptx
+++ b/slides/Module 12 - Functions.pptx
@@ -2,7 +2,7 @@
 <file path=ppt/presentation.xml><?xml version="1.0" encoding="utf-8"?>
 <p:presentation xmlns:a="http://schemas.openxmlformats.org/drawingml/2006/main" xmlns:r="http://schemas.openxmlformats.org/officeDocument/2006/relationships" xmlns:p="http://schemas.openxmlformats.org/presentationml/2006/main" saveSubsetFonts="1">
   <p:sldMasterIdLst>
-    <p:sldMasterId id="2147483648" r:id="rId1"/>
+    <p:sldMasterId id="2147483660" r:id="rId1"/>
   </p:sldMasterIdLst>
   <p:sldIdLst>
     <p:sldId id="256" r:id="rId2"/>
@@ -47,7 +47,7 @@
     <a:defPPr>
       <a:defRPr lang="en-US"/>
     </a:defPPr>
-    <a:lvl1pPr marL="0" algn="l" defTabSz="914400" rtl="0" eaLnBrk="1" latinLnBrk="0" hangingPunct="1">
+    <a:lvl1pPr marL="0" algn="l" defTabSz="457200" rtl="0" eaLnBrk="1" latinLnBrk="0" hangingPunct="1">
       <a:defRPr sz="1800" kern="1200">
         <a:solidFill>
           <a:schemeClr val="tx1"/>
@@ -57,7 +57,7 @@
         <a:cs typeface="+mn-cs"/>
       </a:defRPr>
     </a:lvl1pPr>
-    <a:lvl2pPr marL="457200" algn="l" defTabSz="914400" rtl="0" eaLnBrk="1" latinLnBrk="0" hangingPunct="1">
+    <a:lvl2pPr marL="457200" algn="l" defTabSz="457200" rtl="0" eaLnBrk="1" latinLnBrk="0" hangingPunct="1">
       <a:defRPr sz="1800" kern="1200">
         <a:solidFill>
           <a:schemeClr val="tx1"/>
@@ -67,7 +67,7 @@
         <a:cs typeface="+mn-cs"/>
       </a:defRPr>
     </a:lvl2pPr>
-    <a:lvl3pPr marL="914400" algn="l" defTabSz="914400" rtl="0" eaLnBrk="1" latinLnBrk="0" hangingPunct="1">
+    <a:lvl3pPr marL="914400" algn="l" defTabSz="457200" rtl="0" eaLnBrk="1" latinLnBrk="0" hangingPunct="1">
       <a:defRPr sz="1800" kern="1200">
         <a:solidFill>
           <a:schemeClr val="tx1"/>
@@ -77,7 +77,7 @@
         <a:cs typeface="+mn-cs"/>
       </a:defRPr>
     </a:lvl3pPr>
-    <a:lvl4pPr marL="1371600" algn="l" defTabSz="914400" rtl="0" eaLnBrk="1" latinLnBrk="0" hangingPunct="1">
+    <a:lvl4pPr marL="1371600" algn="l" defTabSz="457200" rtl="0" eaLnBrk="1" latinLnBrk="0" hangingPunct="1">
       <a:defRPr sz="1800" kern="1200">
         <a:solidFill>
           <a:schemeClr val="tx1"/>
@@ -87,7 +87,7 @@
         <a:cs typeface="+mn-cs"/>
       </a:defRPr>
     </a:lvl4pPr>
-    <a:lvl5pPr marL="1828800" algn="l" defTabSz="914400" rtl="0" eaLnBrk="1" latinLnBrk="0" hangingPunct="1">
+    <a:lvl5pPr marL="1828800" algn="l" defTabSz="457200" rtl="0" eaLnBrk="1" latinLnBrk="0" hangingPunct="1">
       <a:defRPr sz="1800" kern="1200">
         <a:solidFill>
           <a:schemeClr val="tx1"/>
@@ -97,7 +97,7 @@
         <a:cs typeface="+mn-cs"/>
       </a:defRPr>
     </a:lvl5pPr>
-    <a:lvl6pPr marL="2286000" algn="l" defTabSz="914400" rtl="0" eaLnBrk="1" latinLnBrk="0" hangingPunct="1">
+    <a:lvl6pPr marL="2286000" algn="l" defTabSz="457200" rtl="0" eaLnBrk="1" latinLnBrk="0" hangingPunct="1">
       <a:defRPr sz="1800" kern="1200">
         <a:solidFill>
           <a:schemeClr val="tx1"/>
@@ -107,7 +107,7 @@
         <a:cs typeface="+mn-cs"/>
       </a:defRPr>
     </a:lvl6pPr>
-    <a:lvl7pPr marL="2743200" algn="l" defTabSz="914400" rtl="0" eaLnBrk="1" latinLnBrk="0" hangingPunct="1">
+    <a:lvl7pPr marL="2743200" algn="l" defTabSz="457200" rtl="0" eaLnBrk="1" latinLnBrk="0" hangingPunct="1">
       <a:defRPr sz="1800" kern="1200">
         <a:solidFill>
           <a:schemeClr val="tx1"/>
@@ -117,7 +117,7 @@
         <a:cs typeface="+mn-cs"/>
       </a:defRPr>
     </a:lvl7pPr>
-    <a:lvl8pPr marL="3200400" algn="l" defTabSz="914400" rtl="0" eaLnBrk="1" latinLnBrk="0" hangingPunct="1">
+    <a:lvl8pPr marL="3200400" algn="l" defTabSz="457200" rtl="0" eaLnBrk="1" latinLnBrk="0" hangingPunct="1">
       <a:defRPr sz="1800" kern="1200">
         <a:solidFill>
           <a:schemeClr val="tx1"/>
@@ -127,7 +127,7 @@
         <a:cs typeface="+mn-cs"/>
       </a:defRPr>
     </a:lvl8pPr>
-    <a:lvl9pPr marL="3657600" algn="l" defTabSz="914400" rtl="0" eaLnBrk="1" latinLnBrk="0" hangingPunct="1">
+    <a:lvl9pPr marL="3657600" algn="l" defTabSz="457200" rtl="0" eaLnBrk="1" latinLnBrk="0" hangingPunct="1">
       <a:defRPr sz="1800" kern="1200">
         <a:solidFill>
           <a:schemeClr val="tx1"/>
@@ -138,11 +138,16 @@
       </a:defRPr>
     </a:lvl9pPr>
   </p:defaultTextStyle>
+  <p:extLst>
+    <p:ext uri="{EFAFB233-063F-42B5-8137-9DF3F51BA10A}">
+      <p15:sldGuideLst xmlns:p15="http://schemas.microsoft.com/office/powerpoint/2012/main"/>
+    </p:ext>
+  </p:extLst>
 </p:presentation>
 </file>
 
 <file path=ppt/slideLayouts/slideLayout1.xml><?xml version="1.0" encoding="utf-8"?>
-<p:sldLayout xmlns:a="http://schemas.openxmlformats.org/drawingml/2006/main" xmlns:r="http://schemas.openxmlformats.org/officeDocument/2006/relationships" xmlns:p="http://schemas.openxmlformats.org/presentationml/2006/main" type="title" preserve="1">
+<p:sldLayout xmlns:a="http://schemas.openxmlformats.org/drawingml/2006/main" xmlns:r="http://schemas.openxmlformats.org/officeDocument/2006/relationships" xmlns:p="http://schemas.openxmlformats.org/presentationml/2006/main" showMasterSp="0" type="title" preserve="1">
   <p:cSld name="Title Slide">
     <p:spTree>
       <p:nvGrpSpPr>
@@ -160,31 +165,113 @@
       </p:grpSpPr>
       <p:sp>
         <p:nvSpPr>
-          <p:cNvPr id="2" name="Title 1">
-            <a:extLst>
-              <a:ext uri="{FF2B5EF4-FFF2-40B4-BE49-F238E27FC236}">
-                <a16:creationId xmlns:a16="http://schemas.microsoft.com/office/drawing/2014/main" id="{BB918FAD-833C-4876-BC39-920C505048F9}"/>
-              </a:ext>
-            </a:extLst>
-          </p:cNvPr>
-          <p:cNvSpPr>
-            <a:spLocks noGrp="1"/>
-          </p:cNvSpPr>
-          <p:nvPr>
-            <p:ph type="ctrTitle"/>
-          </p:nvPr>
+          <p:cNvPr id="7" name="Rectangle 6"/>
+          <p:cNvSpPr/>
+          <p:nvPr/>
         </p:nvSpPr>
         <p:spPr>
           <a:xfrm>
-            <a:off x="1524000" y="1122363"/>
-            <a:ext cx="9144000" cy="2387600"/>
+            <a:off x="3175" y="6400800"/>
+            <a:ext cx="12188825" cy="457200"/>
+          </a:xfrm>
+          <a:prstGeom prst="rect">
+            <a:avLst/>
+          </a:prstGeom>
+          <a:solidFill>
+            <a:schemeClr val="accent2"/>
+          </a:solidFill>
+          <a:ln>
+            <a:noFill/>
+          </a:ln>
+        </p:spPr>
+        <p:style>
+          <a:lnRef idx="2">
+            <a:schemeClr val="accent1">
+              <a:shade val="50000"/>
+            </a:schemeClr>
+          </a:lnRef>
+          <a:fillRef idx="1">
+            <a:schemeClr val="accent1"/>
+          </a:fillRef>
+          <a:effectRef idx="0">
+            <a:schemeClr val="accent1"/>
+          </a:effectRef>
+          <a:fontRef idx="minor">
+            <a:schemeClr val="lt1"/>
+          </a:fontRef>
+        </p:style>
+      </p:sp>
+      <p:sp>
+        <p:nvSpPr>
+          <p:cNvPr id="8" name="Rectangle 7"/>
+          <p:cNvSpPr/>
+          <p:nvPr/>
+        </p:nvSpPr>
+        <p:spPr>
+          <a:xfrm>
+            <a:off x="15" y="6334316"/>
+            <a:ext cx="12188825" cy="64008"/>
+          </a:xfrm>
+          <a:prstGeom prst="rect">
+            <a:avLst/>
+          </a:prstGeom>
+          <a:solidFill>
+            <a:schemeClr val="accent1"/>
+          </a:solidFill>
+          <a:ln>
+            <a:noFill/>
+          </a:ln>
+        </p:spPr>
+        <p:style>
+          <a:lnRef idx="2">
+            <a:schemeClr val="accent1">
+              <a:shade val="50000"/>
+            </a:schemeClr>
+          </a:lnRef>
+          <a:fillRef idx="1">
+            <a:schemeClr val="accent1"/>
+          </a:fillRef>
+          <a:effectRef idx="0">
+            <a:schemeClr val="accent1"/>
+          </a:effectRef>
+          <a:fontRef idx="minor">
+            <a:schemeClr val="lt1"/>
+          </a:fontRef>
+        </p:style>
+      </p:sp>
+      <p:sp>
+        <p:nvSpPr>
+          <p:cNvPr id="2" name="Title 1"/>
+          <p:cNvSpPr>
+            <a:spLocks noGrp="1"/>
+          </p:cNvSpPr>
+          <p:nvPr>
+            <p:ph type="ctrTitle"/>
+          </p:nvPr>
+        </p:nvSpPr>
+        <p:spPr>
+          <a:xfrm>
+            <a:off x="1097280" y="758952"/>
+            <a:ext cx="10058400" cy="3566160"/>
           </a:xfrm>
         </p:spPr>
         <p:txBody>
-          <a:bodyPr anchor="b"/>
+          <a:bodyPr anchor="b">
+            <a:normAutofit/>
+          </a:bodyPr>
           <a:lstStyle>
-            <a:lvl1pPr algn="ctr">
-              <a:defRPr sz="6000"/>
+            <a:lvl1pPr algn="l">
+              <a:lnSpc>
+                <a:spcPct val="85000"/>
+              </a:lnSpc>
+              <a:defRPr sz="8000" spc="-50" baseline="0">
+                <a:solidFill>
+                  <a:schemeClr val="tx1">
+                    <a:lumMod val="85000"/>
+                    <a:lumOff val="15000"/>
+                  </a:schemeClr>
+                </a:solidFill>
+              </a:defRPr>
             </a:lvl1pPr>
           </a:lstStyle>
           <a:p>
@@ -192,18 +279,13 @@
               <a:rPr lang="en-US"/>
               <a:t>Click to edit Master title style</a:t>
             </a:r>
-          </a:p>
-        </p:txBody>
-      </p:sp>
-      <p:sp>
-        <p:nvSpPr>
-          <p:cNvPr id="3" name="Subtitle 2">
-            <a:extLst>
-              <a:ext uri="{FF2B5EF4-FFF2-40B4-BE49-F238E27FC236}">
-                <a16:creationId xmlns:a16="http://schemas.microsoft.com/office/drawing/2014/main" id="{996138A2-36B5-43E1-A0FE-77B5E2B125B9}"/>
-              </a:ext>
-            </a:extLst>
-          </p:cNvPr>
+            <a:endParaRPr lang="en-US" dirty="0"/>
+          </a:p>
+        </p:txBody>
+      </p:sp>
+      <p:sp>
+        <p:nvSpPr>
+          <p:cNvPr id="3" name="Subtitle 2"/>
           <p:cNvSpPr>
             <a:spLocks noGrp="1"/>
           </p:cNvSpPr>
@@ -213,48 +295,55 @@
         </p:nvSpPr>
         <p:spPr>
           <a:xfrm>
-            <a:off x="1524000" y="3602038"/>
-            <a:ext cx="9144000" cy="1655762"/>
+            <a:off x="1100051" y="4455620"/>
+            <a:ext cx="10058400" cy="1143000"/>
           </a:xfrm>
         </p:spPr>
         <p:txBody>
-          <a:bodyPr/>
+          <a:bodyPr lIns="91440" rIns="91440">
+            <a:normAutofit/>
+          </a:bodyPr>
           <a:lstStyle>
-            <a:lvl1pPr marL="0" indent="0" algn="ctr">
+            <a:lvl1pPr marL="0" indent="0" algn="l">
               <a:buNone/>
-              <a:defRPr sz="2400"/>
+              <a:defRPr sz="2400" cap="all" spc="200" baseline="0">
+                <a:solidFill>
+                  <a:schemeClr val="tx2"/>
+                </a:solidFill>
+                <a:latin typeface="+mj-lt"/>
+              </a:defRPr>
             </a:lvl1pPr>
             <a:lvl2pPr marL="457200" indent="0" algn="ctr">
               <a:buNone/>
-              <a:defRPr sz="2000"/>
+              <a:defRPr sz="2400"/>
             </a:lvl2pPr>
             <a:lvl3pPr marL="914400" indent="0" algn="ctr">
               <a:buNone/>
-              <a:defRPr sz="1800"/>
+              <a:defRPr sz="2400"/>
             </a:lvl3pPr>
             <a:lvl4pPr marL="1371600" indent="0" algn="ctr">
               <a:buNone/>
-              <a:defRPr sz="1600"/>
+              <a:defRPr sz="2000"/>
             </a:lvl4pPr>
             <a:lvl5pPr marL="1828800" indent="0" algn="ctr">
               <a:buNone/>
-              <a:defRPr sz="1600"/>
+              <a:defRPr sz="2000"/>
             </a:lvl5pPr>
             <a:lvl6pPr marL="2286000" indent="0" algn="ctr">
               <a:buNone/>
-              <a:defRPr sz="1600"/>
+              <a:defRPr sz="2000"/>
             </a:lvl6pPr>
             <a:lvl7pPr marL="2743200" indent="0" algn="ctr">
               <a:buNone/>
-              <a:defRPr sz="1600"/>
+              <a:defRPr sz="2000"/>
             </a:lvl7pPr>
             <a:lvl8pPr marL="3200400" indent="0" algn="ctr">
               <a:buNone/>
-              <a:defRPr sz="1600"/>
+              <a:defRPr sz="2000"/>
             </a:lvl8pPr>
             <a:lvl9pPr marL="3657600" indent="0" algn="ctr">
               <a:buNone/>
-              <a:defRPr sz="1600"/>
+              <a:defRPr sz="2000"/>
             </a:lvl9pPr>
           </a:lstStyle>
           <a:p>
@@ -262,18 +351,13 @@
               <a:rPr lang="en-US"/>
               <a:t>Click to edit Master subtitle style</a:t>
             </a:r>
-          </a:p>
-        </p:txBody>
-      </p:sp>
-      <p:sp>
-        <p:nvSpPr>
-          <p:cNvPr id="4" name="Date Placeholder 3">
-            <a:extLst>
-              <a:ext uri="{FF2B5EF4-FFF2-40B4-BE49-F238E27FC236}">
-                <a16:creationId xmlns:a16="http://schemas.microsoft.com/office/drawing/2014/main" id="{5DBA4377-D02A-48F4-86FD-3446AA15A4D8}"/>
-              </a:ext>
-            </a:extLst>
-          </p:cNvPr>
+            <a:endParaRPr lang="en-US" dirty="0"/>
+          </a:p>
+        </p:txBody>
+      </p:sp>
+      <p:sp>
+        <p:nvSpPr>
+          <p:cNvPr id="4" name="Date Placeholder 3"/>
           <p:cNvSpPr>
             <a:spLocks noGrp="1"/>
           </p:cNvSpPr>
@@ -296,13 +380,7 @@
       </p:sp>
       <p:sp>
         <p:nvSpPr>
-          <p:cNvPr id="5" name="Footer Placeholder 4">
-            <a:extLst>
-              <a:ext uri="{FF2B5EF4-FFF2-40B4-BE49-F238E27FC236}">
-                <a16:creationId xmlns:a16="http://schemas.microsoft.com/office/drawing/2014/main" id="{01F984B7-AF4D-4D1E-8CEA-AF2DDE4EB226}"/>
-              </a:ext>
-            </a:extLst>
-          </p:cNvPr>
+          <p:cNvPr id="5" name="Footer Placeholder 4"/>
           <p:cNvSpPr>
             <a:spLocks noGrp="1"/>
           </p:cNvSpPr>
@@ -321,13 +399,7 @@
       </p:sp>
       <p:sp>
         <p:nvSpPr>
-          <p:cNvPr id="6" name="Slide Number Placeholder 5">
-            <a:extLst>
-              <a:ext uri="{FF2B5EF4-FFF2-40B4-BE49-F238E27FC236}">
-                <a16:creationId xmlns:a16="http://schemas.microsoft.com/office/drawing/2014/main" id="{6E8DD667-2895-420E-B76C-74A9D66BFEE1}"/>
-              </a:ext>
-            </a:extLst>
-          </p:cNvPr>
+          <p:cNvPr id="6" name="Slide Number Placeholder 5"/>
           <p:cNvSpPr>
             <a:spLocks noGrp="1"/>
           </p:cNvSpPr>
@@ -348,10 +420,48 @@
           </a:p>
         </p:txBody>
       </p:sp>
+      <p:cxnSp>
+        <p:nvCxnSpPr>
+          <p:cNvPr id="9" name="Straight Connector 8"/>
+          <p:cNvCxnSpPr/>
+          <p:nvPr/>
+        </p:nvCxnSpPr>
+        <p:spPr>
+          <a:xfrm>
+            <a:off x="1207658" y="4343400"/>
+            <a:ext cx="9875520" cy="0"/>
+          </a:xfrm>
+          <a:prstGeom prst="line">
+            <a:avLst/>
+          </a:prstGeom>
+          <a:ln w="6350">
+            <a:solidFill>
+              <a:schemeClr val="tx1">
+                <a:lumMod val="50000"/>
+                <a:lumOff val="50000"/>
+              </a:schemeClr>
+            </a:solidFill>
+          </a:ln>
+        </p:spPr>
+        <p:style>
+          <a:lnRef idx="1">
+            <a:schemeClr val="accent1"/>
+          </a:lnRef>
+          <a:fillRef idx="0">
+            <a:schemeClr val="accent1"/>
+          </a:fillRef>
+          <a:effectRef idx="0">
+            <a:schemeClr val="accent1"/>
+          </a:effectRef>
+          <a:fontRef idx="minor">
+            <a:schemeClr val="tx1"/>
+          </a:fontRef>
+        </p:style>
+      </p:cxnSp>
     </p:spTree>
     <p:extLst>
       <p:ext uri="{BB962C8B-B14F-4D97-AF65-F5344CB8AC3E}">
-        <p14:creationId xmlns:p14="http://schemas.microsoft.com/office/powerpoint/2010/main" val="1512539593"/>
+        <p14:creationId xmlns:p14="http://schemas.microsoft.com/office/powerpoint/2010/main" val="993352091"/>
       </p:ext>
     </p:extLst>
   </p:cSld>
@@ -380,13 +490,7 @@
       </p:grpSpPr>
       <p:sp>
         <p:nvSpPr>
-          <p:cNvPr id="2" name="Title 1">
-            <a:extLst>
-              <a:ext uri="{FF2B5EF4-FFF2-40B4-BE49-F238E27FC236}">
-                <a16:creationId xmlns:a16="http://schemas.microsoft.com/office/drawing/2014/main" id="{733D229B-15C5-42D9-8B27-E1F4D91E573F}"/>
-              </a:ext>
-            </a:extLst>
-          </p:cNvPr>
+          <p:cNvPr id="2" name="Title 1"/>
           <p:cNvSpPr>
             <a:spLocks noGrp="1"/>
           </p:cNvSpPr>
@@ -403,18 +507,13 @@
               <a:rPr lang="en-US"/>
               <a:t>Click to edit Master title style</a:t>
             </a:r>
-          </a:p>
-        </p:txBody>
-      </p:sp>
-      <p:sp>
-        <p:nvSpPr>
-          <p:cNvPr id="3" name="Vertical Text Placeholder 2">
-            <a:extLst>
-              <a:ext uri="{FF2B5EF4-FFF2-40B4-BE49-F238E27FC236}">
-                <a16:creationId xmlns:a16="http://schemas.microsoft.com/office/drawing/2014/main" id="{DD5E3DA1-EBA5-41B3-96E1-B36D09D6BB50}"/>
-              </a:ext>
-            </a:extLst>
-          </p:cNvPr>
+            <a:endParaRPr lang="en-US" dirty="0"/>
+          </a:p>
+        </p:txBody>
+      </p:sp>
+      <p:sp>
+        <p:nvSpPr>
+          <p:cNvPr id="3" name="Vertical Text Placeholder 2"/>
           <p:cNvSpPr>
             <a:spLocks noGrp="1"/>
           </p:cNvSpPr>
@@ -424,7 +523,7 @@
         </p:nvSpPr>
         <p:spPr/>
         <p:txBody>
-          <a:bodyPr vert="eaVert"/>
+          <a:bodyPr vert="eaVert" lIns="45720" tIns="0" rIns="45720" bIns="0"/>
           <a:lstStyle/>
           <a:p>
             <a:pPr lvl="0"/>
@@ -460,18 +559,13 @@
               <a:rPr lang="en-US"/>
               <a:t>Fifth level</a:t>
             </a:r>
-          </a:p>
-        </p:txBody>
-      </p:sp>
-      <p:sp>
-        <p:nvSpPr>
-          <p:cNvPr id="4" name="Date Placeholder 3">
-            <a:extLst>
-              <a:ext uri="{FF2B5EF4-FFF2-40B4-BE49-F238E27FC236}">
-                <a16:creationId xmlns:a16="http://schemas.microsoft.com/office/drawing/2014/main" id="{5BF81395-4458-4ADC-9CD6-5B41A5F309CE}"/>
-              </a:ext>
-            </a:extLst>
-          </p:cNvPr>
+            <a:endParaRPr lang="en-US" dirty="0"/>
+          </a:p>
+        </p:txBody>
+      </p:sp>
+      <p:sp>
+        <p:nvSpPr>
+          <p:cNvPr id="4" name="Date Placeholder 3"/>
           <p:cNvSpPr>
             <a:spLocks noGrp="1"/>
           </p:cNvSpPr>
@@ -494,13 +588,7 @@
       </p:sp>
       <p:sp>
         <p:nvSpPr>
-          <p:cNvPr id="5" name="Footer Placeholder 4">
-            <a:extLst>
-              <a:ext uri="{FF2B5EF4-FFF2-40B4-BE49-F238E27FC236}">
-                <a16:creationId xmlns:a16="http://schemas.microsoft.com/office/drawing/2014/main" id="{B46D0E43-CF62-45FF-98C0-E3F10576CD0B}"/>
-              </a:ext>
-            </a:extLst>
-          </p:cNvPr>
+          <p:cNvPr id="5" name="Footer Placeholder 4"/>
           <p:cNvSpPr>
             <a:spLocks noGrp="1"/>
           </p:cNvSpPr>
@@ -519,13 +607,7 @@
       </p:sp>
       <p:sp>
         <p:nvSpPr>
-          <p:cNvPr id="6" name="Slide Number Placeholder 5">
-            <a:extLst>
-              <a:ext uri="{FF2B5EF4-FFF2-40B4-BE49-F238E27FC236}">
-                <a16:creationId xmlns:a16="http://schemas.microsoft.com/office/drawing/2014/main" id="{9510CA9D-142B-4309-816D-636C8672D553}"/>
-              </a:ext>
-            </a:extLst>
-          </p:cNvPr>
+          <p:cNvPr id="6" name="Slide Number Placeholder 5"/>
           <p:cNvSpPr>
             <a:spLocks noGrp="1"/>
           </p:cNvSpPr>
@@ -549,7 +631,7 @@
     </p:spTree>
     <p:extLst>
       <p:ext uri="{BB962C8B-B14F-4D97-AF65-F5344CB8AC3E}">
-        <p14:creationId xmlns:p14="http://schemas.microsoft.com/office/powerpoint/2010/main" val="1237037019"/>
+        <p14:creationId xmlns:p14="http://schemas.microsoft.com/office/powerpoint/2010/main" val="656612653"/>
       </p:ext>
     </p:extLst>
   </p:cSld>
@@ -560,7 +642,7 @@
 </file>
 
 <file path=ppt/slideLayouts/slideLayout11.xml><?xml version="1.0" encoding="utf-8"?>
-<p:sldLayout xmlns:a="http://schemas.openxmlformats.org/drawingml/2006/main" xmlns:r="http://schemas.openxmlformats.org/officeDocument/2006/relationships" xmlns:p="http://schemas.openxmlformats.org/presentationml/2006/main" type="vertTitleAndTx" preserve="1">
+<p:sldLayout xmlns:a="http://schemas.openxmlformats.org/drawingml/2006/main" xmlns:r="http://schemas.openxmlformats.org/officeDocument/2006/relationships" xmlns:p="http://schemas.openxmlformats.org/presentationml/2006/main" showMasterSp="0" type="vertTitleAndTx" preserve="1">
   <p:cSld name="Vertical Title and Text">
     <p:spTree>
       <p:nvGrpSpPr>
@@ -578,24 +660,94 @@
       </p:grpSpPr>
       <p:sp>
         <p:nvSpPr>
-          <p:cNvPr id="2" name="Vertical Title 1">
-            <a:extLst>
-              <a:ext uri="{FF2B5EF4-FFF2-40B4-BE49-F238E27FC236}">
-                <a16:creationId xmlns:a16="http://schemas.microsoft.com/office/drawing/2014/main" id="{BD4D4D6E-3A0B-4A69-A945-BE6768F8087B}"/>
-              </a:ext>
-            </a:extLst>
-          </p:cNvPr>
-          <p:cNvSpPr>
-            <a:spLocks noGrp="1"/>
-          </p:cNvSpPr>
-          <p:nvPr>
-            <p:ph type="title" orient="vert"/>
-          </p:nvPr>
+          <p:cNvPr id="7" name="Rectangle 6"/>
+          <p:cNvSpPr/>
+          <p:nvPr/>
         </p:nvSpPr>
         <p:spPr>
           <a:xfrm>
-            <a:off x="8724900" y="365125"/>
-            <a:ext cx="2628900" cy="5811838"/>
+            <a:off x="3175" y="6400800"/>
+            <a:ext cx="12188825" cy="457200"/>
+          </a:xfrm>
+          <a:prstGeom prst="rect">
+            <a:avLst/>
+          </a:prstGeom>
+          <a:solidFill>
+            <a:schemeClr val="accent2"/>
+          </a:solidFill>
+          <a:ln>
+            <a:noFill/>
+          </a:ln>
+        </p:spPr>
+        <p:style>
+          <a:lnRef idx="2">
+            <a:schemeClr val="accent1">
+              <a:shade val="50000"/>
+            </a:schemeClr>
+          </a:lnRef>
+          <a:fillRef idx="1">
+            <a:schemeClr val="accent1"/>
+          </a:fillRef>
+          <a:effectRef idx="0">
+            <a:schemeClr val="accent1"/>
+          </a:effectRef>
+          <a:fontRef idx="minor">
+            <a:schemeClr val="lt1"/>
+          </a:fontRef>
+        </p:style>
+      </p:sp>
+      <p:sp>
+        <p:nvSpPr>
+          <p:cNvPr id="8" name="Rectangle 7"/>
+          <p:cNvSpPr/>
+          <p:nvPr/>
+        </p:nvSpPr>
+        <p:spPr>
+          <a:xfrm>
+            <a:off x="15" y="6334316"/>
+            <a:ext cx="12188825" cy="64008"/>
+          </a:xfrm>
+          <a:prstGeom prst="rect">
+            <a:avLst/>
+          </a:prstGeom>
+          <a:solidFill>
+            <a:schemeClr val="accent1"/>
+          </a:solidFill>
+          <a:ln>
+            <a:noFill/>
+          </a:ln>
+        </p:spPr>
+        <p:style>
+          <a:lnRef idx="2">
+            <a:schemeClr val="accent1">
+              <a:shade val="50000"/>
+            </a:schemeClr>
+          </a:lnRef>
+          <a:fillRef idx="1">
+            <a:schemeClr val="accent1"/>
+          </a:fillRef>
+          <a:effectRef idx="0">
+            <a:schemeClr val="accent1"/>
+          </a:effectRef>
+          <a:fontRef idx="minor">
+            <a:schemeClr val="lt1"/>
+          </a:fontRef>
+        </p:style>
+      </p:sp>
+      <p:sp>
+        <p:nvSpPr>
+          <p:cNvPr id="2" name="Vertical Title 1"/>
+          <p:cNvSpPr>
+            <a:spLocks noGrp="1"/>
+          </p:cNvSpPr>
+          <p:nvPr>
+            <p:ph type="title" orient="vert"/>
+          </p:nvPr>
+        </p:nvSpPr>
+        <p:spPr>
+          <a:xfrm>
+            <a:off x="8724900" y="414778"/>
+            <a:ext cx="2628900" cy="5757421"/>
           </a:xfrm>
         </p:spPr>
         <p:txBody>
@@ -606,18 +758,13 @@
               <a:rPr lang="en-US"/>
               <a:t>Click to edit Master title style</a:t>
             </a:r>
-          </a:p>
-        </p:txBody>
-      </p:sp>
-      <p:sp>
-        <p:nvSpPr>
-          <p:cNvPr id="3" name="Vertical Text Placeholder 2">
-            <a:extLst>
-              <a:ext uri="{FF2B5EF4-FFF2-40B4-BE49-F238E27FC236}">
-                <a16:creationId xmlns:a16="http://schemas.microsoft.com/office/drawing/2014/main" id="{24118792-78A3-4344-9966-DC21AFA1D519}"/>
-              </a:ext>
-            </a:extLst>
-          </p:cNvPr>
+            <a:endParaRPr lang="en-US" dirty="0"/>
+          </a:p>
+        </p:txBody>
+      </p:sp>
+      <p:sp>
+        <p:nvSpPr>
+          <p:cNvPr id="3" name="Vertical Text Placeholder 2"/>
           <p:cNvSpPr>
             <a:spLocks noGrp="1"/>
           </p:cNvSpPr>
@@ -627,12 +774,12 @@
         </p:nvSpPr>
         <p:spPr>
           <a:xfrm>
-            <a:off x="838200" y="365125"/>
-            <a:ext cx="7734300" cy="5811838"/>
+            <a:off x="838200" y="414778"/>
+            <a:ext cx="7734300" cy="5757422"/>
           </a:xfrm>
         </p:spPr>
         <p:txBody>
-          <a:bodyPr vert="eaVert"/>
+          <a:bodyPr vert="eaVert" lIns="45720" tIns="0" rIns="45720" bIns="0"/>
           <a:lstStyle/>
           <a:p>
             <a:pPr lvl="0"/>
@@ -668,18 +815,13 @@
               <a:rPr lang="en-US"/>
               <a:t>Fifth level</a:t>
             </a:r>
-          </a:p>
-        </p:txBody>
-      </p:sp>
-      <p:sp>
-        <p:nvSpPr>
-          <p:cNvPr id="4" name="Date Placeholder 3">
-            <a:extLst>
-              <a:ext uri="{FF2B5EF4-FFF2-40B4-BE49-F238E27FC236}">
-                <a16:creationId xmlns:a16="http://schemas.microsoft.com/office/drawing/2014/main" id="{C87A448F-1D36-4C36-9DA8-DEA171978AD9}"/>
-              </a:ext>
-            </a:extLst>
-          </p:cNvPr>
+            <a:endParaRPr lang="en-US" dirty="0"/>
+          </a:p>
+        </p:txBody>
+      </p:sp>
+      <p:sp>
+        <p:nvSpPr>
+          <p:cNvPr id="4" name="Date Placeholder 3"/>
           <p:cNvSpPr>
             <a:spLocks noGrp="1"/>
           </p:cNvSpPr>
@@ -702,13 +844,7 @@
       </p:sp>
       <p:sp>
         <p:nvSpPr>
-          <p:cNvPr id="5" name="Footer Placeholder 4">
-            <a:extLst>
-              <a:ext uri="{FF2B5EF4-FFF2-40B4-BE49-F238E27FC236}">
-                <a16:creationId xmlns:a16="http://schemas.microsoft.com/office/drawing/2014/main" id="{D584BEBB-162D-4066-929E-2D206F8F969E}"/>
-              </a:ext>
-            </a:extLst>
-          </p:cNvPr>
+          <p:cNvPr id="5" name="Footer Placeholder 4"/>
           <p:cNvSpPr>
             <a:spLocks noGrp="1"/>
           </p:cNvSpPr>
@@ -727,13 +863,7 @@
       </p:sp>
       <p:sp>
         <p:nvSpPr>
-          <p:cNvPr id="6" name="Slide Number Placeholder 5">
-            <a:extLst>
-              <a:ext uri="{FF2B5EF4-FFF2-40B4-BE49-F238E27FC236}">
-                <a16:creationId xmlns:a16="http://schemas.microsoft.com/office/drawing/2014/main" id="{010B1107-2AB0-4792-9B54-3CBEB63DBC16}"/>
-              </a:ext>
-            </a:extLst>
-          </p:cNvPr>
+          <p:cNvPr id="6" name="Slide Number Placeholder 5"/>
           <p:cNvSpPr>
             <a:spLocks noGrp="1"/>
           </p:cNvSpPr>
@@ -757,7 +887,7 @@
     </p:spTree>
     <p:extLst>
       <p:ext uri="{BB962C8B-B14F-4D97-AF65-F5344CB8AC3E}">
-        <p14:creationId xmlns:p14="http://schemas.microsoft.com/office/powerpoint/2010/main" val="3928533623"/>
+        <p14:creationId xmlns:p14="http://schemas.microsoft.com/office/powerpoint/2010/main" val="3775079697"/>
       </p:ext>
     </p:extLst>
   </p:cSld>
@@ -786,13 +916,7 @@
       </p:grpSpPr>
       <p:sp>
         <p:nvSpPr>
-          <p:cNvPr id="2" name="Title 1">
-            <a:extLst>
-              <a:ext uri="{FF2B5EF4-FFF2-40B4-BE49-F238E27FC236}">
-                <a16:creationId xmlns:a16="http://schemas.microsoft.com/office/drawing/2014/main" id="{66EDE4DE-B92F-4244-B439-ACAF4644DED9}"/>
-              </a:ext>
-            </a:extLst>
-          </p:cNvPr>
+          <p:cNvPr id="2" name="Title 1"/>
           <p:cNvSpPr>
             <a:spLocks noGrp="1"/>
           </p:cNvSpPr>
@@ -803,24 +927,23 @@
         <p:spPr/>
         <p:txBody>
           <a:bodyPr/>
-          <a:lstStyle/>
+          <a:lstStyle>
+            <a:lvl1pPr marL="0">
+              <a:defRPr/>
+            </a:lvl1pPr>
+          </a:lstStyle>
           <a:p>
             <a:r>
               <a:rPr lang="en-US"/>
               <a:t>Click to edit Master title style</a:t>
             </a:r>
-          </a:p>
-        </p:txBody>
-      </p:sp>
-      <p:sp>
-        <p:nvSpPr>
-          <p:cNvPr id="3" name="Content Placeholder 2">
-            <a:extLst>
-              <a:ext uri="{FF2B5EF4-FFF2-40B4-BE49-F238E27FC236}">
-                <a16:creationId xmlns:a16="http://schemas.microsoft.com/office/drawing/2014/main" id="{16CC56F4-2DD9-412C-B1AB-DCF8C64858D9}"/>
-              </a:ext>
-            </a:extLst>
-          </p:cNvPr>
+            <a:endParaRPr lang="en-US" dirty="0"/>
+          </a:p>
+        </p:txBody>
+      </p:sp>
+      <p:sp>
+        <p:nvSpPr>
+          <p:cNvPr id="3" name="Content Placeholder 2"/>
           <p:cNvSpPr>
             <a:spLocks noGrp="1"/>
           </p:cNvSpPr>
@@ -866,18 +989,13 @@
               <a:rPr lang="en-US"/>
               <a:t>Fifth level</a:t>
             </a:r>
-          </a:p>
-        </p:txBody>
-      </p:sp>
-      <p:sp>
-        <p:nvSpPr>
-          <p:cNvPr id="4" name="Date Placeholder 3">
-            <a:extLst>
-              <a:ext uri="{FF2B5EF4-FFF2-40B4-BE49-F238E27FC236}">
-                <a16:creationId xmlns:a16="http://schemas.microsoft.com/office/drawing/2014/main" id="{07ED8CB8-F691-4EF1-B618-CFD81413B8C0}"/>
-              </a:ext>
-            </a:extLst>
-          </p:cNvPr>
+            <a:endParaRPr lang="en-US" dirty="0"/>
+          </a:p>
+        </p:txBody>
+      </p:sp>
+      <p:sp>
+        <p:nvSpPr>
+          <p:cNvPr id="4" name="Date Placeholder 3"/>
           <p:cNvSpPr>
             <a:spLocks noGrp="1"/>
           </p:cNvSpPr>
@@ -900,13 +1018,7 @@
       </p:sp>
       <p:sp>
         <p:nvSpPr>
-          <p:cNvPr id="5" name="Footer Placeholder 4">
-            <a:extLst>
-              <a:ext uri="{FF2B5EF4-FFF2-40B4-BE49-F238E27FC236}">
-                <a16:creationId xmlns:a16="http://schemas.microsoft.com/office/drawing/2014/main" id="{020BFBEB-586F-45F7-8AC8-B8B7B6FF67A3}"/>
-              </a:ext>
-            </a:extLst>
-          </p:cNvPr>
+          <p:cNvPr id="5" name="Footer Placeholder 4"/>
           <p:cNvSpPr>
             <a:spLocks noGrp="1"/>
           </p:cNvSpPr>
@@ -925,13 +1037,7 @@
       </p:sp>
       <p:sp>
         <p:nvSpPr>
-          <p:cNvPr id="6" name="Slide Number Placeholder 5">
-            <a:extLst>
-              <a:ext uri="{FF2B5EF4-FFF2-40B4-BE49-F238E27FC236}">
-                <a16:creationId xmlns:a16="http://schemas.microsoft.com/office/drawing/2014/main" id="{827A941A-CE4B-4CF6-BB45-86BC531695F5}"/>
-              </a:ext>
-            </a:extLst>
-          </p:cNvPr>
+          <p:cNvPr id="6" name="Slide Number Placeholder 5"/>
           <p:cNvSpPr>
             <a:spLocks noGrp="1"/>
           </p:cNvSpPr>
@@ -955,7 +1061,7 @@
     </p:spTree>
     <p:extLst>
       <p:ext uri="{BB962C8B-B14F-4D97-AF65-F5344CB8AC3E}">
-        <p14:creationId xmlns:p14="http://schemas.microsoft.com/office/powerpoint/2010/main" val="3034398584"/>
+        <p14:creationId xmlns:p14="http://schemas.microsoft.com/office/powerpoint/2010/main" val="3579113613"/>
       </p:ext>
     </p:extLst>
   </p:cSld>
@@ -966,8 +1072,16 @@
 </file>
 
 <file path=ppt/slideLayouts/slideLayout3.xml><?xml version="1.0" encoding="utf-8"?>
-<p:sldLayout xmlns:a="http://schemas.openxmlformats.org/drawingml/2006/main" xmlns:r="http://schemas.openxmlformats.org/officeDocument/2006/relationships" xmlns:p="http://schemas.openxmlformats.org/presentationml/2006/main" type="secHead" preserve="1">
+<p:sldLayout xmlns:a="http://schemas.openxmlformats.org/drawingml/2006/main" xmlns:r="http://schemas.openxmlformats.org/officeDocument/2006/relationships" xmlns:p="http://schemas.openxmlformats.org/presentationml/2006/main" showMasterSp="0" type="secHead" preserve="1">
   <p:cSld name="Section Header">
+    <p:bg>
+      <p:bgPr>
+        <a:solidFill>
+          <a:schemeClr val="bg1"/>
+        </a:solidFill>
+        <a:effectLst/>
+      </p:bgPr>
+    </p:bg>
     <p:spTree>
       <p:nvGrpSpPr>
         <p:cNvPr id="1" name=""/>
@@ -984,79 +1098,157 @@
       </p:grpSpPr>
       <p:sp>
         <p:nvSpPr>
-          <p:cNvPr id="2" name="Title 1">
-            <a:extLst>
-              <a:ext uri="{FF2B5EF4-FFF2-40B4-BE49-F238E27FC236}">
-                <a16:creationId xmlns:a16="http://schemas.microsoft.com/office/drawing/2014/main" id="{89C2F614-7D63-43C5-9C6F-C809956AA159}"/>
-              </a:ext>
-            </a:extLst>
-          </p:cNvPr>
-          <p:cNvSpPr>
-            <a:spLocks noGrp="1"/>
-          </p:cNvSpPr>
-          <p:nvPr>
-            <p:ph type="title"/>
-          </p:nvPr>
+          <p:cNvPr id="7" name="Rectangle 6"/>
+          <p:cNvSpPr/>
+          <p:nvPr/>
         </p:nvSpPr>
         <p:spPr>
           <a:xfrm>
-            <a:off x="831850" y="1709738"/>
-            <a:ext cx="10515600" cy="2852737"/>
+            <a:off x="3175" y="6400800"/>
+            <a:ext cx="12188825" cy="457200"/>
+          </a:xfrm>
+          <a:prstGeom prst="rect">
+            <a:avLst/>
+          </a:prstGeom>
+          <a:solidFill>
+            <a:schemeClr val="accent2"/>
+          </a:solidFill>
+          <a:ln>
+            <a:noFill/>
+          </a:ln>
+        </p:spPr>
+        <p:style>
+          <a:lnRef idx="2">
+            <a:schemeClr val="accent1">
+              <a:shade val="50000"/>
+            </a:schemeClr>
+          </a:lnRef>
+          <a:fillRef idx="1">
+            <a:schemeClr val="accent1"/>
+          </a:fillRef>
+          <a:effectRef idx="0">
+            <a:schemeClr val="accent1"/>
+          </a:effectRef>
+          <a:fontRef idx="minor">
+            <a:schemeClr val="lt1"/>
+          </a:fontRef>
+        </p:style>
+      </p:sp>
+      <p:sp>
+        <p:nvSpPr>
+          <p:cNvPr id="8" name="Rectangle 7"/>
+          <p:cNvSpPr/>
+          <p:nvPr/>
+        </p:nvSpPr>
+        <p:spPr>
+          <a:xfrm>
+            <a:off x="15" y="6334316"/>
+            <a:ext cx="12188825" cy="64008"/>
+          </a:xfrm>
+          <a:prstGeom prst="rect">
+            <a:avLst/>
+          </a:prstGeom>
+          <a:solidFill>
+            <a:schemeClr val="accent1"/>
+          </a:solidFill>
+          <a:ln>
+            <a:noFill/>
+          </a:ln>
+        </p:spPr>
+        <p:style>
+          <a:lnRef idx="2">
+            <a:schemeClr val="accent1">
+              <a:shade val="50000"/>
+            </a:schemeClr>
+          </a:lnRef>
+          <a:fillRef idx="1">
+            <a:schemeClr val="accent1"/>
+          </a:fillRef>
+          <a:effectRef idx="0">
+            <a:schemeClr val="accent1"/>
+          </a:effectRef>
+          <a:fontRef idx="minor">
+            <a:schemeClr val="lt1"/>
+          </a:fontRef>
+        </p:style>
+      </p:sp>
+      <p:sp>
+        <p:nvSpPr>
+          <p:cNvPr id="2" name="Title 1"/>
+          <p:cNvSpPr>
+            <a:spLocks noGrp="1"/>
+          </p:cNvSpPr>
+          <p:nvPr>
+            <p:ph type="title"/>
+          </p:nvPr>
+        </p:nvSpPr>
+        <p:spPr>
+          <a:xfrm>
+            <a:off x="1097280" y="758952"/>
+            <a:ext cx="10058400" cy="3566160"/>
           </a:xfrm>
         </p:spPr>
         <p:txBody>
-          <a:bodyPr anchor="b"/>
+          <a:bodyPr anchor="b" anchorCtr="0">
+            <a:normAutofit/>
+          </a:bodyPr>
           <a:lstStyle>
             <a:lvl1pPr>
-              <a:defRPr sz="6000"/>
-            </a:lvl1pPr>
-          </a:lstStyle>
-          <a:p>
-            <a:r>
-              <a:rPr lang="en-US"/>
-              <a:t>Click to edit Master title style</a:t>
-            </a:r>
-          </a:p>
-        </p:txBody>
-      </p:sp>
-      <p:sp>
-        <p:nvSpPr>
-          <p:cNvPr id="3" name="Text Placeholder 2">
-            <a:extLst>
-              <a:ext uri="{FF2B5EF4-FFF2-40B4-BE49-F238E27FC236}">
-                <a16:creationId xmlns:a16="http://schemas.microsoft.com/office/drawing/2014/main" id="{2B45C924-D6FE-4638-96E3-AD624320281B}"/>
-              </a:ext>
-            </a:extLst>
-          </p:cNvPr>
-          <p:cNvSpPr>
-            <a:spLocks noGrp="1"/>
-          </p:cNvSpPr>
-          <p:nvPr>
-            <p:ph type="body" idx="1"/>
-          </p:nvPr>
-        </p:nvSpPr>
-        <p:spPr>
-          <a:xfrm>
-            <a:off x="831850" y="4589463"/>
-            <a:ext cx="10515600" cy="1500187"/>
-          </a:xfrm>
-        </p:spPr>
-        <p:txBody>
-          <a:bodyPr/>
-          <a:lstStyle>
-            <a:lvl1pPr marL="0" indent="0">
-              <a:buNone/>
-              <a:defRPr sz="2400">
+              <a:lnSpc>
+                <a:spcPct val="85000"/>
+              </a:lnSpc>
+              <a:defRPr sz="8000" b="0">
                 <a:solidFill>
                   <a:schemeClr val="tx1">
-                    <a:tint val="75000"/>
+                    <a:lumMod val="85000"/>
+                    <a:lumOff val="15000"/>
                   </a:schemeClr>
                 </a:solidFill>
               </a:defRPr>
             </a:lvl1pPr>
+          </a:lstStyle>
+          <a:p>
+            <a:r>
+              <a:rPr lang="en-US"/>
+              <a:t>Click to edit Master title style</a:t>
+            </a:r>
+            <a:endParaRPr lang="en-US" dirty="0"/>
+          </a:p>
+        </p:txBody>
+      </p:sp>
+      <p:sp>
+        <p:nvSpPr>
+          <p:cNvPr id="3" name="Text Placeholder 2"/>
+          <p:cNvSpPr>
+            <a:spLocks noGrp="1"/>
+          </p:cNvSpPr>
+          <p:nvPr>
+            <p:ph type="body" idx="1"/>
+          </p:nvPr>
+        </p:nvSpPr>
+        <p:spPr>
+          <a:xfrm>
+            <a:off x="1097280" y="4453128"/>
+            <a:ext cx="10058400" cy="1143000"/>
+          </a:xfrm>
+        </p:spPr>
+        <p:txBody>
+          <a:bodyPr lIns="91440" rIns="91440" anchor="t" anchorCtr="0">
+            <a:normAutofit/>
+          </a:bodyPr>
+          <a:lstStyle>
+            <a:lvl1pPr marL="0" indent="0">
+              <a:buNone/>
+              <a:defRPr sz="2400" cap="all" spc="200" baseline="0">
+                <a:solidFill>
+                  <a:schemeClr val="tx2"/>
+                </a:solidFill>
+                <a:latin typeface="+mj-lt"/>
+              </a:defRPr>
+            </a:lvl1pPr>
             <a:lvl2pPr marL="457200" indent="0">
               <a:buNone/>
-              <a:defRPr sz="2000">
+              <a:defRPr sz="1800">
                 <a:solidFill>
                   <a:schemeClr val="tx1">
                     <a:tint val="75000"/>
@@ -1066,7 +1258,7 @@
             </a:lvl2pPr>
             <a:lvl3pPr marL="914400" indent="0">
               <a:buNone/>
-              <a:defRPr sz="1800">
+              <a:defRPr sz="1600">
                 <a:solidFill>
                   <a:schemeClr val="tx1">
                     <a:tint val="75000"/>
@@ -1076,7 +1268,7 @@
             </a:lvl3pPr>
             <a:lvl4pPr marL="1371600" indent="0">
               <a:buNone/>
-              <a:defRPr sz="1600">
+              <a:defRPr sz="1400">
                 <a:solidFill>
                   <a:schemeClr val="tx1">
                     <a:tint val="75000"/>
@@ -1086,7 +1278,7 @@
             </a:lvl4pPr>
             <a:lvl5pPr marL="1828800" indent="0">
               <a:buNone/>
-              <a:defRPr sz="1600">
+              <a:defRPr sz="1400">
                 <a:solidFill>
                   <a:schemeClr val="tx1">
                     <a:tint val="75000"/>
@@ -1096,7 +1288,7 @@
             </a:lvl5pPr>
             <a:lvl6pPr marL="2286000" indent="0">
               <a:buNone/>
-              <a:defRPr sz="1600">
+              <a:defRPr sz="1400">
                 <a:solidFill>
                   <a:schemeClr val="tx1">
                     <a:tint val="75000"/>
@@ -1106,7 +1298,7 @@
             </a:lvl6pPr>
             <a:lvl7pPr marL="2743200" indent="0">
               <a:buNone/>
-              <a:defRPr sz="1600">
+              <a:defRPr sz="1400">
                 <a:solidFill>
                   <a:schemeClr val="tx1">
                     <a:tint val="75000"/>
@@ -1116,7 +1308,7 @@
             </a:lvl7pPr>
             <a:lvl8pPr marL="3200400" indent="0">
               <a:buNone/>
-              <a:defRPr sz="1600">
+              <a:defRPr sz="1400">
                 <a:solidFill>
                   <a:schemeClr val="tx1">
                     <a:tint val="75000"/>
@@ -1126,7 +1318,7 @@
             </a:lvl8pPr>
             <a:lvl9pPr marL="3657600" indent="0">
               <a:buNone/>
-              <a:defRPr sz="1600">
+              <a:defRPr sz="1400">
                 <a:solidFill>
                   <a:schemeClr val="tx1">
                     <a:tint val="75000"/>
@@ -1146,13 +1338,7 @@
       </p:sp>
       <p:sp>
         <p:nvSpPr>
-          <p:cNvPr id="4" name="Date Placeholder 3">
-            <a:extLst>
-              <a:ext uri="{FF2B5EF4-FFF2-40B4-BE49-F238E27FC236}">
-                <a16:creationId xmlns:a16="http://schemas.microsoft.com/office/drawing/2014/main" id="{15EEE536-022C-458F-AE11-9068558C0A5F}"/>
-              </a:ext>
-            </a:extLst>
-          </p:cNvPr>
+          <p:cNvPr id="4" name="Date Placeholder 3"/>
           <p:cNvSpPr>
             <a:spLocks noGrp="1"/>
           </p:cNvSpPr>
@@ -1175,13 +1361,7 @@
       </p:sp>
       <p:sp>
         <p:nvSpPr>
-          <p:cNvPr id="5" name="Footer Placeholder 4">
-            <a:extLst>
-              <a:ext uri="{FF2B5EF4-FFF2-40B4-BE49-F238E27FC236}">
-                <a16:creationId xmlns:a16="http://schemas.microsoft.com/office/drawing/2014/main" id="{1561C875-A1C2-4A6B-A253-41A4FBFF1162}"/>
-              </a:ext>
-            </a:extLst>
-          </p:cNvPr>
+          <p:cNvPr id="5" name="Footer Placeholder 4"/>
           <p:cNvSpPr>
             <a:spLocks noGrp="1"/>
           </p:cNvSpPr>
@@ -1200,13 +1380,7 @@
       </p:sp>
       <p:sp>
         <p:nvSpPr>
-          <p:cNvPr id="6" name="Slide Number Placeholder 5">
-            <a:extLst>
-              <a:ext uri="{FF2B5EF4-FFF2-40B4-BE49-F238E27FC236}">
-                <a16:creationId xmlns:a16="http://schemas.microsoft.com/office/drawing/2014/main" id="{68A159D8-860A-46D5-AEE6-ED10FC88FBDB}"/>
-              </a:ext>
-            </a:extLst>
-          </p:cNvPr>
+          <p:cNvPr id="6" name="Slide Number Placeholder 5"/>
           <p:cNvSpPr>
             <a:spLocks noGrp="1"/>
           </p:cNvSpPr>
@@ -1227,10 +1401,48 @@
           </a:p>
         </p:txBody>
       </p:sp>
+      <p:cxnSp>
+        <p:nvCxnSpPr>
+          <p:cNvPr id="9" name="Straight Connector 8"/>
+          <p:cNvCxnSpPr/>
+          <p:nvPr/>
+        </p:nvCxnSpPr>
+        <p:spPr>
+          <a:xfrm>
+            <a:off x="1207658" y="4343400"/>
+            <a:ext cx="9875520" cy="0"/>
+          </a:xfrm>
+          <a:prstGeom prst="line">
+            <a:avLst/>
+          </a:prstGeom>
+          <a:ln w="6350">
+            <a:solidFill>
+              <a:schemeClr val="tx1">
+                <a:lumMod val="50000"/>
+                <a:lumOff val="50000"/>
+              </a:schemeClr>
+            </a:solidFill>
+          </a:ln>
+        </p:spPr>
+        <p:style>
+          <a:lnRef idx="1">
+            <a:schemeClr val="accent1"/>
+          </a:lnRef>
+          <a:fillRef idx="0">
+            <a:schemeClr val="accent1"/>
+          </a:fillRef>
+          <a:effectRef idx="0">
+            <a:schemeClr val="accent1"/>
+          </a:effectRef>
+          <a:fontRef idx="minor">
+            <a:schemeClr val="tx1"/>
+          </a:fontRef>
+        </p:style>
+      </p:cxnSp>
     </p:spTree>
     <p:extLst>
       <p:ext uri="{BB962C8B-B14F-4D97-AF65-F5344CB8AC3E}">
-        <p14:creationId xmlns:p14="http://schemas.microsoft.com/office/powerpoint/2010/main" val="2375590496"/>
+        <p14:creationId xmlns:p14="http://schemas.microsoft.com/office/powerpoint/2010/main" val="1945568771"/>
       </p:ext>
     </p:extLst>
   </p:cSld>
@@ -1259,13 +1471,7 @@
       </p:grpSpPr>
       <p:sp>
         <p:nvSpPr>
-          <p:cNvPr id="2" name="Title 1">
-            <a:extLst>
-              <a:ext uri="{FF2B5EF4-FFF2-40B4-BE49-F238E27FC236}">
-                <a16:creationId xmlns:a16="http://schemas.microsoft.com/office/drawing/2014/main" id="{5F9961F6-2847-4413-927A-52918A89EDA1}"/>
-              </a:ext>
-            </a:extLst>
-          </p:cNvPr>
+          <p:cNvPr id="8" name="Title 7"/>
           <p:cNvSpPr>
             <a:spLocks noGrp="1"/>
           </p:cNvSpPr>
@@ -1273,7 +1479,12 @@
             <p:ph type="title"/>
           </p:nvPr>
         </p:nvSpPr>
-        <p:spPr/>
+        <p:spPr>
+          <a:xfrm>
+            <a:off x="1097280" y="286603"/>
+            <a:ext cx="10058400" cy="1450757"/>
+          </a:xfrm>
+        </p:spPr>
         <p:txBody>
           <a:bodyPr/>
           <a:lstStyle/>
@@ -1282,18 +1493,13 @@
               <a:rPr lang="en-US"/>
               <a:t>Click to edit Master title style</a:t>
             </a:r>
-          </a:p>
-        </p:txBody>
-      </p:sp>
-      <p:sp>
-        <p:nvSpPr>
-          <p:cNvPr id="3" name="Content Placeholder 2">
-            <a:extLst>
-              <a:ext uri="{FF2B5EF4-FFF2-40B4-BE49-F238E27FC236}">
-                <a16:creationId xmlns:a16="http://schemas.microsoft.com/office/drawing/2014/main" id="{F63D5265-FA49-40BE-82E5-C4FFDCD62B1B}"/>
-              </a:ext>
-            </a:extLst>
-          </p:cNvPr>
+            <a:endParaRPr lang="en-US" dirty="0"/>
+          </a:p>
+        </p:txBody>
+      </p:sp>
+      <p:sp>
+        <p:nvSpPr>
+          <p:cNvPr id="3" name="Content Placeholder 2"/>
           <p:cNvSpPr>
             <a:spLocks noGrp="1"/>
           </p:cNvSpPr>
@@ -1303,8 +1509,8 @@
         </p:nvSpPr>
         <p:spPr>
           <a:xfrm>
-            <a:off x="838200" y="1825625"/>
-            <a:ext cx="5181600" cy="4351338"/>
+            <a:off x="1097279" y="1845734"/>
+            <a:ext cx="4937760" cy="4023360"/>
           </a:xfrm>
         </p:spPr>
         <p:txBody>
@@ -1344,18 +1550,13 @@
               <a:rPr lang="en-US"/>
               <a:t>Fifth level</a:t>
             </a:r>
-          </a:p>
-        </p:txBody>
-      </p:sp>
-      <p:sp>
-        <p:nvSpPr>
-          <p:cNvPr id="4" name="Content Placeholder 3">
-            <a:extLst>
-              <a:ext uri="{FF2B5EF4-FFF2-40B4-BE49-F238E27FC236}">
-                <a16:creationId xmlns:a16="http://schemas.microsoft.com/office/drawing/2014/main" id="{AF33C370-D0F8-4740-B0DE-EE0CE62D6C34}"/>
-              </a:ext>
-            </a:extLst>
-          </p:cNvPr>
+            <a:endParaRPr lang="en-US" dirty="0"/>
+          </a:p>
+        </p:txBody>
+      </p:sp>
+      <p:sp>
+        <p:nvSpPr>
+          <p:cNvPr id="4" name="Content Placeholder 3"/>
           <p:cNvSpPr>
             <a:spLocks noGrp="1"/>
           </p:cNvSpPr>
@@ -1365,8 +1566,8 @@
         </p:nvSpPr>
         <p:spPr>
           <a:xfrm>
-            <a:off x="6172200" y="1825625"/>
-            <a:ext cx="5181600" cy="4351338"/>
+            <a:off x="6217920" y="1845735"/>
+            <a:ext cx="4937760" cy="4023360"/>
           </a:xfrm>
         </p:spPr>
         <p:txBody>
@@ -1406,18 +1607,13 @@
               <a:rPr lang="en-US"/>
               <a:t>Fifth level</a:t>
             </a:r>
-          </a:p>
-        </p:txBody>
-      </p:sp>
-      <p:sp>
-        <p:nvSpPr>
-          <p:cNvPr id="5" name="Date Placeholder 4">
-            <a:extLst>
-              <a:ext uri="{FF2B5EF4-FFF2-40B4-BE49-F238E27FC236}">
-                <a16:creationId xmlns:a16="http://schemas.microsoft.com/office/drawing/2014/main" id="{348163A6-58A3-4990-A5EE-C81A6C91747F}"/>
-              </a:ext>
-            </a:extLst>
-          </p:cNvPr>
+            <a:endParaRPr lang="en-US" dirty="0"/>
+          </a:p>
+        </p:txBody>
+      </p:sp>
+      <p:sp>
+        <p:nvSpPr>
+          <p:cNvPr id="5" name="Date Placeholder 4"/>
           <p:cNvSpPr>
             <a:spLocks noGrp="1"/>
           </p:cNvSpPr>
@@ -1440,13 +1636,7 @@
       </p:sp>
       <p:sp>
         <p:nvSpPr>
-          <p:cNvPr id="6" name="Footer Placeholder 5">
-            <a:extLst>
-              <a:ext uri="{FF2B5EF4-FFF2-40B4-BE49-F238E27FC236}">
-                <a16:creationId xmlns:a16="http://schemas.microsoft.com/office/drawing/2014/main" id="{610A09CD-64C8-49FD-9EE1-DEAB8C0D6FB5}"/>
-              </a:ext>
-            </a:extLst>
-          </p:cNvPr>
+          <p:cNvPr id="6" name="Footer Placeholder 5"/>
           <p:cNvSpPr>
             <a:spLocks noGrp="1"/>
           </p:cNvSpPr>
@@ -1465,13 +1655,7 @@
       </p:sp>
       <p:sp>
         <p:nvSpPr>
-          <p:cNvPr id="7" name="Slide Number Placeholder 6">
-            <a:extLst>
-              <a:ext uri="{FF2B5EF4-FFF2-40B4-BE49-F238E27FC236}">
-                <a16:creationId xmlns:a16="http://schemas.microsoft.com/office/drawing/2014/main" id="{500357EC-9A23-4F1D-8B7D-004C5B364165}"/>
-              </a:ext>
-            </a:extLst>
-          </p:cNvPr>
+          <p:cNvPr id="7" name="Slide Number Placeholder 6"/>
           <p:cNvSpPr>
             <a:spLocks noGrp="1"/>
           </p:cNvSpPr>
@@ -1495,7 +1679,7 @@
     </p:spTree>
     <p:extLst>
       <p:ext uri="{BB962C8B-B14F-4D97-AF65-F5344CB8AC3E}">
-        <p14:creationId xmlns:p14="http://schemas.microsoft.com/office/powerpoint/2010/main" val="787643550"/>
+        <p14:creationId xmlns:p14="http://schemas.microsoft.com/office/powerpoint/2010/main" val="2419468528"/>
       </p:ext>
     </p:extLst>
   </p:cSld>
@@ -1524,13 +1708,7 @@
       </p:grpSpPr>
       <p:sp>
         <p:nvSpPr>
-          <p:cNvPr id="2" name="Title 1">
-            <a:extLst>
-              <a:ext uri="{FF2B5EF4-FFF2-40B4-BE49-F238E27FC236}">
-                <a16:creationId xmlns:a16="http://schemas.microsoft.com/office/drawing/2014/main" id="{AD10D24D-B89E-43B9-81B3-94BAE6E1B2CE}"/>
-              </a:ext>
-            </a:extLst>
-          </p:cNvPr>
+          <p:cNvPr id="10" name="Title 9"/>
           <p:cNvSpPr>
             <a:spLocks noGrp="1"/>
           </p:cNvSpPr>
@@ -1540,8 +1718,8 @@
         </p:nvSpPr>
         <p:spPr>
           <a:xfrm>
-            <a:off x="839788" y="365125"/>
-            <a:ext cx="10515600" cy="1325563"/>
+            <a:off x="1097280" y="286603"/>
+            <a:ext cx="10058400" cy="1450757"/>
           </a:xfrm>
         </p:spPr>
         <p:txBody>
@@ -1552,18 +1730,13 @@
               <a:rPr lang="en-US"/>
               <a:t>Click to edit Master title style</a:t>
             </a:r>
-          </a:p>
-        </p:txBody>
-      </p:sp>
-      <p:sp>
-        <p:nvSpPr>
-          <p:cNvPr id="3" name="Text Placeholder 2">
-            <a:extLst>
-              <a:ext uri="{FF2B5EF4-FFF2-40B4-BE49-F238E27FC236}">
-                <a16:creationId xmlns:a16="http://schemas.microsoft.com/office/drawing/2014/main" id="{BB9A86A1-389E-4D54-8F18-A394F2E1118F}"/>
-              </a:ext>
-            </a:extLst>
-          </p:cNvPr>
+            <a:endParaRPr lang="en-US" dirty="0"/>
+          </a:p>
+        </p:txBody>
+      </p:sp>
+      <p:sp>
+        <p:nvSpPr>
+          <p:cNvPr id="3" name="Text Placeholder 2"/>
           <p:cNvSpPr>
             <a:spLocks noGrp="1"/>
           </p:cNvSpPr>
@@ -1573,16 +1746,22 @@
         </p:nvSpPr>
         <p:spPr>
           <a:xfrm>
-            <a:off x="839788" y="1681163"/>
-            <a:ext cx="5157787" cy="823912"/>
+            <a:off x="1097280" y="1846052"/>
+            <a:ext cx="4937760" cy="736282"/>
           </a:xfrm>
         </p:spPr>
         <p:txBody>
-          <a:bodyPr anchor="b"/>
+          <a:bodyPr lIns="91440" rIns="91440" anchor="ctr">
+            <a:normAutofit/>
+          </a:bodyPr>
           <a:lstStyle>
             <a:lvl1pPr marL="0" indent="0">
               <a:buNone/>
-              <a:defRPr sz="2400" b="1"/>
+              <a:defRPr sz="2000" b="0" cap="all" baseline="0">
+                <a:solidFill>
+                  <a:schemeClr val="tx2"/>
+                </a:solidFill>
+              </a:defRPr>
             </a:lvl1pPr>
             <a:lvl2pPr marL="457200" indent="0">
               <a:buNone/>
@@ -1628,13 +1807,7 @@
       </p:sp>
       <p:sp>
         <p:nvSpPr>
-          <p:cNvPr id="4" name="Content Placeholder 3">
-            <a:extLst>
-              <a:ext uri="{FF2B5EF4-FFF2-40B4-BE49-F238E27FC236}">
-                <a16:creationId xmlns:a16="http://schemas.microsoft.com/office/drawing/2014/main" id="{36C482DB-1F28-4C63-956E-CB5FFB5EB489}"/>
-              </a:ext>
-            </a:extLst>
-          </p:cNvPr>
+          <p:cNvPr id="4" name="Content Placeholder 3"/>
           <p:cNvSpPr>
             <a:spLocks noGrp="1"/>
           </p:cNvSpPr>
@@ -1644,8 +1817,8 @@
         </p:nvSpPr>
         <p:spPr>
           <a:xfrm>
-            <a:off x="839788" y="2505075"/>
-            <a:ext cx="5157787" cy="3684588"/>
+            <a:off x="1097280" y="2582334"/>
+            <a:ext cx="4937760" cy="3378200"/>
           </a:xfrm>
         </p:spPr>
         <p:txBody>
@@ -1685,18 +1858,13 @@
               <a:rPr lang="en-US"/>
               <a:t>Fifth level</a:t>
             </a:r>
-          </a:p>
-        </p:txBody>
-      </p:sp>
-      <p:sp>
-        <p:nvSpPr>
-          <p:cNvPr id="5" name="Text Placeholder 4">
-            <a:extLst>
-              <a:ext uri="{FF2B5EF4-FFF2-40B4-BE49-F238E27FC236}">
-                <a16:creationId xmlns:a16="http://schemas.microsoft.com/office/drawing/2014/main" id="{82F260B3-E92D-4B10-91CB-2F0908791823}"/>
-              </a:ext>
-            </a:extLst>
-          </p:cNvPr>
+            <a:endParaRPr lang="en-US" dirty="0"/>
+          </a:p>
+        </p:txBody>
+      </p:sp>
+      <p:sp>
+        <p:nvSpPr>
+          <p:cNvPr id="5" name="Text Placeholder 4"/>
           <p:cNvSpPr>
             <a:spLocks noGrp="1"/>
           </p:cNvSpPr>
@@ -1706,16 +1874,22 @@
         </p:nvSpPr>
         <p:spPr>
           <a:xfrm>
-            <a:off x="6172200" y="1681163"/>
-            <a:ext cx="5183188" cy="823912"/>
+            <a:off x="6217920" y="1846052"/>
+            <a:ext cx="4937760" cy="736282"/>
           </a:xfrm>
         </p:spPr>
         <p:txBody>
-          <a:bodyPr anchor="b"/>
+          <a:bodyPr lIns="91440" rIns="91440" anchor="ctr">
+            <a:normAutofit/>
+          </a:bodyPr>
           <a:lstStyle>
             <a:lvl1pPr marL="0" indent="0">
               <a:buNone/>
-              <a:defRPr sz="2400" b="1"/>
+              <a:defRPr sz="2000" b="0" cap="all" baseline="0">
+                <a:solidFill>
+                  <a:schemeClr val="tx2"/>
+                </a:solidFill>
+              </a:defRPr>
             </a:lvl1pPr>
             <a:lvl2pPr marL="457200" indent="0">
               <a:buNone/>
@@ -1761,13 +1935,7 @@
       </p:sp>
       <p:sp>
         <p:nvSpPr>
-          <p:cNvPr id="6" name="Content Placeholder 5">
-            <a:extLst>
-              <a:ext uri="{FF2B5EF4-FFF2-40B4-BE49-F238E27FC236}">
-                <a16:creationId xmlns:a16="http://schemas.microsoft.com/office/drawing/2014/main" id="{4F586C47-D8A1-4C7D-816F-0E1E95B6DDAE}"/>
-              </a:ext>
-            </a:extLst>
-          </p:cNvPr>
+          <p:cNvPr id="6" name="Content Placeholder 5"/>
           <p:cNvSpPr>
             <a:spLocks noGrp="1"/>
           </p:cNvSpPr>
@@ -1777,8 +1945,8 @@
         </p:nvSpPr>
         <p:spPr>
           <a:xfrm>
-            <a:off x="6172200" y="2505075"/>
-            <a:ext cx="5183188" cy="3684588"/>
+            <a:off x="6217920" y="2582334"/>
+            <a:ext cx="4937760" cy="3378200"/>
           </a:xfrm>
         </p:spPr>
         <p:txBody>
@@ -1818,18 +1986,13 @@
               <a:rPr lang="en-US"/>
               <a:t>Fifth level</a:t>
             </a:r>
-          </a:p>
-        </p:txBody>
-      </p:sp>
-      <p:sp>
-        <p:nvSpPr>
-          <p:cNvPr id="7" name="Date Placeholder 6">
-            <a:extLst>
-              <a:ext uri="{FF2B5EF4-FFF2-40B4-BE49-F238E27FC236}">
-                <a16:creationId xmlns:a16="http://schemas.microsoft.com/office/drawing/2014/main" id="{229C5854-987A-4478-A972-ECEFAE421CAD}"/>
-              </a:ext>
-            </a:extLst>
-          </p:cNvPr>
+            <a:endParaRPr lang="en-US" dirty="0"/>
+          </a:p>
+        </p:txBody>
+      </p:sp>
+      <p:sp>
+        <p:nvSpPr>
+          <p:cNvPr id="7" name="Date Placeholder 6"/>
           <p:cNvSpPr>
             <a:spLocks noGrp="1"/>
           </p:cNvSpPr>
@@ -1852,13 +2015,7 @@
       </p:sp>
       <p:sp>
         <p:nvSpPr>
-          <p:cNvPr id="8" name="Footer Placeholder 7">
-            <a:extLst>
-              <a:ext uri="{FF2B5EF4-FFF2-40B4-BE49-F238E27FC236}">
-                <a16:creationId xmlns:a16="http://schemas.microsoft.com/office/drawing/2014/main" id="{B830700B-AB7B-4916-99A5-6579D23E4E0A}"/>
-              </a:ext>
-            </a:extLst>
-          </p:cNvPr>
+          <p:cNvPr id="8" name="Footer Placeholder 7"/>
           <p:cNvSpPr>
             <a:spLocks noGrp="1"/>
           </p:cNvSpPr>
@@ -1877,13 +2034,7 @@
       </p:sp>
       <p:sp>
         <p:nvSpPr>
-          <p:cNvPr id="9" name="Slide Number Placeholder 8">
-            <a:extLst>
-              <a:ext uri="{FF2B5EF4-FFF2-40B4-BE49-F238E27FC236}">
-                <a16:creationId xmlns:a16="http://schemas.microsoft.com/office/drawing/2014/main" id="{8FCBB7CB-373F-4A26-A7A3-3966A0CC9FDE}"/>
-              </a:ext>
-            </a:extLst>
-          </p:cNvPr>
+          <p:cNvPr id="9" name="Slide Number Placeholder 8"/>
           <p:cNvSpPr>
             <a:spLocks noGrp="1"/>
           </p:cNvSpPr>
@@ -1907,7 +2058,7 @@
     </p:spTree>
     <p:extLst>
       <p:ext uri="{BB962C8B-B14F-4D97-AF65-F5344CB8AC3E}">
-        <p14:creationId xmlns:p14="http://schemas.microsoft.com/office/powerpoint/2010/main" val="2062559575"/>
+        <p14:creationId xmlns:p14="http://schemas.microsoft.com/office/powerpoint/2010/main" val="2908112034"/>
       </p:ext>
     </p:extLst>
   </p:cSld>
@@ -1936,13 +2087,7 @@
       </p:grpSpPr>
       <p:sp>
         <p:nvSpPr>
-          <p:cNvPr id="2" name="Title 1">
-            <a:extLst>
-              <a:ext uri="{FF2B5EF4-FFF2-40B4-BE49-F238E27FC236}">
-                <a16:creationId xmlns:a16="http://schemas.microsoft.com/office/drawing/2014/main" id="{68EA05B2-A43F-4586-9315-0DFC6C16BABA}"/>
-              </a:ext>
-            </a:extLst>
-          </p:cNvPr>
+          <p:cNvPr id="2" name="Title 1"/>
           <p:cNvSpPr>
             <a:spLocks noGrp="1"/>
           </p:cNvSpPr>
@@ -1959,18 +2104,13 @@
               <a:rPr lang="en-US"/>
               <a:t>Click to edit Master title style</a:t>
             </a:r>
-          </a:p>
-        </p:txBody>
-      </p:sp>
-      <p:sp>
-        <p:nvSpPr>
-          <p:cNvPr id="3" name="Date Placeholder 2">
-            <a:extLst>
-              <a:ext uri="{FF2B5EF4-FFF2-40B4-BE49-F238E27FC236}">
-                <a16:creationId xmlns:a16="http://schemas.microsoft.com/office/drawing/2014/main" id="{4D988BCC-6430-4C01-AF9D-F27308465149}"/>
-              </a:ext>
-            </a:extLst>
-          </p:cNvPr>
+            <a:endParaRPr lang="en-US" dirty="0"/>
+          </a:p>
+        </p:txBody>
+      </p:sp>
+      <p:sp>
+        <p:nvSpPr>
+          <p:cNvPr id="3" name="Date Placeholder 2"/>
           <p:cNvSpPr>
             <a:spLocks noGrp="1"/>
           </p:cNvSpPr>
@@ -1993,13 +2133,7 @@
       </p:sp>
       <p:sp>
         <p:nvSpPr>
-          <p:cNvPr id="4" name="Footer Placeholder 3">
-            <a:extLst>
-              <a:ext uri="{FF2B5EF4-FFF2-40B4-BE49-F238E27FC236}">
-                <a16:creationId xmlns:a16="http://schemas.microsoft.com/office/drawing/2014/main" id="{87A57D78-FDD8-4609-A11B-F4A738F84EEB}"/>
-              </a:ext>
-            </a:extLst>
-          </p:cNvPr>
+          <p:cNvPr id="4" name="Footer Placeholder 3"/>
           <p:cNvSpPr>
             <a:spLocks noGrp="1"/>
           </p:cNvSpPr>
@@ -2018,13 +2152,7 @@
       </p:sp>
       <p:sp>
         <p:nvSpPr>
-          <p:cNvPr id="5" name="Slide Number Placeholder 4">
-            <a:extLst>
-              <a:ext uri="{FF2B5EF4-FFF2-40B4-BE49-F238E27FC236}">
-                <a16:creationId xmlns:a16="http://schemas.microsoft.com/office/drawing/2014/main" id="{06D1CAAC-80CC-4887-93AB-F03FE2E66BC2}"/>
-              </a:ext>
-            </a:extLst>
-          </p:cNvPr>
+          <p:cNvPr id="5" name="Slide Number Placeholder 4"/>
           <p:cNvSpPr>
             <a:spLocks noGrp="1"/>
           </p:cNvSpPr>
@@ -2048,7 +2176,7 @@
     </p:spTree>
     <p:extLst>
       <p:ext uri="{BB962C8B-B14F-4D97-AF65-F5344CB8AC3E}">
-        <p14:creationId xmlns:p14="http://schemas.microsoft.com/office/powerpoint/2010/main" val="2917882211"/>
+        <p14:creationId xmlns:p14="http://schemas.microsoft.com/office/powerpoint/2010/main" val="3181051890"/>
       </p:ext>
     </p:extLst>
   </p:cSld>
@@ -2059,7 +2187,7 @@
 </file>
 
 <file path=ppt/slideLayouts/slideLayout7.xml><?xml version="1.0" encoding="utf-8"?>
-<p:sldLayout xmlns:a="http://schemas.openxmlformats.org/drawingml/2006/main" xmlns:r="http://schemas.openxmlformats.org/officeDocument/2006/relationships" xmlns:p="http://schemas.openxmlformats.org/presentationml/2006/main" type="blank" preserve="1">
+<p:sldLayout xmlns:a="http://schemas.openxmlformats.org/drawingml/2006/main" xmlns:r="http://schemas.openxmlformats.org/officeDocument/2006/relationships" xmlns:p="http://schemas.openxmlformats.org/presentationml/2006/main" showMasterSp="0" type="blank" preserve="1">
   <p:cSld name="Blank">
     <p:spTree>
       <p:nvGrpSpPr>
@@ -2077,13 +2205,83 @@
       </p:grpSpPr>
       <p:sp>
         <p:nvSpPr>
-          <p:cNvPr id="2" name="Date Placeholder 1">
-            <a:extLst>
-              <a:ext uri="{FF2B5EF4-FFF2-40B4-BE49-F238E27FC236}">
-                <a16:creationId xmlns:a16="http://schemas.microsoft.com/office/drawing/2014/main" id="{E70EA134-5FF7-4E57-8A50-2F49BB9A9C75}"/>
-              </a:ext>
-            </a:extLst>
-          </p:cNvPr>
+          <p:cNvPr id="5" name="Rectangle 4"/>
+          <p:cNvSpPr/>
+          <p:nvPr/>
+        </p:nvSpPr>
+        <p:spPr>
+          <a:xfrm>
+            <a:off x="3175" y="6400800"/>
+            <a:ext cx="12188825" cy="457200"/>
+          </a:xfrm>
+          <a:prstGeom prst="rect">
+            <a:avLst/>
+          </a:prstGeom>
+          <a:solidFill>
+            <a:schemeClr val="accent2"/>
+          </a:solidFill>
+          <a:ln>
+            <a:noFill/>
+          </a:ln>
+        </p:spPr>
+        <p:style>
+          <a:lnRef idx="2">
+            <a:schemeClr val="accent1">
+              <a:shade val="50000"/>
+            </a:schemeClr>
+          </a:lnRef>
+          <a:fillRef idx="1">
+            <a:schemeClr val="accent1"/>
+          </a:fillRef>
+          <a:effectRef idx="0">
+            <a:schemeClr val="accent1"/>
+          </a:effectRef>
+          <a:fontRef idx="minor">
+            <a:schemeClr val="lt1"/>
+          </a:fontRef>
+        </p:style>
+      </p:sp>
+      <p:sp>
+        <p:nvSpPr>
+          <p:cNvPr id="6" name="Rectangle 5"/>
+          <p:cNvSpPr/>
+          <p:nvPr/>
+        </p:nvSpPr>
+        <p:spPr>
+          <a:xfrm>
+            <a:off x="15" y="6334316"/>
+            <a:ext cx="12188825" cy="64008"/>
+          </a:xfrm>
+          <a:prstGeom prst="rect">
+            <a:avLst/>
+          </a:prstGeom>
+          <a:solidFill>
+            <a:schemeClr val="accent1"/>
+          </a:solidFill>
+          <a:ln>
+            <a:noFill/>
+          </a:ln>
+        </p:spPr>
+        <p:style>
+          <a:lnRef idx="2">
+            <a:schemeClr val="accent1">
+              <a:shade val="50000"/>
+            </a:schemeClr>
+          </a:lnRef>
+          <a:fillRef idx="1">
+            <a:schemeClr val="accent1"/>
+          </a:fillRef>
+          <a:effectRef idx="0">
+            <a:schemeClr val="accent1"/>
+          </a:effectRef>
+          <a:fontRef idx="minor">
+            <a:schemeClr val="lt1"/>
+          </a:fontRef>
+        </p:style>
+      </p:sp>
+      <p:sp>
+        <p:nvSpPr>
+          <p:cNvPr id="7" name="Date Placeholder 6"/>
           <p:cNvSpPr>
             <a:spLocks noGrp="1"/>
           </p:cNvSpPr>
@@ -2106,13 +2304,7 @@
       </p:sp>
       <p:sp>
         <p:nvSpPr>
-          <p:cNvPr id="3" name="Footer Placeholder 2">
-            <a:extLst>
-              <a:ext uri="{FF2B5EF4-FFF2-40B4-BE49-F238E27FC236}">
-                <a16:creationId xmlns:a16="http://schemas.microsoft.com/office/drawing/2014/main" id="{0148BA7F-BDEA-433A-A5C4-0EA7774FDB5C}"/>
-              </a:ext>
-            </a:extLst>
-          </p:cNvPr>
+          <p:cNvPr id="8" name="Footer Placeholder 7"/>
           <p:cNvSpPr>
             <a:spLocks noGrp="1"/>
           </p:cNvSpPr>
@@ -2123,7 +2315,15 @@
         <p:spPr/>
         <p:txBody>
           <a:bodyPr/>
-          <a:lstStyle/>
+          <a:lstStyle>
+            <a:lvl1pPr>
+              <a:defRPr>
+                <a:solidFill>
+                  <a:srgbClr val="FFFFFF"/>
+                </a:solidFill>
+              </a:defRPr>
+            </a:lvl1pPr>
+          </a:lstStyle>
           <a:p>
             <a:endParaRPr lang="en-US"/>
           </a:p>
@@ -2131,13 +2331,7 @@
       </p:sp>
       <p:sp>
         <p:nvSpPr>
-          <p:cNvPr id="4" name="Slide Number Placeholder 3">
-            <a:extLst>
-              <a:ext uri="{FF2B5EF4-FFF2-40B4-BE49-F238E27FC236}">
-                <a16:creationId xmlns:a16="http://schemas.microsoft.com/office/drawing/2014/main" id="{3459068A-AB20-4A74-8E8A-8263D9CE1A7B}"/>
-              </a:ext>
-            </a:extLst>
-          </p:cNvPr>
+          <p:cNvPr id="9" name="Slide Number Placeholder 8"/>
           <p:cNvSpPr>
             <a:spLocks noGrp="1"/>
           </p:cNvSpPr>
@@ -2161,7 +2355,7 @@
     </p:spTree>
     <p:extLst>
       <p:ext uri="{BB962C8B-B14F-4D97-AF65-F5344CB8AC3E}">
-        <p14:creationId xmlns:p14="http://schemas.microsoft.com/office/powerpoint/2010/main" val="3786066304"/>
+        <p14:creationId xmlns:p14="http://schemas.microsoft.com/office/powerpoint/2010/main" val="3333659481"/>
       </p:ext>
     </p:extLst>
   </p:cSld>
@@ -2172,7 +2366,7 @@
 </file>
 
 <file path=ppt/slideLayouts/slideLayout8.xml><?xml version="1.0" encoding="utf-8"?>
-<p:sldLayout xmlns:a="http://schemas.openxmlformats.org/drawingml/2006/main" xmlns:r="http://schemas.openxmlformats.org/officeDocument/2006/relationships" xmlns:p="http://schemas.openxmlformats.org/presentationml/2006/main" type="objTx" preserve="1">
+<p:sldLayout xmlns:a="http://schemas.openxmlformats.org/drawingml/2006/main" xmlns:r="http://schemas.openxmlformats.org/officeDocument/2006/relationships" xmlns:p="http://schemas.openxmlformats.org/presentationml/2006/main" showMasterSp="0" type="objTx" preserve="1">
   <p:cSld name="Content with Caption">
     <p:spTree>
       <p:nvGrpSpPr>
@@ -2190,31 +2384,107 @@
       </p:grpSpPr>
       <p:sp>
         <p:nvSpPr>
-          <p:cNvPr id="2" name="Title 1">
-            <a:extLst>
-              <a:ext uri="{FF2B5EF4-FFF2-40B4-BE49-F238E27FC236}">
-                <a16:creationId xmlns:a16="http://schemas.microsoft.com/office/drawing/2014/main" id="{C140DBE1-04B5-4C5A-B6C2-4E3462A525F3}"/>
-              </a:ext>
-            </a:extLst>
-          </p:cNvPr>
-          <p:cNvSpPr>
-            <a:spLocks noGrp="1"/>
-          </p:cNvSpPr>
-          <p:nvPr>
-            <p:ph type="title"/>
-          </p:nvPr>
+          <p:cNvPr id="8" name="Rectangle 7"/>
+          <p:cNvSpPr/>
+          <p:nvPr/>
         </p:nvSpPr>
         <p:spPr>
           <a:xfrm>
-            <a:off x="839788" y="457200"/>
-            <a:ext cx="3932237" cy="1600200"/>
+            <a:off x="16" y="0"/>
+            <a:ext cx="4050791" cy="6858000"/>
+          </a:xfrm>
+          <a:prstGeom prst="rect">
+            <a:avLst/>
+          </a:prstGeom>
+          <a:solidFill>
+            <a:schemeClr val="accent2"/>
+          </a:solidFill>
+          <a:ln>
+            <a:noFill/>
+          </a:ln>
+        </p:spPr>
+        <p:style>
+          <a:lnRef idx="2">
+            <a:schemeClr val="accent1">
+              <a:shade val="50000"/>
+            </a:schemeClr>
+          </a:lnRef>
+          <a:fillRef idx="1">
+            <a:schemeClr val="accent1"/>
+          </a:fillRef>
+          <a:effectRef idx="0">
+            <a:schemeClr val="accent1"/>
+          </a:effectRef>
+          <a:fontRef idx="minor">
+            <a:schemeClr val="lt1"/>
+          </a:fontRef>
+        </p:style>
+      </p:sp>
+      <p:sp>
+        <p:nvSpPr>
+          <p:cNvPr id="9" name="Rectangle 8"/>
+          <p:cNvSpPr/>
+          <p:nvPr/>
+        </p:nvSpPr>
+        <p:spPr>
+          <a:xfrm>
+            <a:off x="4040071" y="0"/>
+            <a:ext cx="64008" cy="6858000"/>
+          </a:xfrm>
+          <a:prstGeom prst="rect">
+            <a:avLst/>
+          </a:prstGeom>
+          <a:solidFill>
+            <a:schemeClr val="accent1"/>
+          </a:solidFill>
+          <a:ln>
+            <a:noFill/>
+          </a:ln>
+        </p:spPr>
+        <p:style>
+          <a:lnRef idx="2">
+            <a:schemeClr val="accent1">
+              <a:shade val="50000"/>
+            </a:schemeClr>
+          </a:lnRef>
+          <a:fillRef idx="1">
+            <a:schemeClr val="accent1"/>
+          </a:fillRef>
+          <a:effectRef idx="0">
+            <a:schemeClr val="accent1"/>
+          </a:effectRef>
+          <a:fontRef idx="minor">
+            <a:schemeClr val="lt1"/>
+          </a:fontRef>
+        </p:style>
+      </p:sp>
+      <p:sp>
+        <p:nvSpPr>
+          <p:cNvPr id="2" name="Title 1"/>
+          <p:cNvSpPr>
+            <a:spLocks noGrp="1"/>
+          </p:cNvSpPr>
+          <p:nvPr>
+            <p:ph type="title"/>
+          </p:nvPr>
+        </p:nvSpPr>
+        <p:spPr>
+          <a:xfrm>
+            <a:off x="457200" y="594359"/>
+            <a:ext cx="3200400" cy="2286000"/>
           </a:xfrm>
         </p:spPr>
         <p:txBody>
-          <a:bodyPr anchor="b"/>
+          <a:bodyPr anchor="b">
+            <a:normAutofit/>
+          </a:bodyPr>
           <a:lstStyle>
             <a:lvl1pPr>
-              <a:defRPr sz="3200"/>
+              <a:defRPr sz="3600" b="0">
+                <a:solidFill>
+                  <a:srgbClr val="FFFFFF"/>
+                </a:solidFill>
+              </a:defRPr>
             </a:lvl1pPr>
           </a:lstStyle>
           <a:p>
@@ -2222,18 +2492,13 @@
               <a:rPr lang="en-US"/>
               <a:t>Click to edit Master title style</a:t>
             </a:r>
-          </a:p>
-        </p:txBody>
-      </p:sp>
-      <p:sp>
-        <p:nvSpPr>
-          <p:cNvPr id="3" name="Content Placeholder 2">
-            <a:extLst>
-              <a:ext uri="{FF2B5EF4-FFF2-40B4-BE49-F238E27FC236}">
-                <a16:creationId xmlns:a16="http://schemas.microsoft.com/office/drawing/2014/main" id="{A10FFFF5-1419-43BE-B79C-4CFC71CEB7A8}"/>
-              </a:ext>
-            </a:extLst>
-          </p:cNvPr>
+            <a:endParaRPr lang="en-US" dirty="0"/>
+          </a:p>
+        </p:txBody>
+      </p:sp>
+      <p:sp>
+        <p:nvSpPr>
+          <p:cNvPr id="3" name="Content Placeholder 2"/>
           <p:cNvSpPr>
             <a:spLocks noGrp="1"/>
           </p:cNvSpPr>
@@ -2243,41 +2508,13 @@
         </p:nvSpPr>
         <p:spPr>
           <a:xfrm>
-            <a:off x="5183188" y="987425"/>
-            <a:ext cx="6172200" cy="4873625"/>
+            <a:off x="4800600" y="731520"/>
+            <a:ext cx="6492240" cy="5257800"/>
           </a:xfrm>
         </p:spPr>
         <p:txBody>
           <a:bodyPr/>
-          <a:lstStyle>
-            <a:lvl1pPr>
-              <a:defRPr sz="3200"/>
-            </a:lvl1pPr>
-            <a:lvl2pPr>
-              <a:defRPr sz="2800"/>
-            </a:lvl2pPr>
-            <a:lvl3pPr>
-              <a:defRPr sz="2400"/>
-            </a:lvl3pPr>
-            <a:lvl4pPr>
-              <a:defRPr sz="2000"/>
-            </a:lvl4pPr>
-            <a:lvl5pPr>
-              <a:defRPr sz="2000"/>
-            </a:lvl5pPr>
-            <a:lvl6pPr>
-              <a:defRPr sz="2000"/>
-            </a:lvl6pPr>
-            <a:lvl7pPr>
-              <a:defRPr sz="2000"/>
-            </a:lvl7pPr>
-            <a:lvl8pPr>
-              <a:defRPr sz="2000"/>
-            </a:lvl8pPr>
-            <a:lvl9pPr>
-              <a:defRPr sz="2000"/>
-            </a:lvl9pPr>
-          </a:lstStyle>
+          <a:lstStyle/>
           <a:p>
             <a:pPr lvl="0"/>
             <a:r>
@@ -2312,18 +2549,13 @@
               <a:rPr lang="en-US"/>
               <a:t>Fifth level</a:t>
             </a:r>
-          </a:p>
-        </p:txBody>
-      </p:sp>
-      <p:sp>
-        <p:nvSpPr>
-          <p:cNvPr id="4" name="Text Placeholder 3">
-            <a:extLst>
-              <a:ext uri="{FF2B5EF4-FFF2-40B4-BE49-F238E27FC236}">
-                <a16:creationId xmlns:a16="http://schemas.microsoft.com/office/drawing/2014/main" id="{4AE86518-81AF-47B8-BB59-0DCDCE67EC11}"/>
-              </a:ext>
-            </a:extLst>
-          </p:cNvPr>
+            <a:endParaRPr lang="en-US" dirty="0"/>
+          </a:p>
+        </p:txBody>
+      </p:sp>
+      <p:sp>
+        <p:nvSpPr>
+          <p:cNvPr id="4" name="Text Placeholder 3"/>
           <p:cNvSpPr>
             <a:spLocks noGrp="1"/>
           </p:cNvSpPr>
@@ -2333,48 +2565,54 @@
         </p:nvSpPr>
         <p:spPr>
           <a:xfrm>
-            <a:off x="839788" y="2057400"/>
-            <a:ext cx="3932237" cy="3811588"/>
+            <a:off x="457200" y="2926080"/>
+            <a:ext cx="3200400" cy="3379124"/>
           </a:xfrm>
         </p:spPr>
         <p:txBody>
-          <a:bodyPr/>
+          <a:bodyPr lIns="91440" rIns="91440">
+            <a:normAutofit/>
+          </a:bodyPr>
           <a:lstStyle>
             <a:lvl1pPr marL="0" indent="0">
               <a:buNone/>
-              <a:defRPr sz="1600"/>
+              <a:defRPr sz="1500">
+                <a:solidFill>
+                  <a:srgbClr val="FFFFFF"/>
+                </a:solidFill>
+              </a:defRPr>
             </a:lvl1pPr>
             <a:lvl2pPr marL="457200" indent="0">
               <a:buNone/>
-              <a:defRPr sz="1400"/>
+              <a:defRPr sz="1200"/>
             </a:lvl2pPr>
             <a:lvl3pPr marL="914400" indent="0">
               <a:buNone/>
-              <a:defRPr sz="1200"/>
+              <a:defRPr sz="1000"/>
             </a:lvl3pPr>
             <a:lvl4pPr marL="1371600" indent="0">
               <a:buNone/>
-              <a:defRPr sz="1000"/>
+              <a:defRPr sz="900"/>
             </a:lvl4pPr>
             <a:lvl5pPr marL="1828800" indent="0">
               <a:buNone/>
-              <a:defRPr sz="1000"/>
+              <a:defRPr sz="900"/>
             </a:lvl5pPr>
             <a:lvl6pPr marL="2286000" indent="0">
               <a:buNone/>
-              <a:defRPr sz="1000"/>
+              <a:defRPr sz="900"/>
             </a:lvl6pPr>
             <a:lvl7pPr marL="2743200" indent="0">
               <a:buNone/>
-              <a:defRPr sz="1000"/>
+              <a:defRPr sz="900"/>
             </a:lvl7pPr>
             <a:lvl8pPr marL="3200400" indent="0">
               <a:buNone/>
-              <a:defRPr sz="1000"/>
+              <a:defRPr sz="900"/>
             </a:lvl8pPr>
             <a:lvl9pPr marL="3657600" indent="0">
               <a:buNone/>
-              <a:defRPr sz="1000"/>
+              <a:defRPr sz="900"/>
             </a:lvl9pPr>
           </a:lstStyle>
           <a:p>
@@ -2388,13 +2626,7 @@
       </p:sp>
       <p:sp>
         <p:nvSpPr>
-          <p:cNvPr id="5" name="Date Placeholder 4">
-            <a:extLst>
-              <a:ext uri="{FF2B5EF4-FFF2-40B4-BE49-F238E27FC236}">
-                <a16:creationId xmlns:a16="http://schemas.microsoft.com/office/drawing/2014/main" id="{179FBAFC-D0A5-4C01-816B-0346C01A416A}"/>
-              </a:ext>
-            </a:extLst>
-          </p:cNvPr>
+          <p:cNvPr id="5" name="Date Placeholder 4"/>
           <p:cNvSpPr>
             <a:spLocks noGrp="1"/>
           </p:cNvSpPr>
@@ -2402,10 +2634,19 @@
             <p:ph type="dt" sz="half" idx="10"/>
           </p:nvPr>
         </p:nvSpPr>
-        <p:spPr/>
-        <p:txBody>
-          <a:bodyPr/>
-          <a:lstStyle/>
+        <p:spPr>
+          <a:xfrm>
+            <a:off x="465512" y="6459785"/>
+            <a:ext cx="2618510" cy="365125"/>
+          </a:xfrm>
+        </p:spPr>
+        <p:txBody>
+          <a:bodyPr/>
+          <a:lstStyle>
+            <a:lvl1pPr algn="l">
+              <a:defRPr/>
+            </a:lvl1pPr>
+          </a:lstStyle>
           <a:p>
             <a:fld id="{0855F0DF-591A-4352-A67A-D1A292CE560D}" type="datetimeFigureOut">
               <a:rPr lang="en-US" smtClean="0"/>
@@ -2417,13 +2658,7 @@
       </p:sp>
       <p:sp>
         <p:nvSpPr>
-          <p:cNvPr id="6" name="Footer Placeholder 5">
-            <a:extLst>
-              <a:ext uri="{FF2B5EF4-FFF2-40B4-BE49-F238E27FC236}">
-                <a16:creationId xmlns:a16="http://schemas.microsoft.com/office/drawing/2014/main" id="{F435C231-E2FA-4195-B7F6-CC23132A111B}"/>
-              </a:ext>
-            </a:extLst>
-          </p:cNvPr>
+          <p:cNvPr id="6" name="Footer Placeholder 5"/>
           <p:cNvSpPr>
             <a:spLocks noGrp="1"/>
           </p:cNvSpPr>
@@ -2431,10 +2666,23 @@
             <p:ph type="ftr" sz="quarter" idx="11"/>
           </p:nvPr>
         </p:nvSpPr>
-        <p:spPr/>
-        <p:txBody>
-          <a:bodyPr/>
-          <a:lstStyle/>
+        <p:spPr>
+          <a:xfrm>
+            <a:off x="4800600" y="6459785"/>
+            <a:ext cx="4648200" cy="365125"/>
+          </a:xfrm>
+        </p:spPr>
+        <p:txBody>
+          <a:bodyPr/>
+          <a:lstStyle>
+            <a:lvl1pPr algn="l">
+              <a:defRPr>
+                <a:solidFill>
+                  <a:schemeClr val="tx2"/>
+                </a:solidFill>
+              </a:defRPr>
+            </a:lvl1pPr>
+          </a:lstStyle>
           <a:p>
             <a:endParaRPr lang="en-US"/>
           </a:p>
@@ -2442,13 +2690,7 @@
       </p:sp>
       <p:sp>
         <p:nvSpPr>
-          <p:cNvPr id="7" name="Slide Number Placeholder 6">
-            <a:extLst>
-              <a:ext uri="{FF2B5EF4-FFF2-40B4-BE49-F238E27FC236}">
-                <a16:creationId xmlns:a16="http://schemas.microsoft.com/office/drawing/2014/main" id="{7A704C14-8D3A-4095-9EE1-2CDAFA4A80F6}"/>
-              </a:ext>
-            </a:extLst>
-          </p:cNvPr>
+          <p:cNvPr id="7" name="Slide Number Placeholder 6"/>
           <p:cNvSpPr>
             <a:spLocks noGrp="1"/>
           </p:cNvSpPr>
@@ -2459,7 +2701,15 @@
         <p:spPr/>
         <p:txBody>
           <a:bodyPr/>
-          <a:lstStyle/>
+          <a:lstStyle>
+            <a:lvl1pPr>
+              <a:defRPr>
+                <a:solidFill>
+                  <a:schemeClr val="tx2"/>
+                </a:solidFill>
+              </a:defRPr>
+            </a:lvl1pPr>
+          </a:lstStyle>
           <a:p>
             <a:fld id="{F809A615-E099-4B47-8AE1-B8503F706AE6}" type="slidenum">
               <a:rPr lang="en-US" smtClean="0"/>
@@ -2472,7 +2722,7 @@
     </p:spTree>
     <p:extLst>
       <p:ext uri="{BB962C8B-B14F-4D97-AF65-F5344CB8AC3E}">
-        <p14:creationId xmlns:p14="http://schemas.microsoft.com/office/powerpoint/2010/main" val="672139296"/>
+        <p14:creationId xmlns:p14="http://schemas.microsoft.com/office/powerpoint/2010/main" val="2235788983"/>
       </p:ext>
     </p:extLst>
   </p:cSld>
@@ -2483,7 +2733,7 @@
 </file>
 
 <file path=ppt/slideLayouts/slideLayout9.xml><?xml version="1.0" encoding="utf-8"?>
-<p:sldLayout xmlns:a="http://schemas.openxmlformats.org/drawingml/2006/main" xmlns:r="http://schemas.openxmlformats.org/officeDocument/2006/relationships" xmlns:p="http://schemas.openxmlformats.org/presentationml/2006/main" type="picTx" preserve="1">
+<p:sldLayout xmlns:a="http://schemas.openxmlformats.org/drawingml/2006/main" xmlns:r="http://schemas.openxmlformats.org/officeDocument/2006/relationships" xmlns:p="http://schemas.openxmlformats.org/presentationml/2006/main" showMasterSp="0" type="picTx" preserve="1">
   <p:cSld name="Picture with Caption">
     <p:spTree>
       <p:nvGrpSpPr>
@@ -2501,31 +2751,107 @@
       </p:grpSpPr>
       <p:sp>
         <p:nvSpPr>
-          <p:cNvPr id="2" name="Title 1">
-            <a:extLst>
-              <a:ext uri="{FF2B5EF4-FFF2-40B4-BE49-F238E27FC236}">
-                <a16:creationId xmlns:a16="http://schemas.microsoft.com/office/drawing/2014/main" id="{4FA5819A-C071-41DE-BB34-3408AC8F136A}"/>
-              </a:ext>
-            </a:extLst>
-          </p:cNvPr>
-          <p:cNvSpPr>
-            <a:spLocks noGrp="1"/>
-          </p:cNvSpPr>
-          <p:nvPr>
-            <p:ph type="title"/>
-          </p:nvPr>
+          <p:cNvPr id="8" name="Rectangle 7"/>
+          <p:cNvSpPr/>
+          <p:nvPr/>
         </p:nvSpPr>
         <p:spPr>
           <a:xfrm>
-            <a:off x="839788" y="457200"/>
-            <a:ext cx="3932237" cy="1600200"/>
+            <a:off x="0" y="4953000"/>
+            <a:ext cx="12188825" cy="1905000"/>
+          </a:xfrm>
+          <a:prstGeom prst="rect">
+            <a:avLst/>
+          </a:prstGeom>
+          <a:solidFill>
+            <a:schemeClr val="accent2"/>
+          </a:solidFill>
+          <a:ln>
+            <a:noFill/>
+          </a:ln>
+        </p:spPr>
+        <p:style>
+          <a:lnRef idx="2">
+            <a:schemeClr val="accent1">
+              <a:shade val="50000"/>
+            </a:schemeClr>
+          </a:lnRef>
+          <a:fillRef idx="1">
+            <a:schemeClr val="accent1"/>
+          </a:fillRef>
+          <a:effectRef idx="0">
+            <a:schemeClr val="accent1"/>
+          </a:effectRef>
+          <a:fontRef idx="minor">
+            <a:schemeClr val="lt1"/>
+          </a:fontRef>
+        </p:style>
+      </p:sp>
+      <p:sp>
+        <p:nvSpPr>
+          <p:cNvPr id="9" name="Rectangle 8"/>
+          <p:cNvSpPr/>
+          <p:nvPr/>
+        </p:nvSpPr>
+        <p:spPr>
+          <a:xfrm>
+            <a:off x="15" y="4915076"/>
+            <a:ext cx="12188825" cy="64008"/>
+          </a:xfrm>
+          <a:prstGeom prst="rect">
+            <a:avLst/>
+          </a:prstGeom>
+          <a:solidFill>
+            <a:schemeClr val="accent1"/>
+          </a:solidFill>
+          <a:ln>
+            <a:noFill/>
+          </a:ln>
+        </p:spPr>
+        <p:style>
+          <a:lnRef idx="2">
+            <a:schemeClr val="accent1">
+              <a:shade val="50000"/>
+            </a:schemeClr>
+          </a:lnRef>
+          <a:fillRef idx="1">
+            <a:schemeClr val="accent1"/>
+          </a:fillRef>
+          <a:effectRef idx="0">
+            <a:schemeClr val="accent1"/>
+          </a:effectRef>
+          <a:fontRef idx="minor">
+            <a:schemeClr val="lt1"/>
+          </a:fontRef>
+        </p:style>
+      </p:sp>
+      <p:sp>
+        <p:nvSpPr>
+          <p:cNvPr id="2" name="Title 1"/>
+          <p:cNvSpPr>
+            <a:spLocks noGrp="1"/>
+          </p:cNvSpPr>
+          <p:nvPr>
+            <p:ph type="title"/>
+          </p:nvPr>
+        </p:nvSpPr>
+        <p:spPr>
+          <a:xfrm>
+            <a:off x="1097280" y="5074920"/>
+            <a:ext cx="10113264" cy="822960"/>
           </a:xfrm>
         </p:spPr>
         <p:txBody>
-          <a:bodyPr anchor="b"/>
+          <a:bodyPr lIns="91440" tIns="0" rIns="91440" bIns="0" anchor="b">
+            <a:noAutofit/>
+          </a:bodyPr>
           <a:lstStyle>
             <a:lvl1pPr>
-              <a:defRPr sz="3200"/>
+              <a:defRPr sz="3600" b="0">
+                <a:solidFill>
+                  <a:srgbClr val="FFFFFF"/>
+                </a:solidFill>
+              </a:defRPr>
             </a:lvl1pPr>
           </a:lstStyle>
           <a:p>
@@ -2533,20 +2859,15 @@
               <a:rPr lang="en-US"/>
               <a:t>Click to edit Master title style</a:t>
             </a:r>
-          </a:p>
-        </p:txBody>
-      </p:sp>
-      <p:sp>
-        <p:nvSpPr>
-          <p:cNvPr id="3" name="Picture Placeholder 2">
-            <a:extLst>
-              <a:ext uri="{FF2B5EF4-FFF2-40B4-BE49-F238E27FC236}">
-                <a16:creationId xmlns:a16="http://schemas.microsoft.com/office/drawing/2014/main" id="{67106521-05C0-41BB-ADA8-987C09BE2F46}"/>
-              </a:ext>
-            </a:extLst>
-          </p:cNvPr>
-          <p:cNvSpPr>
-            <a:spLocks noGrp="1"/>
+            <a:endParaRPr lang="en-US" dirty="0"/>
+          </a:p>
+        </p:txBody>
+      </p:sp>
+      <p:sp>
+        <p:nvSpPr>
+          <p:cNvPr id="3" name="Picture Placeholder 2"/>
+          <p:cNvSpPr>
+            <a:spLocks noGrp="1" noChangeAspect="1"/>
           </p:cNvSpPr>
           <p:nvPr>
             <p:ph type="pic" idx="1"/>
@@ -2554,16 +2875,26 @@
         </p:nvSpPr>
         <p:spPr>
           <a:xfrm>
-            <a:off x="5183188" y="987425"/>
-            <a:ext cx="6172200" cy="4873625"/>
+            <a:off x="15" y="0"/>
+            <a:ext cx="12191985" cy="4915076"/>
           </a:xfrm>
+          <a:blipFill>
+            <a:blip r:embed="rId2"/>
+            <a:stretch>
+              <a:fillRect/>
+            </a:stretch>
+          </a:blipFill>
         </p:spPr>
         <p:txBody>
-          <a:bodyPr/>
+          <a:bodyPr lIns="457200" tIns="457200" anchor="t"/>
           <a:lstStyle>
             <a:lvl1pPr marL="0" indent="0">
               <a:buNone/>
-              <a:defRPr sz="3200"/>
+              <a:defRPr sz="3200">
+                <a:solidFill>
+                  <a:schemeClr val="bg1"/>
+                </a:solidFill>
+              </a:defRPr>
             </a:lvl1pPr>
             <a:lvl2pPr marL="457200" indent="0">
               <a:buNone/>
@@ -2599,19 +2930,17 @@
             </a:lvl9pPr>
           </a:lstStyle>
           <a:p>
-            <a:endParaRPr lang="en-US"/>
-          </a:p>
-        </p:txBody>
-      </p:sp>
-      <p:sp>
-        <p:nvSpPr>
-          <p:cNvPr id="4" name="Text Placeholder 3">
-            <a:extLst>
-              <a:ext uri="{FF2B5EF4-FFF2-40B4-BE49-F238E27FC236}">
-                <a16:creationId xmlns:a16="http://schemas.microsoft.com/office/drawing/2014/main" id="{3B5642BC-0511-4B2B-BECA-62F8F62F13B1}"/>
-              </a:ext>
-            </a:extLst>
-          </p:cNvPr>
+            <a:r>
+              <a:rPr lang="en-US"/>
+              <a:t>Click icon to add picture</a:t>
+            </a:r>
+            <a:endParaRPr lang="en-US" dirty="0"/>
+          </a:p>
+        </p:txBody>
+      </p:sp>
+      <p:sp>
+        <p:nvSpPr>
+          <p:cNvPr id="4" name="Text Placeholder 3"/>
           <p:cNvSpPr>
             <a:spLocks noGrp="1"/>
           </p:cNvSpPr>
@@ -2621,48 +2950,60 @@
         </p:nvSpPr>
         <p:spPr>
           <a:xfrm>
-            <a:off x="839788" y="2057400"/>
-            <a:ext cx="3932237" cy="3811588"/>
+            <a:off x="1097280" y="5907023"/>
+            <a:ext cx="10113264" cy="594360"/>
           </a:xfrm>
         </p:spPr>
         <p:txBody>
-          <a:bodyPr/>
+          <a:bodyPr lIns="91440" tIns="0" rIns="91440" bIns="0">
+            <a:normAutofit/>
+          </a:bodyPr>
           <a:lstStyle>
             <a:lvl1pPr marL="0" indent="0">
+              <a:spcBef>
+                <a:spcPts val="0"/>
+              </a:spcBef>
+              <a:spcAft>
+                <a:spcPts val="600"/>
+              </a:spcAft>
               <a:buNone/>
-              <a:defRPr sz="1600"/>
+              <a:defRPr sz="1500">
+                <a:solidFill>
+                  <a:srgbClr val="FFFFFF"/>
+                </a:solidFill>
+              </a:defRPr>
             </a:lvl1pPr>
             <a:lvl2pPr marL="457200" indent="0">
               <a:buNone/>
-              <a:defRPr sz="1400"/>
+              <a:defRPr sz="1200"/>
             </a:lvl2pPr>
             <a:lvl3pPr marL="914400" indent="0">
               <a:buNone/>
-              <a:defRPr sz="1200"/>
+              <a:defRPr sz="1000"/>
             </a:lvl3pPr>
             <a:lvl4pPr marL="1371600" indent="0">
               <a:buNone/>
-              <a:defRPr sz="1000"/>
+              <a:defRPr sz="900"/>
             </a:lvl4pPr>
             <a:lvl5pPr marL="1828800" indent="0">
               <a:buNone/>
-              <a:defRPr sz="1000"/>
+              <a:defRPr sz="900"/>
             </a:lvl5pPr>
             <a:lvl6pPr marL="2286000" indent="0">
               <a:buNone/>
-              <a:defRPr sz="1000"/>
+              <a:defRPr sz="900"/>
             </a:lvl6pPr>
             <a:lvl7pPr marL="2743200" indent="0">
               <a:buNone/>
-              <a:defRPr sz="1000"/>
+              <a:defRPr sz="900"/>
             </a:lvl7pPr>
             <a:lvl8pPr marL="3200400" indent="0">
               <a:buNone/>
-              <a:defRPr sz="1000"/>
+              <a:defRPr sz="900"/>
             </a:lvl8pPr>
             <a:lvl9pPr marL="3657600" indent="0">
               <a:buNone/>
-              <a:defRPr sz="1000"/>
+              <a:defRPr sz="900"/>
             </a:lvl9pPr>
           </a:lstStyle>
           <a:p>
@@ -2676,13 +3017,7 @@
       </p:sp>
       <p:sp>
         <p:nvSpPr>
-          <p:cNvPr id="5" name="Date Placeholder 4">
-            <a:extLst>
-              <a:ext uri="{FF2B5EF4-FFF2-40B4-BE49-F238E27FC236}">
-                <a16:creationId xmlns:a16="http://schemas.microsoft.com/office/drawing/2014/main" id="{D8126B25-F020-4485-BD2B-728C4BDAF39C}"/>
-              </a:ext>
-            </a:extLst>
-          </p:cNvPr>
+          <p:cNvPr id="5" name="Date Placeholder 4"/>
           <p:cNvSpPr>
             <a:spLocks noGrp="1"/>
           </p:cNvSpPr>
@@ -2705,13 +3040,7 @@
       </p:sp>
       <p:sp>
         <p:nvSpPr>
-          <p:cNvPr id="6" name="Footer Placeholder 5">
-            <a:extLst>
-              <a:ext uri="{FF2B5EF4-FFF2-40B4-BE49-F238E27FC236}">
-                <a16:creationId xmlns:a16="http://schemas.microsoft.com/office/drawing/2014/main" id="{C915AD3B-0535-4124-A2C5-C87277A35CD5}"/>
-              </a:ext>
-            </a:extLst>
-          </p:cNvPr>
+          <p:cNvPr id="6" name="Footer Placeholder 5"/>
           <p:cNvSpPr>
             <a:spLocks noGrp="1"/>
           </p:cNvSpPr>
@@ -2730,13 +3059,7 @@
       </p:sp>
       <p:sp>
         <p:nvSpPr>
-          <p:cNvPr id="7" name="Slide Number Placeholder 6">
-            <a:extLst>
-              <a:ext uri="{FF2B5EF4-FFF2-40B4-BE49-F238E27FC236}">
-                <a16:creationId xmlns:a16="http://schemas.microsoft.com/office/drawing/2014/main" id="{43B5AA1A-7EDE-4FE0-BC38-57A676C3116B}"/>
-              </a:ext>
-            </a:extLst>
-          </p:cNvPr>
+          <p:cNvPr id="7" name="Slide Number Placeholder 6"/>
           <p:cNvSpPr>
             <a:spLocks noGrp="1"/>
           </p:cNvSpPr>
@@ -2760,7 +3083,7 @@
     </p:spTree>
     <p:extLst>
       <p:ext uri="{BB962C8B-B14F-4D97-AF65-F5344CB8AC3E}">
-        <p14:creationId xmlns:p14="http://schemas.microsoft.com/office/powerpoint/2010/main" val="2067960188"/>
+        <p14:creationId xmlns:p14="http://schemas.microsoft.com/office/powerpoint/2010/main" val="2984059520"/>
       </p:ext>
     </p:extLst>
   </p:cSld>
@@ -2794,31 +3117,101 @@
       </p:grpSpPr>
       <p:sp>
         <p:nvSpPr>
-          <p:cNvPr id="2" name="Title Placeholder 1">
-            <a:extLst>
-              <a:ext uri="{FF2B5EF4-FFF2-40B4-BE49-F238E27FC236}">
-                <a16:creationId xmlns:a16="http://schemas.microsoft.com/office/drawing/2014/main" id="{0E53D5B9-78E5-49F9-B800-8B07817DDEFE}"/>
-              </a:ext>
-            </a:extLst>
-          </p:cNvPr>
-          <p:cNvSpPr>
-            <a:spLocks noGrp="1"/>
-          </p:cNvSpPr>
-          <p:nvPr>
-            <p:ph type="title"/>
-          </p:nvPr>
+          <p:cNvPr id="7" name="Rectangle 6"/>
+          <p:cNvSpPr/>
+          <p:nvPr/>
         </p:nvSpPr>
         <p:spPr>
           <a:xfrm>
-            <a:off x="838200" y="365125"/>
-            <a:ext cx="10515600" cy="1325563"/>
+            <a:off x="1" y="6400800"/>
+            <a:ext cx="12192000" cy="457200"/>
+          </a:xfrm>
+          <a:prstGeom prst="rect">
+            <a:avLst/>
+          </a:prstGeom>
+          <a:solidFill>
+            <a:schemeClr val="accent2"/>
+          </a:solidFill>
+          <a:ln>
+            <a:noFill/>
+          </a:ln>
+        </p:spPr>
+        <p:style>
+          <a:lnRef idx="2">
+            <a:schemeClr val="accent1">
+              <a:shade val="50000"/>
+            </a:schemeClr>
+          </a:lnRef>
+          <a:fillRef idx="1">
+            <a:schemeClr val="accent1"/>
+          </a:fillRef>
+          <a:effectRef idx="0">
+            <a:schemeClr val="accent1"/>
+          </a:effectRef>
+          <a:fontRef idx="minor">
+            <a:schemeClr val="lt1"/>
+          </a:fontRef>
+        </p:style>
+      </p:sp>
+      <p:sp>
+        <p:nvSpPr>
+          <p:cNvPr id="9" name="Rectangle 8"/>
+          <p:cNvSpPr/>
+          <p:nvPr/>
+        </p:nvSpPr>
+        <p:spPr>
+          <a:xfrm>
+            <a:off x="0" y="6334316"/>
+            <a:ext cx="12192001" cy="65998"/>
+          </a:xfrm>
+          <a:prstGeom prst="rect">
+            <a:avLst/>
+          </a:prstGeom>
+          <a:solidFill>
+            <a:schemeClr val="accent1"/>
+          </a:solidFill>
+          <a:ln>
+            <a:noFill/>
+          </a:ln>
+        </p:spPr>
+        <p:style>
+          <a:lnRef idx="2">
+            <a:schemeClr val="accent1">
+              <a:shade val="50000"/>
+            </a:schemeClr>
+          </a:lnRef>
+          <a:fillRef idx="1">
+            <a:schemeClr val="accent1"/>
+          </a:fillRef>
+          <a:effectRef idx="0">
+            <a:schemeClr val="accent1"/>
+          </a:effectRef>
+          <a:fontRef idx="minor">
+            <a:schemeClr val="lt1"/>
+          </a:fontRef>
+        </p:style>
+      </p:sp>
+      <p:sp>
+        <p:nvSpPr>
+          <p:cNvPr id="2" name="Title Placeholder 1"/>
+          <p:cNvSpPr>
+            <a:spLocks noGrp="1"/>
+          </p:cNvSpPr>
+          <p:nvPr>
+            <p:ph type="title"/>
+          </p:nvPr>
+        </p:nvSpPr>
+        <p:spPr>
+          <a:xfrm>
+            <a:off x="1097280" y="286603"/>
+            <a:ext cx="10058400" cy="1450757"/>
           </a:xfrm>
           <a:prstGeom prst="rect">
             <a:avLst/>
           </a:prstGeom>
         </p:spPr>
         <p:txBody>
-          <a:bodyPr vert="horz" lIns="91440" tIns="45720" rIns="91440" bIns="45720" rtlCol="0" anchor="ctr">
+          <a:bodyPr vert="horz" lIns="91440" tIns="45720" rIns="91440" bIns="45720" rtlCol="0" anchor="b">
             <a:normAutofit/>
           </a:bodyPr>
           <a:lstStyle/>
@@ -2827,18 +3220,13 @@
               <a:rPr lang="en-US"/>
               <a:t>Click to edit Master title style</a:t>
             </a:r>
-          </a:p>
-        </p:txBody>
-      </p:sp>
-      <p:sp>
-        <p:nvSpPr>
-          <p:cNvPr id="3" name="Text Placeholder 2">
-            <a:extLst>
-              <a:ext uri="{FF2B5EF4-FFF2-40B4-BE49-F238E27FC236}">
-                <a16:creationId xmlns:a16="http://schemas.microsoft.com/office/drawing/2014/main" id="{904367CD-1BD1-4091-9A37-87E1B1B19E66}"/>
-              </a:ext>
-            </a:extLst>
-          </p:cNvPr>
+            <a:endParaRPr lang="en-US" dirty="0"/>
+          </a:p>
+        </p:txBody>
+      </p:sp>
+      <p:sp>
+        <p:nvSpPr>
+          <p:cNvPr id="3" name="Text Placeholder 2"/>
           <p:cNvSpPr>
             <a:spLocks noGrp="1"/>
           </p:cNvSpPr>
@@ -2848,15 +3236,15 @@
         </p:nvSpPr>
         <p:spPr>
           <a:xfrm>
-            <a:off x="838200" y="1825625"/>
-            <a:ext cx="10515600" cy="4351338"/>
+            <a:off x="1097280" y="1845734"/>
+            <a:ext cx="10058400" cy="4023360"/>
           </a:xfrm>
           <a:prstGeom prst="rect">
             <a:avLst/>
           </a:prstGeom>
         </p:spPr>
         <p:txBody>
-          <a:bodyPr vert="horz" lIns="91440" tIns="45720" rIns="91440" bIns="45720" rtlCol="0">
+          <a:bodyPr vert="horz" lIns="0" tIns="45720" rIns="0" bIns="45720" rtlCol="0">
             <a:normAutofit/>
           </a:bodyPr>
           <a:lstStyle/>
@@ -2894,18 +3282,13 @@
               <a:rPr lang="en-US"/>
               <a:t>Fifth level</a:t>
             </a:r>
-          </a:p>
-        </p:txBody>
-      </p:sp>
-      <p:sp>
-        <p:nvSpPr>
-          <p:cNvPr id="4" name="Date Placeholder 3">
-            <a:extLst>
-              <a:ext uri="{FF2B5EF4-FFF2-40B4-BE49-F238E27FC236}">
-                <a16:creationId xmlns:a16="http://schemas.microsoft.com/office/drawing/2014/main" id="{B01E714E-2F98-4813-9774-7F4570E671A2}"/>
-              </a:ext>
-            </a:extLst>
-          </p:cNvPr>
+            <a:endParaRPr lang="en-US" dirty="0"/>
+          </a:p>
+        </p:txBody>
+      </p:sp>
+      <p:sp>
+        <p:nvSpPr>
+          <p:cNvPr id="4" name="Date Placeholder 3"/>
           <p:cNvSpPr>
             <a:spLocks noGrp="1"/>
           </p:cNvSpPr>
@@ -2915,8 +3298,8 @@
         </p:nvSpPr>
         <p:spPr>
           <a:xfrm>
-            <a:off x="838200" y="6356350"/>
-            <a:ext cx="2743200" cy="365125"/>
+            <a:off x="1097280" y="6459785"/>
+            <a:ext cx="2472271" cy="365125"/>
           </a:xfrm>
           <a:prstGeom prst="rect">
             <a:avLst/>
@@ -2926,11 +3309,9 @@
           <a:bodyPr vert="horz" lIns="91440" tIns="45720" rIns="91440" bIns="45720" rtlCol="0" anchor="ctr"/>
           <a:lstStyle>
             <a:lvl1pPr algn="l">
-              <a:defRPr sz="1200">
+              <a:defRPr sz="900">
                 <a:solidFill>
-                  <a:schemeClr val="tx1">
-                    <a:tint val="75000"/>
-                  </a:schemeClr>
+                  <a:srgbClr val="FFFFFF"/>
                 </a:solidFill>
               </a:defRPr>
             </a:lvl1pPr>
@@ -2946,13 +3327,7 @@
       </p:sp>
       <p:sp>
         <p:nvSpPr>
-          <p:cNvPr id="5" name="Footer Placeholder 4">
-            <a:extLst>
-              <a:ext uri="{FF2B5EF4-FFF2-40B4-BE49-F238E27FC236}">
-                <a16:creationId xmlns:a16="http://schemas.microsoft.com/office/drawing/2014/main" id="{8A480ECD-336B-46BA-BFA5-8B7A2C78430C}"/>
-              </a:ext>
-            </a:extLst>
-          </p:cNvPr>
+          <p:cNvPr id="5" name="Footer Placeholder 4"/>
           <p:cNvSpPr>
             <a:spLocks noGrp="1"/>
           </p:cNvSpPr>
@@ -2962,8 +3337,8 @@
         </p:nvSpPr>
         <p:spPr>
           <a:xfrm>
-            <a:off x="4038600" y="6356350"/>
-            <a:ext cx="4114800" cy="365125"/>
+            <a:off x="3686185" y="6459785"/>
+            <a:ext cx="4822804" cy="365125"/>
           </a:xfrm>
           <a:prstGeom prst="rect">
             <a:avLst/>
@@ -2973,11 +3348,9 @@
           <a:bodyPr vert="horz" lIns="91440" tIns="45720" rIns="91440" bIns="45720" rtlCol="0" anchor="ctr"/>
           <a:lstStyle>
             <a:lvl1pPr algn="ctr">
-              <a:defRPr sz="1200">
+              <a:defRPr sz="900" cap="all" baseline="0">
                 <a:solidFill>
-                  <a:schemeClr val="tx1">
-                    <a:tint val="75000"/>
-                  </a:schemeClr>
+                  <a:srgbClr val="FFFFFF"/>
                 </a:solidFill>
               </a:defRPr>
             </a:lvl1pPr>
@@ -2989,13 +3362,7 @@
       </p:sp>
       <p:sp>
         <p:nvSpPr>
-          <p:cNvPr id="6" name="Slide Number Placeholder 5">
-            <a:extLst>
-              <a:ext uri="{FF2B5EF4-FFF2-40B4-BE49-F238E27FC236}">
-                <a16:creationId xmlns:a16="http://schemas.microsoft.com/office/drawing/2014/main" id="{ED38AAA9-22A8-4225-9B0E-3AF261984DA4}"/>
-              </a:ext>
-            </a:extLst>
-          </p:cNvPr>
+          <p:cNvPr id="6" name="Slide Number Placeholder 5"/>
           <p:cNvSpPr>
             <a:spLocks noGrp="1"/>
           </p:cNvSpPr>
@@ -3005,8 +3372,8 @@
         </p:nvSpPr>
         <p:spPr>
           <a:xfrm>
-            <a:off x="8610600" y="6356350"/>
-            <a:ext cx="2743200" cy="365125"/>
+            <a:off x="9900458" y="6459785"/>
+            <a:ext cx="1312025" cy="365125"/>
           </a:xfrm>
           <a:prstGeom prst="rect">
             <a:avLst/>
@@ -3016,11 +3383,9 @@
           <a:bodyPr vert="horz" lIns="91440" tIns="45720" rIns="91440" bIns="45720" rtlCol="0" anchor="ctr"/>
           <a:lstStyle>
             <a:lvl1pPr algn="r">
-              <a:defRPr sz="1200">
+              <a:defRPr sz="1050">
                 <a:solidFill>
-                  <a:schemeClr val="tx1">
-                    <a:tint val="75000"/>
-                  </a:schemeClr>
+                  <a:srgbClr val="FFFFFF"/>
                 </a:solidFill>
               </a:defRPr>
             </a:lvl1pPr>
@@ -3034,40 +3399,81 @@
           </a:p>
         </p:txBody>
       </p:sp>
+      <p:cxnSp>
+        <p:nvCxnSpPr>
+          <p:cNvPr id="10" name="Straight Connector 9"/>
+          <p:cNvCxnSpPr/>
+          <p:nvPr/>
+        </p:nvCxnSpPr>
+        <p:spPr>
+          <a:xfrm>
+            <a:off x="1193532" y="1737845"/>
+            <a:ext cx="9966960" cy="0"/>
+          </a:xfrm>
+          <a:prstGeom prst="line">
+            <a:avLst/>
+          </a:prstGeom>
+          <a:ln w="6350">
+            <a:solidFill>
+              <a:schemeClr val="tx1">
+                <a:lumMod val="50000"/>
+                <a:lumOff val="50000"/>
+              </a:schemeClr>
+            </a:solidFill>
+          </a:ln>
+        </p:spPr>
+        <p:style>
+          <a:lnRef idx="1">
+            <a:schemeClr val="accent1"/>
+          </a:lnRef>
+          <a:fillRef idx="0">
+            <a:schemeClr val="accent1"/>
+          </a:fillRef>
+          <a:effectRef idx="0">
+            <a:schemeClr val="accent1"/>
+          </a:effectRef>
+          <a:fontRef idx="minor">
+            <a:schemeClr val="tx1"/>
+          </a:fontRef>
+        </p:style>
+      </p:cxnSp>
     </p:spTree>
     <p:extLst>
       <p:ext uri="{BB962C8B-B14F-4D97-AF65-F5344CB8AC3E}">
-        <p14:creationId xmlns:p14="http://schemas.microsoft.com/office/powerpoint/2010/main" val="343591174"/>
+        <p14:creationId xmlns:p14="http://schemas.microsoft.com/office/powerpoint/2010/main" val="700903505"/>
       </p:ext>
     </p:extLst>
   </p:cSld>
   <p:clrMap bg1="lt1" tx1="dk1" bg2="lt2" tx2="dk2" accent1="accent1" accent2="accent2" accent3="accent3" accent4="accent4" accent5="accent5" accent6="accent6" hlink="hlink" folHlink="folHlink"/>
   <p:sldLayoutIdLst>
-    <p:sldLayoutId id="2147483649" r:id="rId1"/>
-    <p:sldLayoutId id="2147483650" r:id="rId2"/>
-    <p:sldLayoutId id="2147483651" r:id="rId3"/>
-    <p:sldLayoutId id="2147483652" r:id="rId4"/>
-    <p:sldLayoutId id="2147483653" r:id="rId5"/>
-    <p:sldLayoutId id="2147483654" r:id="rId6"/>
-    <p:sldLayoutId id="2147483655" r:id="rId7"/>
-    <p:sldLayoutId id="2147483656" r:id="rId8"/>
-    <p:sldLayoutId id="2147483657" r:id="rId9"/>
-    <p:sldLayoutId id="2147483658" r:id="rId10"/>
-    <p:sldLayoutId id="2147483659" r:id="rId11"/>
+    <p:sldLayoutId id="2147483661" r:id="rId1"/>
+    <p:sldLayoutId id="2147483662" r:id="rId2"/>
+    <p:sldLayoutId id="2147483663" r:id="rId3"/>
+    <p:sldLayoutId id="2147483664" r:id="rId4"/>
+    <p:sldLayoutId id="2147483665" r:id="rId5"/>
+    <p:sldLayoutId id="2147483666" r:id="rId6"/>
+    <p:sldLayoutId id="2147483667" r:id="rId7"/>
+    <p:sldLayoutId id="2147483668" r:id="rId8"/>
+    <p:sldLayoutId id="2147483669" r:id="rId9"/>
+    <p:sldLayoutId id="2147483670" r:id="rId10"/>
+    <p:sldLayoutId id="2147483671" r:id="rId11"/>
   </p:sldLayoutIdLst>
   <p:txStyles>
     <p:titleStyle>
       <a:lvl1pPr algn="l" defTabSz="914400" rtl="0" eaLnBrk="1" latinLnBrk="0" hangingPunct="1">
         <a:lnSpc>
-          <a:spcPct val="90000"/>
+          <a:spcPct val="85000"/>
         </a:lnSpc>
         <a:spcBef>
           <a:spcPct val="0"/>
         </a:spcBef>
         <a:buNone/>
-        <a:defRPr sz="4400" kern="1200">
+        <a:defRPr sz="4800" kern="1200" spc="-50" baseline="0">
           <a:solidFill>
-            <a:schemeClr val="tx1"/>
+            <a:schemeClr val="tx1">
+              <a:lumMod val="75000"/>
+              <a:lumOff val="25000"/>
+            </a:schemeClr>
           </a:solidFill>
           <a:latin typeface="+mj-lt"/>
           <a:ea typeface="+mj-ea"/>
@@ -3076,162 +3482,244 @@
       </a:lvl1pPr>
     </p:titleStyle>
     <p:bodyStyle>
-      <a:lvl1pPr marL="228600" indent="-228600" algn="l" defTabSz="914400" rtl="0" eaLnBrk="1" latinLnBrk="0" hangingPunct="1">
+      <a:lvl1pPr marL="91440" indent="-91440" algn="l" defTabSz="914400" rtl="0" eaLnBrk="1" latinLnBrk="0" hangingPunct="1">
         <a:lnSpc>
           <a:spcPct val="90000"/>
         </a:lnSpc>
         <a:spcBef>
-          <a:spcPts val="1000"/>
+          <a:spcPts val="1200"/>
         </a:spcBef>
-        <a:buFont typeface="Arial" panose="020B0604020202020204" pitchFamily="34" charset="0"/>
-        <a:buChar char="•"/>
-        <a:defRPr sz="2800" kern="1200">
+        <a:spcAft>
+          <a:spcPts val="200"/>
+        </a:spcAft>
+        <a:buClr>
+          <a:schemeClr val="accent1"/>
+        </a:buClr>
+        <a:buSzPct val="100000"/>
+        <a:buFont typeface="Calibri" panose="020F0502020204030204" pitchFamily="34" charset="0"/>
+        <a:buChar char=" "/>
+        <a:defRPr sz="2000" kern="1200">
           <a:solidFill>
-            <a:schemeClr val="tx1"/>
+            <a:schemeClr val="tx1">
+              <a:lumMod val="75000"/>
+              <a:lumOff val="25000"/>
+            </a:schemeClr>
           </a:solidFill>
           <a:latin typeface="+mn-lt"/>
           <a:ea typeface="+mn-ea"/>
           <a:cs typeface="+mn-cs"/>
         </a:defRPr>
       </a:lvl1pPr>
-      <a:lvl2pPr marL="685800" indent="-228600" algn="l" defTabSz="914400" rtl="0" eaLnBrk="1" latinLnBrk="0" hangingPunct="1">
+      <a:lvl2pPr marL="384048" indent="-182880" algn="l" defTabSz="914400" rtl="0" eaLnBrk="1" latinLnBrk="0" hangingPunct="1">
         <a:lnSpc>
           <a:spcPct val="90000"/>
         </a:lnSpc>
         <a:spcBef>
-          <a:spcPts val="500"/>
+          <a:spcPts val="200"/>
         </a:spcBef>
-        <a:buFont typeface="Arial" panose="020B0604020202020204" pitchFamily="34" charset="0"/>
-        <a:buChar char="•"/>
-        <a:defRPr sz="2400" kern="1200">
+        <a:spcAft>
+          <a:spcPts val="400"/>
+        </a:spcAft>
+        <a:buClr>
+          <a:schemeClr val="accent1"/>
+        </a:buClr>
+        <a:buFont typeface="Calibri" pitchFamily="34" charset="0"/>
+        <a:buChar char="◦"/>
+        <a:defRPr sz="1800" kern="1200">
           <a:solidFill>
-            <a:schemeClr val="tx1"/>
+            <a:schemeClr val="tx1">
+              <a:lumMod val="75000"/>
+              <a:lumOff val="25000"/>
+            </a:schemeClr>
           </a:solidFill>
           <a:latin typeface="+mn-lt"/>
           <a:ea typeface="+mn-ea"/>
           <a:cs typeface="+mn-cs"/>
         </a:defRPr>
       </a:lvl2pPr>
-      <a:lvl3pPr marL="1143000" indent="-228600" algn="l" defTabSz="914400" rtl="0" eaLnBrk="1" latinLnBrk="0" hangingPunct="1">
+      <a:lvl3pPr marL="566928" indent="-182880" algn="l" defTabSz="914400" rtl="0" eaLnBrk="1" latinLnBrk="0" hangingPunct="1">
         <a:lnSpc>
           <a:spcPct val="90000"/>
         </a:lnSpc>
         <a:spcBef>
-          <a:spcPts val="500"/>
+          <a:spcPts val="200"/>
         </a:spcBef>
-        <a:buFont typeface="Arial" panose="020B0604020202020204" pitchFamily="34" charset="0"/>
-        <a:buChar char="•"/>
-        <a:defRPr sz="2000" kern="1200">
+        <a:spcAft>
+          <a:spcPts val="400"/>
+        </a:spcAft>
+        <a:buClr>
+          <a:schemeClr val="accent1"/>
+        </a:buClr>
+        <a:buFont typeface="Calibri" pitchFamily="34" charset="0"/>
+        <a:buChar char="◦"/>
+        <a:defRPr sz="1400" kern="1200">
           <a:solidFill>
-            <a:schemeClr val="tx1"/>
+            <a:schemeClr val="tx1">
+              <a:lumMod val="75000"/>
+              <a:lumOff val="25000"/>
+            </a:schemeClr>
           </a:solidFill>
           <a:latin typeface="+mn-lt"/>
           <a:ea typeface="+mn-ea"/>
           <a:cs typeface="+mn-cs"/>
         </a:defRPr>
       </a:lvl3pPr>
-      <a:lvl4pPr marL="1600200" indent="-228600" algn="l" defTabSz="914400" rtl="0" eaLnBrk="1" latinLnBrk="0" hangingPunct="1">
+      <a:lvl4pPr marL="749808" indent="-182880" algn="l" defTabSz="914400" rtl="0" eaLnBrk="1" latinLnBrk="0" hangingPunct="1">
         <a:lnSpc>
           <a:spcPct val="90000"/>
         </a:lnSpc>
         <a:spcBef>
-          <a:spcPts val="500"/>
+          <a:spcPts val="200"/>
         </a:spcBef>
-        <a:buFont typeface="Arial" panose="020B0604020202020204" pitchFamily="34" charset="0"/>
-        <a:buChar char="•"/>
-        <a:defRPr sz="1800" kern="1200">
+        <a:spcAft>
+          <a:spcPts val="400"/>
+        </a:spcAft>
+        <a:buClr>
+          <a:schemeClr val="accent1"/>
+        </a:buClr>
+        <a:buFont typeface="Calibri" pitchFamily="34" charset="0"/>
+        <a:buChar char="◦"/>
+        <a:defRPr sz="1400" kern="1200">
           <a:solidFill>
-            <a:schemeClr val="tx1"/>
+            <a:schemeClr val="tx1">
+              <a:lumMod val="75000"/>
+              <a:lumOff val="25000"/>
+            </a:schemeClr>
           </a:solidFill>
           <a:latin typeface="+mn-lt"/>
           <a:ea typeface="+mn-ea"/>
           <a:cs typeface="+mn-cs"/>
         </a:defRPr>
       </a:lvl4pPr>
-      <a:lvl5pPr marL="2057400" indent="-228600" algn="l" defTabSz="914400" rtl="0" eaLnBrk="1" latinLnBrk="0" hangingPunct="1">
+      <a:lvl5pPr marL="932688" indent="-182880" algn="l" defTabSz="914400" rtl="0" eaLnBrk="1" latinLnBrk="0" hangingPunct="1">
         <a:lnSpc>
           <a:spcPct val="90000"/>
         </a:lnSpc>
         <a:spcBef>
-          <a:spcPts val="500"/>
+          <a:spcPts val="200"/>
         </a:spcBef>
-        <a:buFont typeface="Arial" panose="020B0604020202020204" pitchFamily="34" charset="0"/>
-        <a:buChar char="•"/>
-        <a:defRPr sz="1800" kern="1200">
+        <a:spcAft>
+          <a:spcPts val="400"/>
+        </a:spcAft>
+        <a:buClr>
+          <a:schemeClr val="accent1"/>
+        </a:buClr>
+        <a:buFont typeface="Calibri" pitchFamily="34" charset="0"/>
+        <a:buChar char="◦"/>
+        <a:defRPr sz="1400" kern="1200">
           <a:solidFill>
-            <a:schemeClr val="tx1"/>
+            <a:schemeClr val="tx1">
+              <a:lumMod val="75000"/>
+              <a:lumOff val="25000"/>
+            </a:schemeClr>
           </a:solidFill>
           <a:latin typeface="+mn-lt"/>
           <a:ea typeface="+mn-ea"/>
           <a:cs typeface="+mn-cs"/>
         </a:defRPr>
       </a:lvl5pPr>
-      <a:lvl6pPr marL="2514600" indent="-228600" algn="l" defTabSz="914400" rtl="0" eaLnBrk="1" latinLnBrk="0" hangingPunct="1">
+      <a:lvl6pPr marL="1100000" indent="-228600" algn="l" defTabSz="914400" rtl="0" eaLnBrk="1" latinLnBrk="0" hangingPunct="1">
         <a:lnSpc>
           <a:spcPct val="90000"/>
         </a:lnSpc>
         <a:spcBef>
-          <a:spcPts val="500"/>
+          <a:spcPts val="200"/>
         </a:spcBef>
-        <a:buFont typeface="Arial" panose="020B0604020202020204" pitchFamily="34" charset="0"/>
-        <a:buChar char="•"/>
-        <a:defRPr sz="1800" kern="1200">
+        <a:spcAft>
+          <a:spcPts val="400"/>
+        </a:spcAft>
+        <a:buClr>
+          <a:schemeClr val="accent1"/>
+        </a:buClr>
+        <a:buFont typeface="Calibri" pitchFamily="34" charset="0"/>
+        <a:buChar char="◦"/>
+        <a:defRPr sz="1400" kern="1200">
           <a:solidFill>
-            <a:schemeClr val="tx1"/>
+            <a:schemeClr val="tx1">
+              <a:lumMod val="75000"/>
+              <a:lumOff val="25000"/>
+            </a:schemeClr>
           </a:solidFill>
           <a:latin typeface="+mn-lt"/>
           <a:ea typeface="+mn-ea"/>
           <a:cs typeface="+mn-cs"/>
         </a:defRPr>
       </a:lvl6pPr>
-      <a:lvl7pPr marL="2971800" indent="-228600" algn="l" defTabSz="914400" rtl="0" eaLnBrk="1" latinLnBrk="0" hangingPunct="1">
+      <a:lvl7pPr marL="1300000" indent="-228600" algn="l" defTabSz="914400" rtl="0" eaLnBrk="1" latinLnBrk="0" hangingPunct="1">
         <a:lnSpc>
           <a:spcPct val="90000"/>
         </a:lnSpc>
         <a:spcBef>
-          <a:spcPts val="500"/>
+          <a:spcPts val="200"/>
         </a:spcBef>
-        <a:buFont typeface="Arial" panose="020B0604020202020204" pitchFamily="34" charset="0"/>
-        <a:buChar char="•"/>
-        <a:defRPr sz="1800" kern="1200">
+        <a:spcAft>
+          <a:spcPts val="400"/>
+        </a:spcAft>
+        <a:buClr>
+          <a:schemeClr val="accent1"/>
+        </a:buClr>
+        <a:buFont typeface="Calibri" pitchFamily="34" charset="0"/>
+        <a:buChar char="◦"/>
+        <a:defRPr sz="1400" kern="1200">
           <a:solidFill>
-            <a:schemeClr val="tx1"/>
+            <a:schemeClr val="tx1">
+              <a:lumMod val="75000"/>
+              <a:lumOff val="25000"/>
+            </a:schemeClr>
           </a:solidFill>
           <a:latin typeface="+mn-lt"/>
           <a:ea typeface="+mn-ea"/>
           <a:cs typeface="+mn-cs"/>
         </a:defRPr>
       </a:lvl7pPr>
-      <a:lvl8pPr marL="3429000" indent="-228600" algn="l" defTabSz="914400" rtl="0" eaLnBrk="1" latinLnBrk="0" hangingPunct="1">
+      <a:lvl8pPr marL="1500000" indent="-228600" algn="l" defTabSz="914400" rtl="0" eaLnBrk="1" latinLnBrk="0" hangingPunct="1">
         <a:lnSpc>
           <a:spcPct val="90000"/>
         </a:lnSpc>
         <a:spcBef>
-          <a:spcPts val="500"/>
+          <a:spcPts val="200"/>
         </a:spcBef>
-        <a:buFont typeface="Arial" panose="020B0604020202020204" pitchFamily="34" charset="0"/>
-        <a:buChar char="•"/>
-        <a:defRPr sz="1800" kern="1200">
+        <a:spcAft>
+          <a:spcPts val="400"/>
+        </a:spcAft>
+        <a:buClr>
+          <a:schemeClr val="accent1"/>
+        </a:buClr>
+        <a:buFont typeface="Calibri" pitchFamily="34" charset="0"/>
+        <a:buChar char="◦"/>
+        <a:defRPr sz="1400" kern="1200">
           <a:solidFill>
-            <a:schemeClr val="tx1"/>
+            <a:schemeClr val="tx1">
+              <a:lumMod val="75000"/>
+              <a:lumOff val="25000"/>
+            </a:schemeClr>
           </a:solidFill>
           <a:latin typeface="+mn-lt"/>
           <a:ea typeface="+mn-ea"/>
           <a:cs typeface="+mn-cs"/>
         </a:defRPr>
       </a:lvl8pPr>
-      <a:lvl9pPr marL="3886200" indent="-228600" algn="l" defTabSz="914400" rtl="0" eaLnBrk="1" latinLnBrk="0" hangingPunct="1">
+      <a:lvl9pPr marL="1700000" indent="-228600" algn="l" defTabSz="914400" rtl="0" eaLnBrk="1" latinLnBrk="0" hangingPunct="1">
         <a:lnSpc>
           <a:spcPct val="90000"/>
         </a:lnSpc>
         <a:spcBef>
-          <a:spcPts val="500"/>
+          <a:spcPts val="200"/>
         </a:spcBef>
-        <a:buFont typeface="Arial" panose="020B0604020202020204" pitchFamily="34" charset="0"/>
-        <a:buChar char="•"/>
-        <a:defRPr sz="1800" kern="1200">
+        <a:spcAft>
+          <a:spcPts val="400"/>
+        </a:spcAft>
+        <a:buClr>
+          <a:schemeClr val="accent1"/>
+        </a:buClr>
+        <a:buFont typeface="Calibri" pitchFamily="34" charset="0"/>
+        <a:buChar char="◦"/>
+        <a:defRPr sz="1400" kern="1200">
           <a:solidFill>
-            <a:schemeClr val="tx1"/>
+            <a:schemeClr val="tx1">
+              <a:lumMod val="75000"/>
+              <a:lumOff val="25000"/>
+            </a:schemeClr>
           </a:solidFill>
           <a:latin typeface="+mn-lt"/>
           <a:ea typeface="+mn-ea"/>
@@ -7584,54 +8072,54 @@
 </file>
 
 <file path=ppt/theme/theme1.xml><?xml version="1.0" encoding="utf-8"?>
-<a:theme xmlns:a="http://schemas.openxmlformats.org/drawingml/2006/main" name="Office Theme">
+<a:theme xmlns:a="http://schemas.openxmlformats.org/drawingml/2006/main" name="Retrospect">
   <a:themeElements>
-    <a:clrScheme name="Office">
+    <a:clrScheme name="Retrospect">
       <a:dk1>
-        <a:sysClr val="windowText" lastClr="000000"/>
+        <a:srgbClr val="000000"/>
       </a:dk1>
       <a:lt1>
         <a:sysClr val="window" lastClr="FFFFFF"/>
       </a:lt1>
       <a:dk2>
-        <a:srgbClr val="44546A"/>
+        <a:srgbClr val="637052"/>
       </a:dk2>
       <a:lt2>
-        <a:srgbClr val="E7E6E6"/>
+        <a:srgbClr val="CCDDEA"/>
       </a:lt2>
       <a:accent1>
-        <a:srgbClr val="4472C4"/>
+        <a:srgbClr val="E48312"/>
       </a:accent1>
       <a:accent2>
-        <a:srgbClr val="ED7D31"/>
+        <a:srgbClr val="BD582C"/>
       </a:accent2>
       <a:accent3>
-        <a:srgbClr val="A5A5A5"/>
+        <a:srgbClr val="865640"/>
       </a:accent3>
       <a:accent4>
-        <a:srgbClr val="FFC000"/>
+        <a:srgbClr val="9B8357"/>
       </a:accent4>
       <a:accent5>
-        <a:srgbClr val="5B9BD5"/>
+        <a:srgbClr val="C2BC80"/>
       </a:accent5>
       <a:accent6>
-        <a:srgbClr val="70AD47"/>
+        <a:srgbClr val="94A088"/>
       </a:accent6>
       <a:hlink>
-        <a:srgbClr val="0563C1"/>
+        <a:srgbClr val="2998E3"/>
       </a:hlink>
       <a:folHlink>
-        <a:srgbClr val="954F72"/>
+        <a:srgbClr val="8C8C8C"/>
       </a:folHlink>
     </a:clrScheme>
-    <a:fontScheme name="Office">
+    <a:fontScheme name="Retrospect">
       <a:majorFont>
         <a:latin typeface="Calibri Light" panose="020F0302020204030204"/>
         <a:ea typeface=""/>
         <a:cs typeface=""/>
-        <a:font script="Jpan" typeface="游ゴシック Light"/>
+        <a:font script="Jpan" typeface="ＭＳ Ｐゴシック"/>
         <a:font script="Hang" typeface="맑은 고딕"/>
-        <a:font script="Hans" typeface="等线 Light"/>
+        <a:font script="Hans" typeface="宋体"/>
         <a:font script="Hant" typeface="新細明體"/>
         <a:font script="Arab" typeface="Times New Roman"/>
         <a:font script="Hebr" typeface="Times New Roman"/>
@@ -7659,31 +8147,14 @@
         <a:font script="Viet" typeface="Times New Roman"/>
         <a:font script="Uigh" typeface="Microsoft Uighur"/>
         <a:font script="Geor" typeface="Sylfaen"/>
-        <a:font script="Armn" typeface="Arial"/>
-        <a:font script="Bugi" typeface="Leelawadee UI"/>
-        <a:font script="Bopo" typeface="Microsoft JhengHei"/>
-        <a:font script="Java" typeface="Javanese Text"/>
-        <a:font script="Lisu" typeface="Segoe UI"/>
-        <a:font script="Mymr" typeface="Myanmar Text"/>
-        <a:font script="Nkoo" typeface="Ebrima"/>
-        <a:font script="Olck" typeface="Nirmala UI"/>
-        <a:font script="Osma" typeface="Ebrima"/>
-        <a:font script="Phag" typeface="Phagspa"/>
-        <a:font script="Syrn" typeface="Estrangelo Edessa"/>
-        <a:font script="Syrj" typeface="Estrangelo Edessa"/>
-        <a:font script="Syre" typeface="Estrangelo Edessa"/>
-        <a:font script="Sora" typeface="Nirmala UI"/>
-        <a:font script="Tale" typeface="Microsoft Tai Le"/>
-        <a:font script="Talu" typeface="Microsoft New Tai Lue"/>
-        <a:font script="Tfng" typeface="Ebrima"/>
       </a:majorFont>
       <a:minorFont>
         <a:latin typeface="Calibri" panose="020F0502020204030204"/>
         <a:ea typeface=""/>
         <a:cs typeface=""/>
-        <a:font script="Jpan" typeface="游ゴシック"/>
+        <a:font script="Jpan" typeface="ＭＳ Ｐゴシック"/>
         <a:font script="Hang" typeface="맑은 고딕"/>
-        <a:font script="Hans" typeface="等线"/>
+        <a:font script="Hans" typeface="宋体"/>
         <a:font script="Hant" typeface="新細明體"/>
         <a:font script="Arab" typeface="Arial"/>
         <a:font script="Hebr" typeface="Arial"/>
@@ -7711,26 +8182,9 @@
         <a:font script="Viet" typeface="Arial"/>
         <a:font script="Uigh" typeface="Microsoft Uighur"/>
         <a:font script="Geor" typeface="Sylfaen"/>
-        <a:font script="Armn" typeface="Arial"/>
-        <a:font script="Bugi" typeface="Leelawadee UI"/>
-        <a:font script="Bopo" typeface="Microsoft JhengHei"/>
-        <a:font script="Java" typeface="Javanese Text"/>
-        <a:font script="Lisu" typeface="Segoe UI"/>
-        <a:font script="Mymr" typeface="Myanmar Text"/>
-        <a:font script="Nkoo" typeface="Ebrima"/>
-        <a:font script="Olck" typeface="Nirmala UI"/>
-        <a:font script="Osma" typeface="Ebrima"/>
-        <a:font script="Phag" typeface="Phagspa"/>
-        <a:font script="Syrn" typeface="Estrangelo Edessa"/>
-        <a:font script="Syrj" typeface="Estrangelo Edessa"/>
-        <a:font script="Syre" typeface="Estrangelo Edessa"/>
-        <a:font script="Sora" typeface="Nirmala UI"/>
-        <a:font script="Tale" typeface="Microsoft Tai Le"/>
-        <a:font script="Talu" typeface="Microsoft New Tai Lue"/>
-        <a:font script="Tfng" typeface="Ebrima"/>
       </a:minorFont>
     </a:fontScheme>
-    <a:fmtScheme name="Office">
+    <a:fmtScheme name="Retrospect">
       <a:fillStyleLst>
         <a:solidFill>
           <a:schemeClr val="phClr"/>
@@ -7739,76 +8193,81 @@
           <a:gsLst>
             <a:gs pos="0">
               <a:schemeClr val="phClr">
-                <a:lumMod val="110000"/>
-                <a:satMod val="105000"/>
-                <a:tint val="67000"/>
+                <a:tint val="65000"/>
+                <a:shade val="92000"/>
+                <a:satMod val="130000"/>
               </a:schemeClr>
             </a:gs>
-            <a:gs pos="50000">
+            <a:gs pos="45000">
               <a:schemeClr val="phClr">
-                <a:lumMod val="105000"/>
-                <a:satMod val="103000"/>
-                <a:tint val="73000"/>
+                <a:tint val="60000"/>
+                <a:shade val="99000"/>
+                <a:satMod val="120000"/>
               </a:schemeClr>
             </a:gs>
             <a:gs pos="100000">
               <a:schemeClr val="phClr">
-                <a:lumMod val="105000"/>
-                <a:satMod val="109000"/>
-                <a:tint val="81000"/>
+                <a:tint val="55000"/>
+                <a:satMod val="140000"/>
               </a:schemeClr>
             </a:gs>
           </a:gsLst>
-          <a:lin ang="5400000" scaled="0"/>
+          <a:path path="circle">
+            <a:fillToRect l="100000" t="100000" r="100000" b="100000"/>
+          </a:path>
         </a:gradFill>
         <a:gradFill rotWithShape="1">
           <a:gsLst>
             <a:gs pos="0">
               <a:schemeClr val="phClr">
-                <a:satMod val="103000"/>
-                <a:lumMod val="102000"/>
-                <a:tint val="94000"/>
+                <a:shade val="85000"/>
+                <a:satMod val="130000"/>
               </a:schemeClr>
             </a:gs>
-            <a:gs pos="50000">
+            <a:gs pos="34000">
               <a:schemeClr val="phClr">
-                <a:satMod val="110000"/>
-                <a:lumMod val="100000"/>
-                <a:shade val="100000"/>
+                <a:shade val="87000"/>
+                <a:satMod val="125000"/>
+              </a:schemeClr>
+            </a:gs>
+            <a:gs pos="70000">
+              <a:schemeClr val="phClr">
+                <a:tint val="100000"/>
+                <a:shade val="90000"/>
+                <a:satMod val="130000"/>
               </a:schemeClr>
             </a:gs>
             <a:gs pos="100000">
               <a:schemeClr val="phClr">
-                <a:lumMod val="99000"/>
-                <a:satMod val="120000"/>
-                <a:shade val="78000"/>
+                <a:tint val="100000"/>
+                <a:shade val="100000"/>
+                <a:satMod val="110000"/>
               </a:schemeClr>
             </a:gs>
           </a:gsLst>
-          <a:lin ang="5400000" scaled="0"/>
+          <a:path path="circle">
+            <a:fillToRect l="100000" t="100000" r="100000" b="100000"/>
+          </a:path>
         </a:gradFill>
       </a:fillStyleLst>
       <a:lnStyleLst>
-        <a:ln w="6350" cap="flat" cmpd="sng" algn="ctr">
-          <a:solidFill>
-            <a:schemeClr val="phClr"/>
-          </a:solidFill>
-          <a:prstDash val="solid"/>
-          <a:miter lim="800000"/>
-        </a:ln>
         <a:ln w="12700" cap="flat" cmpd="sng" algn="ctr">
           <a:solidFill>
             <a:schemeClr val="phClr"/>
           </a:solidFill>
           <a:prstDash val="solid"/>
-          <a:miter lim="800000"/>
         </a:ln>
-        <a:ln w="19050" cap="flat" cmpd="sng" algn="ctr">
+        <a:ln w="15875" cap="flat" cmpd="sng" algn="ctr">
           <a:solidFill>
             <a:schemeClr val="phClr"/>
           </a:solidFill>
           <a:prstDash val="solid"/>
-          <a:miter lim="800000"/>
+        </a:ln>
+        <a:ln w="25400" cap="flat" cmpd="sng" algn="ctr">
+          <a:solidFill>
+            <a:schemeClr val="phClr"/>
+          </a:solidFill>
+          <a:prstDash val="solid"/>
         </a:ln>
       </a:lnStyleLst>
       <a:effectStyleLst>
@@ -7816,16 +8275,33 @@
           <a:effectLst/>
         </a:effectStyle>
         <a:effectStyle>
-          <a:effectLst/>
+          <a:effectLst>
+            <a:outerShdw blurRad="38100" dist="25400" dir="2700000" algn="br" rotWithShape="0">
+              <a:srgbClr val="000000">
+                <a:alpha val="60000"/>
+              </a:srgbClr>
+            </a:outerShdw>
+          </a:effectLst>
         </a:effectStyle>
         <a:effectStyle>
           <a:effectLst>
-            <a:outerShdw blurRad="57150" dist="19050" dir="5400000" algn="ctr" rotWithShape="0">
+            <a:outerShdw blurRad="44450" dist="25400" dir="2700000" algn="br" rotWithShape="0">
               <a:srgbClr val="000000">
-                <a:alpha val="63000"/>
+                <a:alpha val="60000"/>
               </a:srgbClr>
             </a:outerShdw>
           </a:effectLst>
+          <a:scene3d>
+            <a:camera prst="orthographicFront">
+              <a:rot lat="0" lon="0" rev="0"/>
+            </a:camera>
+            <a:lightRig rig="threePt" dir="t">
+              <a:rot lat="0" lon="0" rev="19800000"/>
+            </a:lightRig>
+          </a:scene3d>
+          <a:sp3d prstMaterial="flat">
+            <a:bevelT w="25400" h="31750"/>
+          </a:sp3d>
         </a:effectStyle>
       </a:effectStyleLst>
       <a:bgFillStyleLst>
@@ -7834,36 +8310,36 @@
         </a:solidFill>
         <a:solidFill>
           <a:schemeClr val="phClr">
-            <a:tint val="95000"/>
-            <a:satMod val="170000"/>
+            <a:tint val="90000"/>
+            <a:shade val="97000"/>
+            <a:satMod val="130000"/>
           </a:schemeClr>
         </a:solidFill>
         <a:gradFill rotWithShape="1">
           <a:gsLst>
             <a:gs pos="0">
               <a:schemeClr val="phClr">
-                <a:tint val="93000"/>
-                <a:satMod val="150000"/>
-                <a:shade val="98000"/>
-                <a:lumMod val="102000"/>
+                <a:tint val="96000"/>
+                <a:shade val="99000"/>
+                <a:satMod val="140000"/>
               </a:schemeClr>
             </a:gs>
-            <a:gs pos="50000">
+            <a:gs pos="65000">
               <a:schemeClr val="phClr">
-                <a:tint val="98000"/>
+                <a:tint val="100000"/>
+                <a:shade val="80000"/>
                 <a:satMod val="130000"/>
-                <a:shade val="90000"/>
-                <a:lumMod val="103000"/>
               </a:schemeClr>
             </a:gs>
             <a:gs pos="100000">
               <a:schemeClr val="phClr">
-                <a:shade val="63000"/>
+                <a:tint val="100000"/>
+                <a:shade val="48000"/>
                 <a:satMod val="120000"/>
               </a:schemeClr>
             </a:gs>
           </a:gsLst>
-          <a:lin ang="5400000" scaled="0"/>
+          <a:lin ang="16200000" scaled="0"/>
         </a:gradFill>
       </a:bgFillStyleLst>
     </a:fmtScheme>
@@ -7872,7 +8348,7 @@
   <a:extraClrSchemeLst/>
   <a:extLst>
     <a:ext uri="{05A4C25C-085E-4340-85A3-A5531E510DB2}">
-      <thm15:themeFamily xmlns:thm15="http://schemas.microsoft.com/office/thememl/2012/main" name="Office Theme" id="{62F939B6-93AF-4DB8-9C6B-D6C7DFDC589F}" vid="{4A3C46E8-61CC-4603-A589-7422A47A8E4A}"/>
+      <thm15:themeFamily xmlns:thm15="http://schemas.microsoft.com/office/thememl/2012/main" name="Retrospect" id="{5F128B03-DCCA-4EEB-AB3B-CF2899314A46}" vid="{3F1AAB62-24C6-49D2-8E01-B56FAC9A3DCD}"/>
     </a:ext>
   </a:extLst>
 </a:theme>

--- a/slides/Module 12 - Functions.pptx
+++ b/slides/Module 12 - Functions.pptx
@@ -2,7 +2,7 @@
 <file path=ppt/presentation.xml><?xml version="1.0" encoding="utf-8"?>
 <p:presentation xmlns:a="http://schemas.openxmlformats.org/drawingml/2006/main" xmlns:r="http://schemas.openxmlformats.org/officeDocument/2006/relationships" xmlns:p="http://schemas.openxmlformats.org/presentationml/2006/main" saveSubsetFonts="1">
   <p:sldMasterIdLst>
-    <p:sldMasterId id="2147483660" r:id="rId1"/>
+    <p:sldMasterId id="2147483672" r:id="rId1"/>
   </p:sldMasterIdLst>
   <p:sldIdLst>
     <p:sldId id="256" r:id="rId2"/>
@@ -47,7 +47,7 @@
     <a:defPPr>
       <a:defRPr lang="en-US"/>
     </a:defPPr>
-    <a:lvl1pPr marL="0" algn="l" defTabSz="457200" rtl="0" eaLnBrk="1" latinLnBrk="0" hangingPunct="1">
+    <a:lvl1pPr marL="0" algn="l" defTabSz="914400" rtl="0" eaLnBrk="1" latinLnBrk="0" hangingPunct="1">
       <a:defRPr sz="1800" kern="1200">
         <a:solidFill>
           <a:schemeClr val="tx1"/>
@@ -57,7 +57,7 @@
         <a:cs typeface="+mn-cs"/>
       </a:defRPr>
     </a:lvl1pPr>
-    <a:lvl2pPr marL="457200" algn="l" defTabSz="457200" rtl="0" eaLnBrk="1" latinLnBrk="0" hangingPunct="1">
+    <a:lvl2pPr marL="457200" algn="l" defTabSz="914400" rtl="0" eaLnBrk="1" latinLnBrk="0" hangingPunct="1">
       <a:defRPr sz="1800" kern="1200">
         <a:solidFill>
           <a:schemeClr val="tx1"/>
@@ -67,7 +67,7 @@
         <a:cs typeface="+mn-cs"/>
       </a:defRPr>
     </a:lvl2pPr>
-    <a:lvl3pPr marL="914400" algn="l" defTabSz="457200" rtl="0" eaLnBrk="1" latinLnBrk="0" hangingPunct="1">
+    <a:lvl3pPr marL="914400" algn="l" defTabSz="914400" rtl="0" eaLnBrk="1" latinLnBrk="0" hangingPunct="1">
       <a:defRPr sz="1800" kern="1200">
         <a:solidFill>
           <a:schemeClr val="tx1"/>
@@ -77,7 +77,7 @@
         <a:cs typeface="+mn-cs"/>
       </a:defRPr>
     </a:lvl3pPr>
-    <a:lvl4pPr marL="1371600" algn="l" defTabSz="457200" rtl="0" eaLnBrk="1" latinLnBrk="0" hangingPunct="1">
+    <a:lvl4pPr marL="1371600" algn="l" defTabSz="914400" rtl="0" eaLnBrk="1" latinLnBrk="0" hangingPunct="1">
       <a:defRPr sz="1800" kern="1200">
         <a:solidFill>
           <a:schemeClr val="tx1"/>
@@ -87,7 +87,7 @@
         <a:cs typeface="+mn-cs"/>
       </a:defRPr>
     </a:lvl4pPr>
-    <a:lvl5pPr marL="1828800" algn="l" defTabSz="457200" rtl="0" eaLnBrk="1" latinLnBrk="0" hangingPunct="1">
+    <a:lvl5pPr marL="1828800" algn="l" defTabSz="914400" rtl="0" eaLnBrk="1" latinLnBrk="0" hangingPunct="1">
       <a:defRPr sz="1800" kern="1200">
         <a:solidFill>
           <a:schemeClr val="tx1"/>
@@ -97,7 +97,7 @@
         <a:cs typeface="+mn-cs"/>
       </a:defRPr>
     </a:lvl5pPr>
-    <a:lvl6pPr marL="2286000" algn="l" defTabSz="457200" rtl="0" eaLnBrk="1" latinLnBrk="0" hangingPunct="1">
+    <a:lvl6pPr marL="2286000" algn="l" defTabSz="914400" rtl="0" eaLnBrk="1" latinLnBrk="0" hangingPunct="1">
       <a:defRPr sz="1800" kern="1200">
         <a:solidFill>
           <a:schemeClr val="tx1"/>
@@ -107,7 +107,7 @@
         <a:cs typeface="+mn-cs"/>
       </a:defRPr>
     </a:lvl6pPr>
-    <a:lvl7pPr marL="2743200" algn="l" defTabSz="457200" rtl="0" eaLnBrk="1" latinLnBrk="0" hangingPunct="1">
+    <a:lvl7pPr marL="2743200" algn="l" defTabSz="914400" rtl="0" eaLnBrk="1" latinLnBrk="0" hangingPunct="1">
       <a:defRPr sz="1800" kern="1200">
         <a:solidFill>
           <a:schemeClr val="tx1"/>
@@ -117,7 +117,7 @@
         <a:cs typeface="+mn-cs"/>
       </a:defRPr>
     </a:lvl7pPr>
-    <a:lvl8pPr marL="3200400" algn="l" defTabSz="457200" rtl="0" eaLnBrk="1" latinLnBrk="0" hangingPunct="1">
+    <a:lvl8pPr marL="3200400" algn="l" defTabSz="914400" rtl="0" eaLnBrk="1" latinLnBrk="0" hangingPunct="1">
       <a:defRPr sz="1800" kern="1200">
         <a:solidFill>
           <a:schemeClr val="tx1"/>
@@ -127,7 +127,7 @@
         <a:cs typeface="+mn-cs"/>
       </a:defRPr>
     </a:lvl8pPr>
-    <a:lvl9pPr marL="3657600" algn="l" defTabSz="457200" rtl="0" eaLnBrk="1" latinLnBrk="0" hangingPunct="1">
+    <a:lvl9pPr marL="3657600" algn="l" defTabSz="914400" rtl="0" eaLnBrk="1" latinLnBrk="0" hangingPunct="1">
       <a:defRPr sz="1800" kern="1200">
         <a:solidFill>
           <a:schemeClr val="tx1"/>
@@ -147,7 +147,7 @@
 </file>
 
 <file path=ppt/slideLayouts/slideLayout1.xml><?xml version="1.0" encoding="utf-8"?>
-<p:sldLayout xmlns:a="http://schemas.openxmlformats.org/drawingml/2006/main" xmlns:r="http://schemas.openxmlformats.org/officeDocument/2006/relationships" xmlns:p="http://schemas.openxmlformats.org/presentationml/2006/main" showMasterSp="0" type="title" preserve="1">
+<p:sldLayout xmlns:a="http://schemas.openxmlformats.org/drawingml/2006/main" xmlns:r="http://schemas.openxmlformats.org/officeDocument/2006/relationships" xmlns:p="http://schemas.openxmlformats.org/presentationml/2006/main" type="title" preserve="1">
   <p:cSld name="Title Slide">
     <p:spTree>
       <p:nvGrpSpPr>
@@ -165,185 +165,101 @@
       </p:grpSpPr>
       <p:sp>
         <p:nvSpPr>
-          <p:cNvPr id="7" name="Rectangle 6"/>
-          <p:cNvSpPr/>
-          <p:nvPr/>
+          <p:cNvPr id="2" name="Title 1">
+            <a:extLst>
+              <a:ext uri="{FF2B5EF4-FFF2-40B4-BE49-F238E27FC236}">
+                <a16:creationId xmlns:a16="http://schemas.microsoft.com/office/drawing/2014/main" id="{07BDFBAD-6C54-4127-AA3F-9C8663E61580}"/>
+              </a:ext>
+            </a:extLst>
+          </p:cNvPr>
+          <p:cNvSpPr>
+            <a:spLocks noGrp="1"/>
+          </p:cNvSpPr>
+          <p:nvPr>
+            <p:ph type="ctrTitle"/>
+          </p:nvPr>
         </p:nvSpPr>
         <p:spPr>
           <a:xfrm>
-            <a:off x="3175" y="6400800"/>
-            <a:ext cx="12188825" cy="457200"/>
+            <a:off x="1524000" y="1122363"/>
+            <a:ext cx="9144000" cy="2387600"/>
           </a:xfrm>
-          <a:prstGeom prst="rect">
-            <a:avLst/>
-          </a:prstGeom>
-          <a:solidFill>
-            <a:schemeClr val="accent2"/>
-          </a:solidFill>
-          <a:ln>
-            <a:noFill/>
-          </a:ln>
         </p:spPr>
-        <p:style>
-          <a:lnRef idx="2">
-            <a:schemeClr val="accent1">
-              <a:shade val="50000"/>
-            </a:schemeClr>
-          </a:lnRef>
-          <a:fillRef idx="1">
-            <a:schemeClr val="accent1"/>
-          </a:fillRef>
-          <a:effectRef idx="0">
-            <a:schemeClr val="accent1"/>
-          </a:effectRef>
-          <a:fontRef idx="minor">
-            <a:schemeClr val="lt1"/>
-          </a:fontRef>
-        </p:style>
-      </p:sp>
-      <p:sp>
-        <p:nvSpPr>
-          <p:cNvPr id="8" name="Rectangle 7"/>
-          <p:cNvSpPr/>
-          <p:nvPr/>
+        <p:txBody>
+          <a:bodyPr anchor="b"/>
+          <a:lstStyle>
+            <a:lvl1pPr algn="ctr">
+              <a:defRPr sz="6000"/>
+            </a:lvl1pPr>
+          </a:lstStyle>
+          <a:p>
+            <a:r>
+              <a:rPr lang="en-US"/>
+              <a:t>Click to edit Master title style</a:t>
+            </a:r>
+          </a:p>
+        </p:txBody>
+      </p:sp>
+      <p:sp>
+        <p:nvSpPr>
+          <p:cNvPr id="3" name="Subtitle 2">
+            <a:extLst>
+              <a:ext uri="{FF2B5EF4-FFF2-40B4-BE49-F238E27FC236}">
+                <a16:creationId xmlns:a16="http://schemas.microsoft.com/office/drawing/2014/main" id="{672E7FE9-D855-4D49-9D8D-420D3BB2AEA2}"/>
+              </a:ext>
+            </a:extLst>
+          </p:cNvPr>
+          <p:cNvSpPr>
+            <a:spLocks noGrp="1"/>
+          </p:cNvSpPr>
+          <p:nvPr>
+            <p:ph type="subTitle" idx="1"/>
+          </p:nvPr>
         </p:nvSpPr>
         <p:spPr>
           <a:xfrm>
-            <a:off x="15" y="6334316"/>
-            <a:ext cx="12188825" cy="64008"/>
-          </a:xfrm>
-          <a:prstGeom prst="rect">
-            <a:avLst/>
-          </a:prstGeom>
-          <a:solidFill>
-            <a:schemeClr val="accent1"/>
-          </a:solidFill>
-          <a:ln>
-            <a:noFill/>
-          </a:ln>
-        </p:spPr>
-        <p:style>
-          <a:lnRef idx="2">
-            <a:schemeClr val="accent1">
-              <a:shade val="50000"/>
-            </a:schemeClr>
-          </a:lnRef>
-          <a:fillRef idx="1">
-            <a:schemeClr val="accent1"/>
-          </a:fillRef>
-          <a:effectRef idx="0">
-            <a:schemeClr val="accent1"/>
-          </a:effectRef>
-          <a:fontRef idx="minor">
-            <a:schemeClr val="lt1"/>
-          </a:fontRef>
-        </p:style>
-      </p:sp>
-      <p:sp>
-        <p:nvSpPr>
-          <p:cNvPr id="2" name="Title 1"/>
-          <p:cNvSpPr>
-            <a:spLocks noGrp="1"/>
-          </p:cNvSpPr>
-          <p:nvPr>
-            <p:ph type="ctrTitle"/>
-          </p:nvPr>
-        </p:nvSpPr>
-        <p:spPr>
-          <a:xfrm>
-            <a:off x="1097280" y="758952"/>
-            <a:ext cx="10058400" cy="3566160"/>
+            <a:off x="1524000" y="3602038"/>
+            <a:ext cx="9144000" cy="1655762"/>
           </a:xfrm>
         </p:spPr>
         <p:txBody>
-          <a:bodyPr anchor="b">
-            <a:normAutofit/>
-          </a:bodyPr>
+          <a:bodyPr/>
           <a:lstStyle>
-            <a:lvl1pPr algn="l">
-              <a:lnSpc>
-                <a:spcPct val="85000"/>
-              </a:lnSpc>
-              <a:defRPr sz="8000" spc="-50" baseline="0">
-                <a:solidFill>
-                  <a:schemeClr val="tx1">
-                    <a:lumMod val="85000"/>
-                    <a:lumOff val="15000"/>
-                  </a:schemeClr>
-                </a:solidFill>
-              </a:defRPr>
-            </a:lvl1pPr>
-          </a:lstStyle>
-          <a:p>
-            <a:r>
-              <a:rPr lang="en-US"/>
-              <a:t>Click to edit Master title style</a:t>
-            </a:r>
-            <a:endParaRPr lang="en-US" dirty="0"/>
-          </a:p>
-        </p:txBody>
-      </p:sp>
-      <p:sp>
-        <p:nvSpPr>
-          <p:cNvPr id="3" name="Subtitle 2"/>
-          <p:cNvSpPr>
-            <a:spLocks noGrp="1"/>
-          </p:cNvSpPr>
-          <p:nvPr>
-            <p:ph type="subTitle" idx="1"/>
-          </p:nvPr>
-        </p:nvSpPr>
-        <p:spPr>
-          <a:xfrm>
-            <a:off x="1100051" y="4455620"/>
-            <a:ext cx="10058400" cy="1143000"/>
-          </a:xfrm>
-        </p:spPr>
-        <p:txBody>
-          <a:bodyPr lIns="91440" rIns="91440">
-            <a:normAutofit/>
-          </a:bodyPr>
-          <a:lstStyle>
-            <a:lvl1pPr marL="0" indent="0" algn="l">
+            <a:lvl1pPr marL="0" indent="0" algn="ctr">
               <a:buNone/>
-              <a:defRPr sz="2400" cap="all" spc="200" baseline="0">
-                <a:solidFill>
-                  <a:schemeClr val="tx2"/>
-                </a:solidFill>
-                <a:latin typeface="+mj-lt"/>
-              </a:defRPr>
+              <a:defRPr sz="2400"/>
             </a:lvl1pPr>
             <a:lvl2pPr marL="457200" indent="0" algn="ctr">
               <a:buNone/>
-              <a:defRPr sz="2400"/>
+              <a:defRPr sz="2000"/>
             </a:lvl2pPr>
             <a:lvl3pPr marL="914400" indent="0" algn="ctr">
               <a:buNone/>
-              <a:defRPr sz="2400"/>
+              <a:defRPr sz="1800"/>
             </a:lvl3pPr>
             <a:lvl4pPr marL="1371600" indent="0" algn="ctr">
               <a:buNone/>
-              <a:defRPr sz="2000"/>
+              <a:defRPr sz="1600"/>
             </a:lvl4pPr>
             <a:lvl5pPr marL="1828800" indent="0" algn="ctr">
               <a:buNone/>
-              <a:defRPr sz="2000"/>
+              <a:defRPr sz="1600"/>
             </a:lvl5pPr>
             <a:lvl6pPr marL="2286000" indent="0" algn="ctr">
               <a:buNone/>
-              <a:defRPr sz="2000"/>
+              <a:defRPr sz="1600"/>
             </a:lvl6pPr>
             <a:lvl7pPr marL="2743200" indent="0" algn="ctr">
               <a:buNone/>
-              <a:defRPr sz="2000"/>
+              <a:defRPr sz="1600"/>
             </a:lvl7pPr>
             <a:lvl8pPr marL="3200400" indent="0" algn="ctr">
               <a:buNone/>
-              <a:defRPr sz="2000"/>
+              <a:defRPr sz="1600"/>
             </a:lvl8pPr>
             <a:lvl9pPr marL="3657600" indent="0" algn="ctr">
               <a:buNone/>
-              <a:defRPr sz="2000"/>
+              <a:defRPr sz="1600"/>
             </a:lvl9pPr>
           </a:lstStyle>
           <a:p>
@@ -351,13 +267,18 @@
               <a:rPr lang="en-US"/>
               <a:t>Click to edit Master subtitle style</a:t>
             </a:r>
-            <a:endParaRPr lang="en-US" dirty="0"/>
-          </a:p>
-        </p:txBody>
-      </p:sp>
-      <p:sp>
-        <p:nvSpPr>
-          <p:cNvPr id="4" name="Date Placeholder 3"/>
+          </a:p>
+        </p:txBody>
+      </p:sp>
+      <p:sp>
+        <p:nvSpPr>
+          <p:cNvPr id="4" name="Date Placeholder 3">
+            <a:extLst>
+              <a:ext uri="{FF2B5EF4-FFF2-40B4-BE49-F238E27FC236}">
+                <a16:creationId xmlns:a16="http://schemas.microsoft.com/office/drawing/2014/main" id="{D4C76CC5-2716-4DD8-930F-4F86BAE5E2A9}"/>
+              </a:ext>
+            </a:extLst>
+          </p:cNvPr>
           <p:cNvSpPr>
             <a:spLocks noGrp="1"/>
           </p:cNvSpPr>
@@ -372,7 +293,7 @@
           <a:p>
             <a:fld id="{0855F0DF-591A-4352-A67A-D1A292CE560D}" type="datetimeFigureOut">
               <a:rPr lang="en-US" smtClean="0"/>
-              <a:t>4/26/2023</a:t>
+              <a:t>8/24/2023</a:t>
             </a:fld>
             <a:endParaRPr lang="en-US"/>
           </a:p>
@@ -380,7 +301,13 @@
       </p:sp>
       <p:sp>
         <p:nvSpPr>
-          <p:cNvPr id="5" name="Footer Placeholder 4"/>
+          <p:cNvPr id="5" name="Footer Placeholder 4">
+            <a:extLst>
+              <a:ext uri="{FF2B5EF4-FFF2-40B4-BE49-F238E27FC236}">
+                <a16:creationId xmlns:a16="http://schemas.microsoft.com/office/drawing/2014/main" id="{3AAB0E5D-2610-44AE-804B-8019088CF4AC}"/>
+              </a:ext>
+            </a:extLst>
+          </p:cNvPr>
           <p:cNvSpPr>
             <a:spLocks noGrp="1"/>
           </p:cNvSpPr>
@@ -399,7 +326,13 @@
       </p:sp>
       <p:sp>
         <p:nvSpPr>
-          <p:cNvPr id="6" name="Slide Number Placeholder 5"/>
+          <p:cNvPr id="6" name="Slide Number Placeholder 5">
+            <a:extLst>
+              <a:ext uri="{FF2B5EF4-FFF2-40B4-BE49-F238E27FC236}">
+                <a16:creationId xmlns:a16="http://schemas.microsoft.com/office/drawing/2014/main" id="{0E529FD1-277E-45F7-AB24-6EE0BEEB6C70}"/>
+              </a:ext>
+            </a:extLst>
+          </p:cNvPr>
           <p:cNvSpPr>
             <a:spLocks noGrp="1"/>
           </p:cNvSpPr>
@@ -420,48 +353,10 @@
           </a:p>
         </p:txBody>
       </p:sp>
-      <p:cxnSp>
-        <p:nvCxnSpPr>
-          <p:cNvPr id="9" name="Straight Connector 8"/>
-          <p:cNvCxnSpPr/>
-          <p:nvPr/>
-        </p:nvCxnSpPr>
-        <p:spPr>
-          <a:xfrm>
-            <a:off x="1207658" y="4343400"/>
-            <a:ext cx="9875520" cy="0"/>
-          </a:xfrm>
-          <a:prstGeom prst="line">
-            <a:avLst/>
-          </a:prstGeom>
-          <a:ln w="6350">
-            <a:solidFill>
-              <a:schemeClr val="tx1">
-                <a:lumMod val="50000"/>
-                <a:lumOff val="50000"/>
-              </a:schemeClr>
-            </a:solidFill>
-          </a:ln>
-        </p:spPr>
-        <p:style>
-          <a:lnRef idx="1">
-            <a:schemeClr val="accent1"/>
-          </a:lnRef>
-          <a:fillRef idx="0">
-            <a:schemeClr val="accent1"/>
-          </a:fillRef>
-          <a:effectRef idx="0">
-            <a:schemeClr val="accent1"/>
-          </a:effectRef>
-          <a:fontRef idx="minor">
-            <a:schemeClr val="tx1"/>
-          </a:fontRef>
-        </p:style>
-      </p:cxnSp>
     </p:spTree>
     <p:extLst>
       <p:ext uri="{BB962C8B-B14F-4D97-AF65-F5344CB8AC3E}">
-        <p14:creationId xmlns:p14="http://schemas.microsoft.com/office/powerpoint/2010/main" val="993352091"/>
+        <p14:creationId xmlns:p14="http://schemas.microsoft.com/office/powerpoint/2010/main" val="3862900833"/>
       </p:ext>
     </p:extLst>
   </p:cSld>
@@ -490,7 +385,13 @@
       </p:grpSpPr>
       <p:sp>
         <p:nvSpPr>
-          <p:cNvPr id="2" name="Title 1"/>
+          <p:cNvPr id="2" name="Title 1">
+            <a:extLst>
+              <a:ext uri="{FF2B5EF4-FFF2-40B4-BE49-F238E27FC236}">
+                <a16:creationId xmlns:a16="http://schemas.microsoft.com/office/drawing/2014/main" id="{F059ECE8-82B0-4B0D-8771-6F9FCF1672C9}"/>
+              </a:ext>
+            </a:extLst>
+          </p:cNvPr>
           <p:cNvSpPr>
             <a:spLocks noGrp="1"/>
           </p:cNvSpPr>
@@ -507,13 +408,18 @@
               <a:rPr lang="en-US"/>
               <a:t>Click to edit Master title style</a:t>
             </a:r>
-            <a:endParaRPr lang="en-US" dirty="0"/>
-          </a:p>
-        </p:txBody>
-      </p:sp>
-      <p:sp>
-        <p:nvSpPr>
-          <p:cNvPr id="3" name="Vertical Text Placeholder 2"/>
+          </a:p>
+        </p:txBody>
+      </p:sp>
+      <p:sp>
+        <p:nvSpPr>
+          <p:cNvPr id="3" name="Vertical Text Placeholder 2">
+            <a:extLst>
+              <a:ext uri="{FF2B5EF4-FFF2-40B4-BE49-F238E27FC236}">
+                <a16:creationId xmlns:a16="http://schemas.microsoft.com/office/drawing/2014/main" id="{3E49940D-85B2-4DE4-8653-FBF3145CA0DD}"/>
+              </a:ext>
+            </a:extLst>
+          </p:cNvPr>
           <p:cNvSpPr>
             <a:spLocks noGrp="1"/>
           </p:cNvSpPr>
@@ -523,7 +429,7 @@
         </p:nvSpPr>
         <p:spPr/>
         <p:txBody>
-          <a:bodyPr vert="eaVert" lIns="45720" tIns="0" rIns="45720" bIns="0"/>
+          <a:bodyPr vert="eaVert"/>
           <a:lstStyle/>
           <a:p>
             <a:pPr lvl="0"/>
@@ -559,13 +465,18 @@
               <a:rPr lang="en-US"/>
               <a:t>Fifth level</a:t>
             </a:r>
-            <a:endParaRPr lang="en-US" dirty="0"/>
-          </a:p>
-        </p:txBody>
-      </p:sp>
-      <p:sp>
-        <p:nvSpPr>
-          <p:cNvPr id="4" name="Date Placeholder 3"/>
+          </a:p>
+        </p:txBody>
+      </p:sp>
+      <p:sp>
+        <p:nvSpPr>
+          <p:cNvPr id="4" name="Date Placeholder 3">
+            <a:extLst>
+              <a:ext uri="{FF2B5EF4-FFF2-40B4-BE49-F238E27FC236}">
+                <a16:creationId xmlns:a16="http://schemas.microsoft.com/office/drawing/2014/main" id="{3AF5C620-2BCC-4A20-85D0-55C7BA29C1E1}"/>
+              </a:ext>
+            </a:extLst>
+          </p:cNvPr>
           <p:cNvSpPr>
             <a:spLocks noGrp="1"/>
           </p:cNvSpPr>
@@ -580,7 +491,7 @@
           <a:p>
             <a:fld id="{0855F0DF-591A-4352-A67A-D1A292CE560D}" type="datetimeFigureOut">
               <a:rPr lang="en-US" smtClean="0"/>
-              <a:t>4/26/2023</a:t>
+              <a:t>8/24/2023</a:t>
             </a:fld>
             <a:endParaRPr lang="en-US"/>
           </a:p>
@@ -588,7 +499,13 @@
       </p:sp>
       <p:sp>
         <p:nvSpPr>
-          <p:cNvPr id="5" name="Footer Placeholder 4"/>
+          <p:cNvPr id="5" name="Footer Placeholder 4">
+            <a:extLst>
+              <a:ext uri="{FF2B5EF4-FFF2-40B4-BE49-F238E27FC236}">
+                <a16:creationId xmlns:a16="http://schemas.microsoft.com/office/drawing/2014/main" id="{3DA2D1B3-6F34-4913-B38D-B97D8835ED3E}"/>
+              </a:ext>
+            </a:extLst>
+          </p:cNvPr>
           <p:cNvSpPr>
             <a:spLocks noGrp="1"/>
           </p:cNvSpPr>
@@ -607,7 +524,13 @@
       </p:sp>
       <p:sp>
         <p:nvSpPr>
-          <p:cNvPr id="6" name="Slide Number Placeholder 5"/>
+          <p:cNvPr id="6" name="Slide Number Placeholder 5">
+            <a:extLst>
+              <a:ext uri="{FF2B5EF4-FFF2-40B4-BE49-F238E27FC236}">
+                <a16:creationId xmlns:a16="http://schemas.microsoft.com/office/drawing/2014/main" id="{375321D5-ED2B-4980-AD3A-1BB87532169B}"/>
+              </a:ext>
+            </a:extLst>
+          </p:cNvPr>
           <p:cNvSpPr>
             <a:spLocks noGrp="1"/>
           </p:cNvSpPr>
@@ -631,7 +554,7 @@
     </p:spTree>
     <p:extLst>
       <p:ext uri="{BB962C8B-B14F-4D97-AF65-F5344CB8AC3E}">
-        <p14:creationId xmlns:p14="http://schemas.microsoft.com/office/powerpoint/2010/main" val="656612653"/>
+        <p14:creationId xmlns:p14="http://schemas.microsoft.com/office/powerpoint/2010/main" val="1959728580"/>
       </p:ext>
     </p:extLst>
   </p:cSld>
@@ -642,7 +565,7 @@
 </file>
 
 <file path=ppt/slideLayouts/slideLayout11.xml><?xml version="1.0" encoding="utf-8"?>
-<p:sldLayout xmlns:a="http://schemas.openxmlformats.org/drawingml/2006/main" xmlns:r="http://schemas.openxmlformats.org/officeDocument/2006/relationships" xmlns:p="http://schemas.openxmlformats.org/presentationml/2006/main" showMasterSp="0" type="vertTitleAndTx" preserve="1">
+<p:sldLayout xmlns:a="http://schemas.openxmlformats.org/drawingml/2006/main" xmlns:r="http://schemas.openxmlformats.org/officeDocument/2006/relationships" xmlns:p="http://schemas.openxmlformats.org/presentationml/2006/main" type="vertTitleAndTx" preserve="1">
   <p:cSld name="Vertical Title and Text">
     <p:spTree>
       <p:nvGrpSpPr>
@@ -660,128 +583,63 @@
       </p:grpSpPr>
       <p:sp>
         <p:nvSpPr>
-          <p:cNvPr id="7" name="Rectangle 6"/>
-          <p:cNvSpPr/>
-          <p:nvPr/>
+          <p:cNvPr id="2" name="Vertical Title 1">
+            <a:extLst>
+              <a:ext uri="{FF2B5EF4-FFF2-40B4-BE49-F238E27FC236}">
+                <a16:creationId xmlns:a16="http://schemas.microsoft.com/office/drawing/2014/main" id="{08E1BD67-7E14-4943-BDD3-E9B5B14D84BF}"/>
+              </a:ext>
+            </a:extLst>
+          </p:cNvPr>
+          <p:cNvSpPr>
+            <a:spLocks noGrp="1"/>
+          </p:cNvSpPr>
+          <p:nvPr>
+            <p:ph type="title" orient="vert"/>
+          </p:nvPr>
         </p:nvSpPr>
         <p:spPr>
           <a:xfrm>
-            <a:off x="3175" y="6400800"/>
-            <a:ext cx="12188825" cy="457200"/>
+            <a:off x="8724900" y="365125"/>
+            <a:ext cx="2628900" cy="5811838"/>
           </a:xfrm>
-          <a:prstGeom prst="rect">
-            <a:avLst/>
-          </a:prstGeom>
-          <a:solidFill>
-            <a:schemeClr val="accent2"/>
-          </a:solidFill>
-          <a:ln>
-            <a:noFill/>
-          </a:ln>
         </p:spPr>
-        <p:style>
-          <a:lnRef idx="2">
-            <a:schemeClr val="accent1">
-              <a:shade val="50000"/>
-            </a:schemeClr>
-          </a:lnRef>
-          <a:fillRef idx="1">
-            <a:schemeClr val="accent1"/>
-          </a:fillRef>
-          <a:effectRef idx="0">
-            <a:schemeClr val="accent1"/>
-          </a:effectRef>
-          <a:fontRef idx="minor">
-            <a:schemeClr val="lt1"/>
-          </a:fontRef>
-        </p:style>
-      </p:sp>
-      <p:sp>
-        <p:nvSpPr>
-          <p:cNvPr id="8" name="Rectangle 7"/>
-          <p:cNvSpPr/>
-          <p:nvPr/>
+        <p:txBody>
+          <a:bodyPr vert="eaVert"/>
+          <a:lstStyle/>
+          <a:p>
+            <a:r>
+              <a:rPr lang="en-US"/>
+              <a:t>Click to edit Master title style</a:t>
+            </a:r>
+          </a:p>
+        </p:txBody>
+      </p:sp>
+      <p:sp>
+        <p:nvSpPr>
+          <p:cNvPr id="3" name="Vertical Text Placeholder 2">
+            <a:extLst>
+              <a:ext uri="{FF2B5EF4-FFF2-40B4-BE49-F238E27FC236}">
+                <a16:creationId xmlns:a16="http://schemas.microsoft.com/office/drawing/2014/main" id="{84D9C3EA-135C-4AAB-902C-A1C52B0B15E3}"/>
+              </a:ext>
+            </a:extLst>
+          </p:cNvPr>
+          <p:cNvSpPr>
+            <a:spLocks noGrp="1"/>
+          </p:cNvSpPr>
+          <p:nvPr>
+            <p:ph type="body" orient="vert" idx="1"/>
+          </p:nvPr>
         </p:nvSpPr>
         <p:spPr>
           <a:xfrm>
-            <a:off x="15" y="6334316"/>
-            <a:ext cx="12188825" cy="64008"/>
-          </a:xfrm>
-          <a:prstGeom prst="rect">
-            <a:avLst/>
-          </a:prstGeom>
-          <a:solidFill>
-            <a:schemeClr val="accent1"/>
-          </a:solidFill>
-          <a:ln>
-            <a:noFill/>
-          </a:ln>
-        </p:spPr>
-        <p:style>
-          <a:lnRef idx="2">
-            <a:schemeClr val="accent1">
-              <a:shade val="50000"/>
-            </a:schemeClr>
-          </a:lnRef>
-          <a:fillRef idx="1">
-            <a:schemeClr val="accent1"/>
-          </a:fillRef>
-          <a:effectRef idx="0">
-            <a:schemeClr val="accent1"/>
-          </a:effectRef>
-          <a:fontRef idx="minor">
-            <a:schemeClr val="lt1"/>
-          </a:fontRef>
-        </p:style>
-      </p:sp>
-      <p:sp>
-        <p:nvSpPr>
-          <p:cNvPr id="2" name="Vertical Title 1"/>
-          <p:cNvSpPr>
-            <a:spLocks noGrp="1"/>
-          </p:cNvSpPr>
-          <p:nvPr>
-            <p:ph type="title" orient="vert"/>
-          </p:nvPr>
-        </p:nvSpPr>
-        <p:spPr>
-          <a:xfrm>
-            <a:off x="8724900" y="414778"/>
-            <a:ext cx="2628900" cy="5757421"/>
+            <a:off x="838200" y="365125"/>
+            <a:ext cx="7734300" cy="5811838"/>
           </a:xfrm>
         </p:spPr>
         <p:txBody>
           <a:bodyPr vert="eaVert"/>
           <a:lstStyle/>
           <a:p>
-            <a:r>
-              <a:rPr lang="en-US"/>
-              <a:t>Click to edit Master title style</a:t>
-            </a:r>
-            <a:endParaRPr lang="en-US" dirty="0"/>
-          </a:p>
-        </p:txBody>
-      </p:sp>
-      <p:sp>
-        <p:nvSpPr>
-          <p:cNvPr id="3" name="Vertical Text Placeholder 2"/>
-          <p:cNvSpPr>
-            <a:spLocks noGrp="1"/>
-          </p:cNvSpPr>
-          <p:nvPr>
-            <p:ph type="body" orient="vert" idx="1"/>
-          </p:nvPr>
-        </p:nvSpPr>
-        <p:spPr>
-          <a:xfrm>
-            <a:off x="838200" y="414778"/>
-            <a:ext cx="7734300" cy="5757422"/>
-          </a:xfrm>
-        </p:spPr>
-        <p:txBody>
-          <a:bodyPr vert="eaVert" lIns="45720" tIns="0" rIns="45720" bIns="0"/>
-          <a:lstStyle/>
-          <a:p>
             <a:pPr lvl="0"/>
             <a:r>
               <a:rPr lang="en-US"/>
@@ -815,13 +673,18 @@
               <a:rPr lang="en-US"/>
               <a:t>Fifth level</a:t>
             </a:r>
-            <a:endParaRPr lang="en-US" dirty="0"/>
-          </a:p>
-        </p:txBody>
-      </p:sp>
-      <p:sp>
-        <p:nvSpPr>
-          <p:cNvPr id="4" name="Date Placeholder 3"/>
+          </a:p>
+        </p:txBody>
+      </p:sp>
+      <p:sp>
+        <p:nvSpPr>
+          <p:cNvPr id="4" name="Date Placeholder 3">
+            <a:extLst>
+              <a:ext uri="{FF2B5EF4-FFF2-40B4-BE49-F238E27FC236}">
+                <a16:creationId xmlns:a16="http://schemas.microsoft.com/office/drawing/2014/main" id="{D8E63944-E990-4B1F-8BCA-AEEEE423E1ED}"/>
+              </a:ext>
+            </a:extLst>
+          </p:cNvPr>
           <p:cNvSpPr>
             <a:spLocks noGrp="1"/>
           </p:cNvSpPr>
@@ -836,7 +699,7 @@
           <a:p>
             <a:fld id="{0855F0DF-591A-4352-A67A-D1A292CE560D}" type="datetimeFigureOut">
               <a:rPr lang="en-US" smtClean="0"/>
-              <a:t>4/26/2023</a:t>
+              <a:t>8/24/2023</a:t>
             </a:fld>
             <a:endParaRPr lang="en-US"/>
           </a:p>
@@ -844,7 +707,13 @@
       </p:sp>
       <p:sp>
         <p:nvSpPr>
-          <p:cNvPr id="5" name="Footer Placeholder 4"/>
+          <p:cNvPr id="5" name="Footer Placeholder 4">
+            <a:extLst>
+              <a:ext uri="{FF2B5EF4-FFF2-40B4-BE49-F238E27FC236}">
+                <a16:creationId xmlns:a16="http://schemas.microsoft.com/office/drawing/2014/main" id="{8DD31CFE-3313-46BD-9EFA-DAB755E5BCB3}"/>
+              </a:ext>
+            </a:extLst>
+          </p:cNvPr>
           <p:cNvSpPr>
             <a:spLocks noGrp="1"/>
           </p:cNvSpPr>
@@ -863,7 +732,13 @@
       </p:sp>
       <p:sp>
         <p:nvSpPr>
-          <p:cNvPr id="6" name="Slide Number Placeholder 5"/>
+          <p:cNvPr id="6" name="Slide Number Placeholder 5">
+            <a:extLst>
+              <a:ext uri="{FF2B5EF4-FFF2-40B4-BE49-F238E27FC236}">
+                <a16:creationId xmlns:a16="http://schemas.microsoft.com/office/drawing/2014/main" id="{48BF3D8D-AE3E-4E0C-A927-BD04858C4619}"/>
+              </a:ext>
+            </a:extLst>
+          </p:cNvPr>
           <p:cNvSpPr>
             <a:spLocks noGrp="1"/>
           </p:cNvSpPr>
@@ -887,7 +762,7 @@
     </p:spTree>
     <p:extLst>
       <p:ext uri="{BB962C8B-B14F-4D97-AF65-F5344CB8AC3E}">
-        <p14:creationId xmlns:p14="http://schemas.microsoft.com/office/powerpoint/2010/main" val="3775079697"/>
+        <p14:creationId xmlns:p14="http://schemas.microsoft.com/office/powerpoint/2010/main" val="1759977512"/>
       </p:ext>
     </p:extLst>
   </p:cSld>
@@ -916,7 +791,13 @@
       </p:grpSpPr>
       <p:sp>
         <p:nvSpPr>
-          <p:cNvPr id="2" name="Title 1"/>
+          <p:cNvPr id="2" name="Title 1">
+            <a:extLst>
+              <a:ext uri="{FF2B5EF4-FFF2-40B4-BE49-F238E27FC236}">
+                <a16:creationId xmlns:a16="http://schemas.microsoft.com/office/drawing/2014/main" id="{1792B9AF-C655-4625-AF1C-36176446BBE0}"/>
+              </a:ext>
+            </a:extLst>
+          </p:cNvPr>
           <p:cNvSpPr>
             <a:spLocks noGrp="1"/>
           </p:cNvSpPr>
@@ -927,23 +808,24 @@
         <p:spPr/>
         <p:txBody>
           <a:bodyPr/>
-          <a:lstStyle>
-            <a:lvl1pPr marL="0">
-              <a:defRPr/>
-            </a:lvl1pPr>
-          </a:lstStyle>
+          <a:lstStyle/>
           <a:p>
             <a:r>
               <a:rPr lang="en-US"/>
               <a:t>Click to edit Master title style</a:t>
             </a:r>
-            <a:endParaRPr lang="en-US" dirty="0"/>
-          </a:p>
-        </p:txBody>
-      </p:sp>
-      <p:sp>
-        <p:nvSpPr>
-          <p:cNvPr id="3" name="Content Placeholder 2"/>
+          </a:p>
+        </p:txBody>
+      </p:sp>
+      <p:sp>
+        <p:nvSpPr>
+          <p:cNvPr id="3" name="Content Placeholder 2">
+            <a:extLst>
+              <a:ext uri="{FF2B5EF4-FFF2-40B4-BE49-F238E27FC236}">
+                <a16:creationId xmlns:a16="http://schemas.microsoft.com/office/drawing/2014/main" id="{B06B176F-D84E-482B-BED9-037F93572BD3}"/>
+              </a:ext>
+            </a:extLst>
+          </p:cNvPr>
           <p:cNvSpPr>
             <a:spLocks noGrp="1"/>
           </p:cNvSpPr>
@@ -989,13 +871,18 @@
               <a:rPr lang="en-US"/>
               <a:t>Fifth level</a:t>
             </a:r>
-            <a:endParaRPr lang="en-US" dirty="0"/>
-          </a:p>
-        </p:txBody>
-      </p:sp>
-      <p:sp>
-        <p:nvSpPr>
-          <p:cNvPr id="4" name="Date Placeholder 3"/>
+          </a:p>
+        </p:txBody>
+      </p:sp>
+      <p:sp>
+        <p:nvSpPr>
+          <p:cNvPr id="4" name="Date Placeholder 3">
+            <a:extLst>
+              <a:ext uri="{FF2B5EF4-FFF2-40B4-BE49-F238E27FC236}">
+                <a16:creationId xmlns:a16="http://schemas.microsoft.com/office/drawing/2014/main" id="{D8D445F5-16F3-4FEB-A1D4-4F82E1147DB3}"/>
+              </a:ext>
+            </a:extLst>
+          </p:cNvPr>
           <p:cNvSpPr>
             <a:spLocks noGrp="1"/>
           </p:cNvSpPr>
@@ -1010,7 +897,7 @@
           <a:p>
             <a:fld id="{0855F0DF-591A-4352-A67A-D1A292CE560D}" type="datetimeFigureOut">
               <a:rPr lang="en-US" smtClean="0"/>
-              <a:t>4/26/2023</a:t>
+              <a:t>8/24/2023</a:t>
             </a:fld>
             <a:endParaRPr lang="en-US"/>
           </a:p>
@@ -1018,7 +905,13 @@
       </p:sp>
       <p:sp>
         <p:nvSpPr>
-          <p:cNvPr id="5" name="Footer Placeholder 4"/>
+          <p:cNvPr id="5" name="Footer Placeholder 4">
+            <a:extLst>
+              <a:ext uri="{FF2B5EF4-FFF2-40B4-BE49-F238E27FC236}">
+                <a16:creationId xmlns:a16="http://schemas.microsoft.com/office/drawing/2014/main" id="{6AF462AC-0E17-41B8-8D2C-05BF7B722BF9}"/>
+              </a:ext>
+            </a:extLst>
+          </p:cNvPr>
           <p:cNvSpPr>
             <a:spLocks noGrp="1"/>
           </p:cNvSpPr>
@@ -1037,7 +930,13 @@
       </p:sp>
       <p:sp>
         <p:nvSpPr>
-          <p:cNvPr id="6" name="Slide Number Placeholder 5"/>
+          <p:cNvPr id="6" name="Slide Number Placeholder 5">
+            <a:extLst>
+              <a:ext uri="{FF2B5EF4-FFF2-40B4-BE49-F238E27FC236}">
+                <a16:creationId xmlns:a16="http://schemas.microsoft.com/office/drawing/2014/main" id="{A1EA0656-F022-4171-A0C9-7F7D2F5050F9}"/>
+              </a:ext>
+            </a:extLst>
+          </p:cNvPr>
           <p:cNvSpPr>
             <a:spLocks noGrp="1"/>
           </p:cNvSpPr>
@@ -1061,7 +960,7 @@
     </p:spTree>
     <p:extLst>
       <p:ext uri="{BB962C8B-B14F-4D97-AF65-F5344CB8AC3E}">
-        <p14:creationId xmlns:p14="http://schemas.microsoft.com/office/powerpoint/2010/main" val="3579113613"/>
+        <p14:creationId xmlns:p14="http://schemas.microsoft.com/office/powerpoint/2010/main" val="3713985797"/>
       </p:ext>
     </p:extLst>
   </p:cSld>
@@ -1072,16 +971,8 @@
 </file>
 
 <file path=ppt/slideLayouts/slideLayout3.xml><?xml version="1.0" encoding="utf-8"?>
-<p:sldLayout xmlns:a="http://schemas.openxmlformats.org/drawingml/2006/main" xmlns:r="http://schemas.openxmlformats.org/officeDocument/2006/relationships" xmlns:p="http://schemas.openxmlformats.org/presentationml/2006/main" showMasterSp="0" type="secHead" preserve="1">
+<p:sldLayout xmlns:a="http://schemas.openxmlformats.org/drawingml/2006/main" xmlns:r="http://schemas.openxmlformats.org/officeDocument/2006/relationships" xmlns:p="http://schemas.openxmlformats.org/presentationml/2006/main" type="secHead" preserve="1">
   <p:cSld name="Section Header">
-    <p:bg>
-      <p:bgPr>
-        <a:solidFill>
-          <a:schemeClr val="bg1"/>
-        </a:solidFill>
-        <a:effectLst/>
-      </p:bgPr>
-    </p:bg>
     <p:spTree>
       <p:nvGrpSpPr>
         <p:cNvPr id="1" name=""/>
@@ -1098,157 +989,79 @@
       </p:grpSpPr>
       <p:sp>
         <p:nvSpPr>
-          <p:cNvPr id="7" name="Rectangle 6"/>
-          <p:cNvSpPr/>
-          <p:nvPr/>
+          <p:cNvPr id="2" name="Title 1">
+            <a:extLst>
+              <a:ext uri="{FF2B5EF4-FFF2-40B4-BE49-F238E27FC236}">
+                <a16:creationId xmlns:a16="http://schemas.microsoft.com/office/drawing/2014/main" id="{95264257-011D-402F-B1B1-7C5840390E74}"/>
+              </a:ext>
+            </a:extLst>
+          </p:cNvPr>
+          <p:cNvSpPr>
+            <a:spLocks noGrp="1"/>
+          </p:cNvSpPr>
+          <p:nvPr>
+            <p:ph type="title"/>
+          </p:nvPr>
         </p:nvSpPr>
         <p:spPr>
           <a:xfrm>
-            <a:off x="3175" y="6400800"/>
-            <a:ext cx="12188825" cy="457200"/>
+            <a:off x="831850" y="1709738"/>
+            <a:ext cx="10515600" cy="2852737"/>
           </a:xfrm>
-          <a:prstGeom prst="rect">
-            <a:avLst/>
-          </a:prstGeom>
-          <a:solidFill>
-            <a:schemeClr val="accent2"/>
-          </a:solidFill>
-          <a:ln>
-            <a:noFill/>
-          </a:ln>
         </p:spPr>
-        <p:style>
-          <a:lnRef idx="2">
-            <a:schemeClr val="accent1">
-              <a:shade val="50000"/>
-            </a:schemeClr>
-          </a:lnRef>
-          <a:fillRef idx="1">
-            <a:schemeClr val="accent1"/>
-          </a:fillRef>
-          <a:effectRef idx="0">
-            <a:schemeClr val="accent1"/>
-          </a:effectRef>
-          <a:fontRef idx="minor">
-            <a:schemeClr val="lt1"/>
-          </a:fontRef>
-        </p:style>
-      </p:sp>
-      <p:sp>
-        <p:nvSpPr>
-          <p:cNvPr id="8" name="Rectangle 7"/>
-          <p:cNvSpPr/>
-          <p:nvPr/>
+        <p:txBody>
+          <a:bodyPr anchor="b"/>
+          <a:lstStyle>
+            <a:lvl1pPr>
+              <a:defRPr sz="6000"/>
+            </a:lvl1pPr>
+          </a:lstStyle>
+          <a:p>
+            <a:r>
+              <a:rPr lang="en-US"/>
+              <a:t>Click to edit Master title style</a:t>
+            </a:r>
+          </a:p>
+        </p:txBody>
+      </p:sp>
+      <p:sp>
+        <p:nvSpPr>
+          <p:cNvPr id="3" name="Text Placeholder 2">
+            <a:extLst>
+              <a:ext uri="{FF2B5EF4-FFF2-40B4-BE49-F238E27FC236}">
+                <a16:creationId xmlns:a16="http://schemas.microsoft.com/office/drawing/2014/main" id="{F542A9AC-2D0A-4435-BA8F-6806845BEF32}"/>
+              </a:ext>
+            </a:extLst>
+          </p:cNvPr>
+          <p:cNvSpPr>
+            <a:spLocks noGrp="1"/>
+          </p:cNvSpPr>
+          <p:nvPr>
+            <p:ph type="body" idx="1"/>
+          </p:nvPr>
         </p:nvSpPr>
         <p:spPr>
           <a:xfrm>
-            <a:off x="15" y="6334316"/>
-            <a:ext cx="12188825" cy="64008"/>
-          </a:xfrm>
-          <a:prstGeom prst="rect">
-            <a:avLst/>
-          </a:prstGeom>
-          <a:solidFill>
-            <a:schemeClr val="accent1"/>
-          </a:solidFill>
-          <a:ln>
-            <a:noFill/>
-          </a:ln>
-        </p:spPr>
-        <p:style>
-          <a:lnRef idx="2">
-            <a:schemeClr val="accent1">
-              <a:shade val="50000"/>
-            </a:schemeClr>
-          </a:lnRef>
-          <a:fillRef idx="1">
-            <a:schemeClr val="accent1"/>
-          </a:fillRef>
-          <a:effectRef idx="0">
-            <a:schemeClr val="accent1"/>
-          </a:effectRef>
-          <a:fontRef idx="minor">
-            <a:schemeClr val="lt1"/>
-          </a:fontRef>
-        </p:style>
-      </p:sp>
-      <p:sp>
-        <p:nvSpPr>
-          <p:cNvPr id="2" name="Title 1"/>
-          <p:cNvSpPr>
-            <a:spLocks noGrp="1"/>
-          </p:cNvSpPr>
-          <p:nvPr>
-            <p:ph type="title"/>
-          </p:nvPr>
-        </p:nvSpPr>
-        <p:spPr>
-          <a:xfrm>
-            <a:off x="1097280" y="758952"/>
-            <a:ext cx="10058400" cy="3566160"/>
+            <a:off x="831850" y="4589463"/>
+            <a:ext cx="10515600" cy="1500187"/>
           </a:xfrm>
         </p:spPr>
         <p:txBody>
-          <a:bodyPr anchor="b" anchorCtr="0">
-            <a:normAutofit/>
-          </a:bodyPr>
+          <a:bodyPr/>
           <a:lstStyle>
-            <a:lvl1pPr>
-              <a:lnSpc>
-                <a:spcPct val="85000"/>
-              </a:lnSpc>
-              <a:defRPr sz="8000" b="0">
+            <a:lvl1pPr marL="0" indent="0">
+              <a:buNone/>
+              <a:defRPr sz="2400">
                 <a:solidFill>
                   <a:schemeClr val="tx1">
-                    <a:lumMod val="85000"/>
-                    <a:lumOff val="15000"/>
+                    <a:tint val="75000"/>
                   </a:schemeClr>
                 </a:solidFill>
               </a:defRPr>
             </a:lvl1pPr>
-          </a:lstStyle>
-          <a:p>
-            <a:r>
-              <a:rPr lang="en-US"/>
-              <a:t>Click to edit Master title style</a:t>
-            </a:r>
-            <a:endParaRPr lang="en-US" dirty="0"/>
-          </a:p>
-        </p:txBody>
-      </p:sp>
-      <p:sp>
-        <p:nvSpPr>
-          <p:cNvPr id="3" name="Text Placeholder 2"/>
-          <p:cNvSpPr>
-            <a:spLocks noGrp="1"/>
-          </p:cNvSpPr>
-          <p:nvPr>
-            <p:ph type="body" idx="1"/>
-          </p:nvPr>
-        </p:nvSpPr>
-        <p:spPr>
-          <a:xfrm>
-            <a:off x="1097280" y="4453128"/>
-            <a:ext cx="10058400" cy="1143000"/>
-          </a:xfrm>
-        </p:spPr>
-        <p:txBody>
-          <a:bodyPr lIns="91440" rIns="91440" anchor="t" anchorCtr="0">
-            <a:normAutofit/>
-          </a:bodyPr>
-          <a:lstStyle>
-            <a:lvl1pPr marL="0" indent="0">
-              <a:buNone/>
-              <a:defRPr sz="2400" cap="all" spc="200" baseline="0">
-                <a:solidFill>
-                  <a:schemeClr val="tx2"/>
-                </a:solidFill>
-                <a:latin typeface="+mj-lt"/>
-              </a:defRPr>
-            </a:lvl1pPr>
             <a:lvl2pPr marL="457200" indent="0">
               <a:buNone/>
-              <a:defRPr sz="1800">
+              <a:defRPr sz="2000">
                 <a:solidFill>
                   <a:schemeClr val="tx1">
                     <a:tint val="75000"/>
@@ -1258,7 +1071,7 @@
             </a:lvl2pPr>
             <a:lvl3pPr marL="914400" indent="0">
               <a:buNone/>
-              <a:defRPr sz="1600">
+              <a:defRPr sz="1800">
                 <a:solidFill>
                   <a:schemeClr val="tx1">
                     <a:tint val="75000"/>
@@ -1268,7 +1081,7 @@
             </a:lvl3pPr>
             <a:lvl4pPr marL="1371600" indent="0">
               <a:buNone/>
-              <a:defRPr sz="1400">
+              <a:defRPr sz="1600">
                 <a:solidFill>
                   <a:schemeClr val="tx1">
                     <a:tint val="75000"/>
@@ -1278,7 +1091,7 @@
             </a:lvl4pPr>
             <a:lvl5pPr marL="1828800" indent="0">
               <a:buNone/>
-              <a:defRPr sz="1400">
+              <a:defRPr sz="1600">
                 <a:solidFill>
                   <a:schemeClr val="tx1">
                     <a:tint val="75000"/>
@@ -1288,7 +1101,7 @@
             </a:lvl5pPr>
             <a:lvl6pPr marL="2286000" indent="0">
               <a:buNone/>
-              <a:defRPr sz="1400">
+              <a:defRPr sz="1600">
                 <a:solidFill>
                   <a:schemeClr val="tx1">
                     <a:tint val="75000"/>
@@ -1298,7 +1111,7 @@
             </a:lvl6pPr>
             <a:lvl7pPr marL="2743200" indent="0">
               <a:buNone/>
-              <a:defRPr sz="1400">
+              <a:defRPr sz="1600">
                 <a:solidFill>
                   <a:schemeClr val="tx1">
                     <a:tint val="75000"/>
@@ -1308,7 +1121,7 @@
             </a:lvl7pPr>
             <a:lvl8pPr marL="3200400" indent="0">
               <a:buNone/>
-              <a:defRPr sz="1400">
+              <a:defRPr sz="1600">
                 <a:solidFill>
                   <a:schemeClr val="tx1">
                     <a:tint val="75000"/>
@@ -1318,7 +1131,7 @@
             </a:lvl8pPr>
             <a:lvl9pPr marL="3657600" indent="0">
               <a:buNone/>
-              <a:defRPr sz="1400">
+              <a:defRPr sz="1600">
                 <a:solidFill>
                   <a:schemeClr val="tx1">
                     <a:tint val="75000"/>
@@ -1338,7 +1151,13 @@
       </p:sp>
       <p:sp>
         <p:nvSpPr>
-          <p:cNvPr id="4" name="Date Placeholder 3"/>
+          <p:cNvPr id="4" name="Date Placeholder 3">
+            <a:extLst>
+              <a:ext uri="{FF2B5EF4-FFF2-40B4-BE49-F238E27FC236}">
+                <a16:creationId xmlns:a16="http://schemas.microsoft.com/office/drawing/2014/main" id="{9E15032F-E445-4404-854F-FFA4BA74A73E}"/>
+              </a:ext>
+            </a:extLst>
+          </p:cNvPr>
           <p:cNvSpPr>
             <a:spLocks noGrp="1"/>
           </p:cNvSpPr>
@@ -1353,7 +1172,7 @@
           <a:p>
             <a:fld id="{0855F0DF-591A-4352-A67A-D1A292CE560D}" type="datetimeFigureOut">
               <a:rPr lang="en-US" smtClean="0"/>
-              <a:t>4/26/2023</a:t>
+              <a:t>8/24/2023</a:t>
             </a:fld>
             <a:endParaRPr lang="en-US"/>
           </a:p>
@@ -1361,7 +1180,13 @@
       </p:sp>
       <p:sp>
         <p:nvSpPr>
-          <p:cNvPr id="5" name="Footer Placeholder 4"/>
+          <p:cNvPr id="5" name="Footer Placeholder 4">
+            <a:extLst>
+              <a:ext uri="{FF2B5EF4-FFF2-40B4-BE49-F238E27FC236}">
+                <a16:creationId xmlns:a16="http://schemas.microsoft.com/office/drawing/2014/main" id="{2D2C151C-3E2B-4952-A6DC-03E517EF1ED0}"/>
+              </a:ext>
+            </a:extLst>
+          </p:cNvPr>
           <p:cNvSpPr>
             <a:spLocks noGrp="1"/>
           </p:cNvSpPr>
@@ -1380,7 +1205,13 @@
       </p:sp>
       <p:sp>
         <p:nvSpPr>
-          <p:cNvPr id="6" name="Slide Number Placeholder 5"/>
+          <p:cNvPr id="6" name="Slide Number Placeholder 5">
+            <a:extLst>
+              <a:ext uri="{FF2B5EF4-FFF2-40B4-BE49-F238E27FC236}">
+                <a16:creationId xmlns:a16="http://schemas.microsoft.com/office/drawing/2014/main" id="{D0B0A0F7-F114-4053-A86F-B638B788461C}"/>
+              </a:ext>
+            </a:extLst>
+          </p:cNvPr>
           <p:cNvSpPr>
             <a:spLocks noGrp="1"/>
           </p:cNvSpPr>
@@ -1401,48 +1232,10 @@
           </a:p>
         </p:txBody>
       </p:sp>
-      <p:cxnSp>
-        <p:nvCxnSpPr>
-          <p:cNvPr id="9" name="Straight Connector 8"/>
-          <p:cNvCxnSpPr/>
-          <p:nvPr/>
-        </p:nvCxnSpPr>
-        <p:spPr>
-          <a:xfrm>
-            <a:off x="1207658" y="4343400"/>
-            <a:ext cx="9875520" cy="0"/>
-          </a:xfrm>
-          <a:prstGeom prst="line">
-            <a:avLst/>
-          </a:prstGeom>
-          <a:ln w="6350">
-            <a:solidFill>
-              <a:schemeClr val="tx1">
-                <a:lumMod val="50000"/>
-                <a:lumOff val="50000"/>
-              </a:schemeClr>
-            </a:solidFill>
-          </a:ln>
-        </p:spPr>
-        <p:style>
-          <a:lnRef idx="1">
-            <a:schemeClr val="accent1"/>
-          </a:lnRef>
-          <a:fillRef idx="0">
-            <a:schemeClr val="accent1"/>
-          </a:fillRef>
-          <a:effectRef idx="0">
-            <a:schemeClr val="accent1"/>
-          </a:effectRef>
-          <a:fontRef idx="minor">
-            <a:schemeClr val="tx1"/>
-          </a:fontRef>
-        </p:style>
-      </p:cxnSp>
     </p:spTree>
     <p:extLst>
       <p:ext uri="{BB962C8B-B14F-4D97-AF65-F5344CB8AC3E}">
-        <p14:creationId xmlns:p14="http://schemas.microsoft.com/office/powerpoint/2010/main" val="1945568771"/>
+        <p14:creationId xmlns:p14="http://schemas.microsoft.com/office/powerpoint/2010/main" val="4197495278"/>
       </p:ext>
     </p:extLst>
   </p:cSld>
@@ -1471,46 +1264,114 @@
       </p:grpSpPr>
       <p:sp>
         <p:nvSpPr>
-          <p:cNvPr id="8" name="Title 7"/>
+          <p:cNvPr id="2" name="Title 1">
+            <a:extLst>
+              <a:ext uri="{FF2B5EF4-FFF2-40B4-BE49-F238E27FC236}">
+                <a16:creationId xmlns:a16="http://schemas.microsoft.com/office/drawing/2014/main" id="{B43577AD-1167-4851-B1E8-354E5059FE52}"/>
+              </a:ext>
+            </a:extLst>
+          </p:cNvPr>
           <p:cNvSpPr>
             <a:spLocks noGrp="1"/>
           </p:cNvSpPr>
           <p:nvPr>
             <p:ph type="title"/>
+          </p:nvPr>
+        </p:nvSpPr>
+        <p:spPr/>
+        <p:txBody>
+          <a:bodyPr/>
+          <a:lstStyle/>
+          <a:p>
+            <a:r>
+              <a:rPr lang="en-US"/>
+              <a:t>Click to edit Master title style</a:t>
+            </a:r>
+          </a:p>
+        </p:txBody>
+      </p:sp>
+      <p:sp>
+        <p:nvSpPr>
+          <p:cNvPr id="3" name="Content Placeholder 2">
+            <a:extLst>
+              <a:ext uri="{FF2B5EF4-FFF2-40B4-BE49-F238E27FC236}">
+                <a16:creationId xmlns:a16="http://schemas.microsoft.com/office/drawing/2014/main" id="{FE70CAE9-73B8-44A0-960D-4231BEC53299}"/>
+              </a:ext>
+            </a:extLst>
+          </p:cNvPr>
+          <p:cNvSpPr>
+            <a:spLocks noGrp="1"/>
+          </p:cNvSpPr>
+          <p:nvPr>
+            <p:ph sz="half" idx="1"/>
           </p:nvPr>
         </p:nvSpPr>
         <p:spPr>
           <a:xfrm>
-            <a:off x="1097280" y="286603"/>
-            <a:ext cx="10058400" cy="1450757"/>
+            <a:off x="838200" y="1825625"/>
+            <a:ext cx="5181600" cy="4351338"/>
           </a:xfrm>
         </p:spPr>
         <p:txBody>
           <a:bodyPr/>
           <a:lstStyle/>
           <a:p>
+            <a:pPr lvl="0"/>
             <a:r>
               <a:rPr lang="en-US"/>
-              <a:t>Click to edit Master title style</a:t>
-            </a:r>
-            <a:endParaRPr lang="en-US" dirty="0"/>
-          </a:p>
-        </p:txBody>
-      </p:sp>
-      <p:sp>
-        <p:nvSpPr>
-          <p:cNvPr id="3" name="Content Placeholder 2"/>
-          <p:cNvSpPr>
-            <a:spLocks noGrp="1"/>
-          </p:cNvSpPr>
-          <p:nvPr>
-            <p:ph sz="half" idx="1"/>
+              <a:t>Click to edit Master text styles</a:t>
+            </a:r>
+          </a:p>
+          <a:p>
+            <a:pPr lvl="1"/>
+            <a:r>
+              <a:rPr lang="en-US"/>
+              <a:t>Second level</a:t>
+            </a:r>
+          </a:p>
+          <a:p>
+            <a:pPr lvl="2"/>
+            <a:r>
+              <a:rPr lang="en-US"/>
+              <a:t>Third level</a:t>
+            </a:r>
+          </a:p>
+          <a:p>
+            <a:pPr lvl="3"/>
+            <a:r>
+              <a:rPr lang="en-US"/>
+              <a:t>Fourth level</a:t>
+            </a:r>
+          </a:p>
+          <a:p>
+            <a:pPr lvl="4"/>
+            <a:r>
+              <a:rPr lang="en-US"/>
+              <a:t>Fifth level</a:t>
+            </a:r>
+          </a:p>
+        </p:txBody>
+      </p:sp>
+      <p:sp>
+        <p:nvSpPr>
+          <p:cNvPr id="4" name="Content Placeholder 3">
+            <a:extLst>
+              <a:ext uri="{FF2B5EF4-FFF2-40B4-BE49-F238E27FC236}">
+                <a16:creationId xmlns:a16="http://schemas.microsoft.com/office/drawing/2014/main" id="{556F9D70-1323-4E8C-B9E5-E01AF108F40D}"/>
+              </a:ext>
+            </a:extLst>
+          </p:cNvPr>
+          <p:cNvSpPr>
+            <a:spLocks noGrp="1"/>
+          </p:cNvSpPr>
+          <p:nvPr>
+            <p:ph sz="half" idx="2"/>
           </p:nvPr>
         </p:nvSpPr>
         <p:spPr>
           <a:xfrm>
-            <a:off x="1097279" y="1845734"/>
-            <a:ext cx="4937760" cy="4023360"/>
+            <a:off x="6172200" y="1825625"/>
+            <a:ext cx="5181600" cy="4351338"/>
           </a:xfrm>
         </p:spPr>
         <p:txBody>
@@ -1550,70 +1411,18 @@
               <a:rPr lang="en-US"/>
               <a:t>Fifth level</a:t>
             </a:r>
-            <a:endParaRPr lang="en-US" dirty="0"/>
-          </a:p>
-        </p:txBody>
-      </p:sp>
-      <p:sp>
-        <p:nvSpPr>
-          <p:cNvPr id="4" name="Content Placeholder 3"/>
-          <p:cNvSpPr>
-            <a:spLocks noGrp="1"/>
-          </p:cNvSpPr>
-          <p:nvPr>
-            <p:ph sz="half" idx="2"/>
-          </p:nvPr>
-        </p:nvSpPr>
-        <p:spPr>
-          <a:xfrm>
-            <a:off x="6217920" y="1845735"/>
-            <a:ext cx="4937760" cy="4023360"/>
-          </a:xfrm>
-        </p:spPr>
-        <p:txBody>
-          <a:bodyPr/>
-          <a:lstStyle/>
-          <a:p>
-            <a:pPr lvl="0"/>
-            <a:r>
-              <a:rPr lang="en-US"/>
-              <a:t>Click to edit Master text styles</a:t>
-            </a:r>
-          </a:p>
-          <a:p>
-            <a:pPr lvl="1"/>
-            <a:r>
-              <a:rPr lang="en-US"/>
-              <a:t>Second level</a:t>
-            </a:r>
-          </a:p>
-          <a:p>
-            <a:pPr lvl="2"/>
-            <a:r>
-              <a:rPr lang="en-US"/>
-              <a:t>Third level</a:t>
-            </a:r>
-          </a:p>
-          <a:p>
-            <a:pPr lvl="3"/>
-            <a:r>
-              <a:rPr lang="en-US"/>
-              <a:t>Fourth level</a:t>
-            </a:r>
-          </a:p>
-          <a:p>
-            <a:pPr lvl="4"/>
-            <a:r>
-              <a:rPr lang="en-US"/>
-              <a:t>Fifth level</a:t>
-            </a:r>
-            <a:endParaRPr lang="en-US" dirty="0"/>
-          </a:p>
-        </p:txBody>
-      </p:sp>
-      <p:sp>
-        <p:nvSpPr>
-          <p:cNvPr id="5" name="Date Placeholder 4"/>
+          </a:p>
+        </p:txBody>
+      </p:sp>
+      <p:sp>
+        <p:nvSpPr>
+          <p:cNvPr id="5" name="Date Placeholder 4">
+            <a:extLst>
+              <a:ext uri="{FF2B5EF4-FFF2-40B4-BE49-F238E27FC236}">
+                <a16:creationId xmlns:a16="http://schemas.microsoft.com/office/drawing/2014/main" id="{C79B5D0F-2DF2-499D-8146-E6D0A32AD0EE}"/>
+              </a:ext>
+            </a:extLst>
+          </p:cNvPr>
           <p:cNvSpPr>
             <a:spLocks noGrp="1"/>
           </p:cNvSpPr>
@@ -1628,7 +1437,7 @@
           <a:p>
             <a:fld id="{0855F0DF-591A-4352-A67A-D1A292CE560D}" type="datetimeFigureOut">
               <a:rPr lang="en-US" smtClean="0"/>
-              <a:t>4/26/2023</a:t>
+              <a:t>8/24/2023</a:t>
             </a:fld>
             <a:endParaRPr lang="en-US"/>
           </a:p>
@@ -1636,7 +1445,13 @@
       </p:sp>
       <p:sp>
         <p:nvSpPr>
-          <p:cNvPr id="6" name="Footer Placeholder 5"/>
+          <p:cNvPr id="6" name="Footer Placeholder 5">
+            <a:extLst>
+              <a:ext uri="{FF2B5EF4-FFF2-40B4-BE49-F238E27FC236}">
+                <a16:creationId xmlns:a16="http://schemas.microsoft.com/office/drawing/2014/main" id="{3D3DA825-F517-4FA3-92E9-9D703803754B}"/>
+              </a:ext>
+            </a:extLst>
+          </p:cNvPr>
           <p:cNvSpPr>
             <a:spLocks noGrp="1"/>
           </p:cNvSpPr>
@@ -1655,7 +1470,13 @@
       </p:sp>
       <p:sp>
         <p:nvSpPr>
-          <p:cNvPr id="7" name="Slide Number Placeholder 6"/>
+          <p:cNvPr id="7" name="Slide Number Placeholder 6">
+            <a:extLst>
+              <a:ext uri="{FF2B5EF4-FFF2-40B4-BE49-F238E27FC236}">
+                <a16:creationId xmlns:a16="http://schemas.microsoft.com/office/drawing/2014/main" id="{735CDDBC-E5F5-4B1B-8B76-FB87CBDDE8EB}"/>
+              </a:ext>
+            </a:extLst>
+          </p:cNvPr>
           <p:cNvSpPr>
             <a:spLocks noGrp="1"/>
           </p:cNvSpPr>
@@ -1679,7 +1500,7 @@
     </p:spTree>
     <p:extLst>
       <p:ext uri="{BB962C8B-B14F-4D97-AF65-F5344CB8AC3E}">
-        <p14:creationId xmlns:p14="http://schemas.microsoft.com/office/powerpoint/2010/main" val="2419468528"/>
+        <p14:creationId xmlns:p14="http://schemas.microsoft.com/office/powerpoint/2010/main" val="3912155256"/>
       </p:ext>
     </p:extLst>
   </p:cSld>
@@ -1708,7 +1529,13 @@
       </p:grpSpPr>
       <p:sp>
         <p:nvSpPr>
-          <p:cNvPr id="10" name="Title 9"/>
+          <p:cNvPr id="2" name="Title 1">
+            <a:extLst>
+              <a:ext uri="{FF2B5EF4-FFF2-40B4-BE49-F238E27FC236}">
+                <a16:creationId xmlns:a16="http://schemas.microsoft.com/office/drawing/2014/main" id="{48C5CF2B-00B2-4210-BC82-2E764A8DE750}"/>
+              </a:ext>
+            </a:extLst>
+          </p:cNvPr>
           <p:cNvSpPr>
             <a:spLocks noGrp="1"/>
           </p:cNvSpPr>
@@ -1718,8 +1545,8 @@
         </p:nvSpPr>
         <p:spPr>
           <a:xfrm>
-            <a:off x="1097280" y="286603"/>
-            <a:ext cx="10058400" cy="1450757"/>
+            <a:off x="839788" y="365125"/>
+            <a:ext cx="10515600" cy="1325563"/>
           </a:xfrm>
         </p:spPr>
         <p:txBody>
@@ -1730,13 +1557,18 @@
               <a:rPr lang="en-US"/>
               <a:t>Click to edit Master title style</a:t>
             </a:r>
-            <a:endParaRPr lang="en-US" dirty="0"/>
-          </a:p>
-        </p:txBody>
-      </p:sp>
-      <p:sp>
-        <p:nvSpPr>
-          <p:cNvPr id="3" name="Text Placeholder 2"/>
+          </a:p>
+        </p:txBody>
+      </p:sp>
+      <p:sp>
+        <p:nvSpPr>
+          <p:cNvPr id="3" name="Text Placeholder 2">
+            <a:extLst>
+              <a:ext uri="{FF2B5EF4-FFF2-40B4-BE49-F238E27FC236}">
+                <a16:creationId xmlns:a16="http://schemas.microsoft.com/office/drawing/2014/main" id="{F10316D3-98A3-4A52-91B4-3D859DB69E00}"/>
+              </a:ext>
+            </a:extLst>
+          </p:cNvPr>
           <p:cNvSpPr>
             <a:spLocks noGrp="1"/>
           </p:cNvSpPr>
@@ -1746,22 +1578,16 @@
         </p:nvSpPr>
         <p:spPr>
           <a:xfrm>
-            <a:off x="1097280" y="1846052"/>
-            <a:ext cx="4937760" cy="736282"/>
+            <a:off x="839788" y="1681163"/>
+            <a:ext cx="5157787" cy="823912"/>
           </a:xfrm>
         </p:spPr>
         <p:txBody>
-          <a:bodyPr lIns="91440" rIns="91440" anchor="ctr">
-            <a:normAutofit/>
-          </a:bodyPr>
+          <a:bodyPr anchor="b"/>
           <a:lstStyle>
             <a:lvl1pPr marL="0" indent="0">
               <a:buNone/>
-              <a:defRPr sz="2000" b="0" cap="all" baseline="0">
-                <a:solidFill>
-                  <a:schemeClr val="tx2"/>
-                </a:solidFill>
-              </a:defRPr>
+              <a:defRPr sz="2400" b="1"/>
             </a:lvl1pPr>
             <a:lvl2pPr marL="457200" indent="0">
               <a:buNone/>
@@ -1807,7 +1633,13 @@
       </p:sp>
       <p:sp>
         <p:nvSpPr>
-          <p:cNvPr id="4" name="Content Placeholder 3"/>
+          <p:cNvPr id="4" name="Content Placeholder 3">
+            <a:extLst>
+              <a:ext uri="{FF2B5EF4-FFF2-40B4-BE49-F238E27FC236}">
+                <a16:creationId xmlns:a16="http://schemas.microsoft.com/office/drawing/2014/main" id="{2D77B7A4-1615-4D1A-9407-02B39D31C79D}"/>
+              </a:ext>
+            </a:extLst>
+          </p:cNvPr>
           <p:cNvSpPr>
             <a:spLocks noGrp="1"/>
           </p:cNvSpPr>
@@ -1817,8 +1649,8 @@
         </p:nvSpPr>
         <p:spPr>
           <a:xfrm>
-            <a:off x="1097280" y="2582334"/>
-            <a:ext cx="4937760" cy="3378200"/>
+            <a:off x="839788" y="2505075"/>
+            <a:ext cx="5157787" cy="3684588"/>
           </a:xfrm>
         </p:spPr>
         <p:txBody>
@@ -1858,13 +1690,18 @@
               <a:rPr lang="en-US"/>
               <a:t>Fifth level</a:t>
             </a:r>
-            <a:endParaRPr lang="en-US" dirty="0"/>
-          </a:p>
-        </p:txBody>
-      </p:sp>
-      <p:sp>
-        <p:nvSpPr>
-          <p:cNvPr id="5" name="Text Placeholder 4"/>
+          </a:p>
+        </p:txBody>
+      </p:sp>
+      <p:sp>
+        <p:nvSpPr>
+          <p:cNvPr id="5" name="Text Placeholder 4">
+            <a:extLst>
+              <a:ext uri="{FF2B5EF4-FFF2-40B4-BE49-F238E27FC236}">
+                <a16:creationId xmlns:a16="http://schemas.microsoft.com/office/drawing/2014/main" id="{E6295844-32F7-4EF3-BAFE-C190243DB484}"/>
+              </a:ext>
+            </a:extLst>
+          </p:cNvPr>
           <p:cNvSpPr>
             <a:spLocks noGrp="1"/>
           </p:cNvSpPr>
@@ -1874,22 +1711,16 @@
         </p:nvSpPr>
         <p:spPr>
           <a:xfrm>
-            <a:off x="6217920" y="1846052"/>
-            <a:ext cx="4937760" cy="736282"/>
+            <a:off x="6172200" y="1681163"/>
+            <a:ext cx="5183188" cy="823912"/>
           </a:xfrm>
         </p:spPr>
         <p:txBody>
-          <a:bodyPr lIns="91440" rIns="91440" anchor="ctr">
-            <a:normAutofit/>
-          </a:bodyPr>
+          <a:bodyPr anchor="b"/>
           <a:lstStyle>
             <a:lvl1pPr marL="0" indent="0">
               <a:buNone/>
-              <a:defRPr sz="2000" b="0" cap="all" baseline="0">
-                <a:solidFill>
-                  <a:schemeClr val="tx2"/>
-                </a:solidFill>
-              </a:defRPr>
+              <a:defRPr sz="2400" b="1"/>
             </a:lvl1pPr>
             <a:lvl2pPr marL="457200" indent="0">
               <a:buNone/>
@@ -1935,7 +1766,13 @@
       </p:sp>
       <p:sp>
         <p:nvSpPr>
-          <p:cNvPr id="6" name="Content Placeholder 5"/>
+          <p:cNvPr id="6" name="Content Placeholder 5">
+            <a:extLst>
+              <a:ext uri="{FF2B5EF4-FFF2-40B4-BE49-F238E27FC236}">
+                <a16:creationId xmlns:a16="http://schemas.microsoft.com/office/drawing/2014/main" id="{37D5C6E3-C028-4671-8DBC-9989C818F187}"/>
+              </a:ext>
+            </a:extLst>
+          </p:cNvPr>
           <p:cNvSpPr>
             <a:spLocks noGrp="1"/>
           </p:cNvSpPr>
@@ -1945,8 +1782,8 @@
         </p:nvSpPr>
         <p:spPr>
           <a:xfrm>
-            <a:off x="6217920" y="2582334"/>
-            <a:ext cx="4937760" cy="3378200"/>
+            <a:off x="6172200" y="2505075"/>
+            <a:ext cx="5183188" cy="3684588"/>
           </a:xfrm>
         </p:spPr>
         <p:txBody>
@@ -1986,13 +1823,18 @@
               <a:rPr lang="en-US"/>
               <a:t>Fifth level</a:t>
             </a:r>
-            <a:endParaRPr lang="en-US" dirty="0"/>
-          </a:p>
-        </p:txBody>
-      </p:sp>
-      <p:sp>
-        <p:nvSpPr>
-          <p:cNvPr id="7" name="Date Placeholder 6"/>
+          </a:p>
+        </p:txBody>
+      </p:sp>
+      <p:sp>
+        <p:nvSpPr>
+          <p:cNvPr id="7" name="Date Placeholder 6">
+            <a:extLst>
+              <a:ext uri="{FF2B5EF4-FFF2-40B4-BE49-F238E27FC236}">
+                <a16:creationId xmlns:a16="http://schemas.microsoft.com/office/drawing/2014/main" id="{B06F450D-2934-40E1-A394-A38069438E9F}"/>
+              </a:ext>
+            </a:extLst>
+          </p:cNvPr>
           <p:cNvSpPr>
             <a:spLocks noGrp="1"/>
           </p:cNvSpPr>
@@ -2007,7 +1849,7 @@
           <a:p>
             <a:fld id="{0855F0DF-591A-4352-A67A-D1A292CE560D}" type="datetimeFigureOut">
               <a:rPr lang="en-US" smtClean="0"/>
-              <a:t>4/26/2023</a:t>
+              <a:t>8/24/2023</a:t>
             </a:fld>
             <a:endParaRPr lang="en-US"/>
           </a:p>
@@ -2015,7 +1857,13 @@
       </p:sp>
       <p:sp>
         <p:nvSpPr>
-          <p:cNvPr id="8" name="Footer Placeholder 7"/>
+          <p:cNvPr id="8" name="Footer Placeholder 7">
+            <a:extLst>
+              <a:ext uri="{FF2B5EF4-FFF2-40B4-BE49-F238E27FC236}">
+                <a16:creationId xmlns:a16="http://schemas.microsoft.com/office/drawing/2014/main" id="{9683CBB8-D4D8-470A-8D05-DFA797350E06}"/>
+              </a:ext>
+            </a:extLst>
+          </p:cNvPr>
           <p:cNvSpPr>
             <a:spLocks noGrp="1"/>
           </p:cNvSpPr>
@@ -2034,7 +1882,13 @@
       </p:sp>
       <p:sp>
         <p:nvSpPr>
-          <p:cNvPr id="9" name="Slide Number Placeholder 8"/>
+          <p:cNvPr id="9" name="Slide Number Placeholder 8">
+            <a:extLst>
+              <a:ext uri="{FF2B5EF4-FFF2-40B4-BE49-F238E27FC236}">
+                <a16:creationId xmlns:a16="http://schemas.microsoft.com/office/drawing/2014/main" id="{D4CC6F7C-34F9-4F47-A6DB-6D7E66BF4900}"/>
+              </a:ext>
+            </a:extLst>
+          </p:cNvPr>
           <p:cNvSpPr>
             <a:spLocks noGrp="1"/>
           </p:cNvSpPr>
@@ -2058,7 +1912,7 @@
     </p:spTree>
     <p:extLst>
       <p:ext uri="{BB962C8B-B14F-4D97-AF65-F5344CB8AC3E}">
-        <p14:creationId xmlns:p14="http://schemas.microsoft.com/office/powerpoint/2010/main" val="2908112034"/>
+        <p14:creationId xmlns:p14="http://schemas.microsoft.com/office/powerpoint/2010/main" val="3722624679"/>
       </p:ext>
     </p:extLst>
   </p:cSld>
@@ -2087,7 +1941,13 @@
       </p:grpSpPr>
       <p:sp>
         <p:nvSpPr>
-          <p:cNvPr id="2" name="Title 1"/>
+          <p:cNvPr id="2" name="Title 1">
+            <a:extLst>
+              <a:ext uri="{FF2B5EF4-FFF2-40B4-BE49-F238E27FC236}">
+                <a16:creationId xmlns:a16="http://schemas.microsoft.com/office/drawing/2014/main" id="{6DB42DC1-8003-43E9-9126-EA8D26200FF4}"/>
+              </a:ext>
+            </a:extLst>
+          </p:cNvPr>
           <p:cNvSpPr>
             <a:spLocks noGrp="1"/>
           </p:cNvSpPr>
@@ -2104,13 +1964,18 @@
               <a:rPr lang="en-US"/>
               <a:t>Click to edit Master title style</a:t>
             </a:r>
-            <a:endParaRPr lang="en-US" dirty="0"/>
-          </a:p>
-        </p:txBody>
-      </p:sp>
-      <p:sp>
-        <p:nvSpPr>
-          <p:cNvPr id="3" name="Date Placeholder 2"/>
+          </a:p>
+        </p:txBody>
+      </p:sp>
+      <p:sp>
+        <p:nvSpPr>
+          <p:cNvPr id="3" name="Date Placeholder 2">
+            <a:extLst>
+              <a:ext uri="{FF2B5EF4-FFF2-40B4-BE49-F238E27FC236}">
+                <a16:creationId xmlns:a16="http://schemas.microsoft.com/office/drawing/2014/main" id="{79B83892-8B5B-4064-9017-B46AF26CE29E}"/>
+              </a:ext>
+            </a:extLst>
+          </p:cNvPr>
           <p:cNvSpPr>
             <a:spLocks noGrp="1"/>
           </p:cNvSpPr>
@@ -2125,7 +1990,7 @@
           <a:p>
             <a:fld id="{0855F0DF-591A-4352-A67A-D1A292CE560D}" type="datetimeFigureOut">
               <a:rPr lang="en-US" smtClean="0"/>
-              <a:t>4/26/2023</a:t>
+              <a:t>8/24/2023</a:t>
             </a:fld>
             <a:endParaRPr lang="en-US"/>
           </a:p>
@@ -2133,7 +1998,13 @@
       </p:sp>
       <p:sp>
         <p:nvSpPr>
-          <p:cNvPr id="4" name="Footer Placeholder 3"/>
+          <p:cNvPr id="4" name="Footer Placeholder 3">
+            <a:extLst>
+              <a:ext uri="{FF2B5EF4-FFF2-40B4-BE49-F238E27FC236}">
+                <a16:creationId xmlns:a16="http://schemas.microsoft.com/office/drawing/2014/main" id="{BE8C083A-94DF-49E9-B209-6D9F0F5EACFB}"/>
+              </a:ext>
+            </a:extLst>
+          </p:cNvPr>
           <p:cNvSpPr>
             <a:spLocks noGrp="1"/>
           </p:cNvSpPr>
@@ -2152,7 +2023,13 @@
       </p:sp>
       <p:sp>
         <p:nvSpPr>
-          <p:cNvPr id="5" name="Slide Number Placeholder 4"/>
+          <p:cNvPr id="5" name="Slide Number Placeholder 4">
+            <a:extLst>
+              <a:ext uri="{FF2B5EF4-FFF2-40B4-BE49-F238E27FC236}">
+                <a16:creationId xmlns:a16="http://schemas.microsoft.com/office/drawing/2014/main" id="{4F7CF7A9-85C8-4D4E-B564-AE73E8C31DDC}"/>
+              </a:ext>
+            </a:extLst>
+          </p:cNvPr>
           <p:cNvSpPr>
             <a:spLocks noGrp="1"/>
           </p:cNvSpPr>
@@ -2176,7 +2053,7 @@
     </p:spTree>
     <p:extLst>
       <p:ext uri="{BB962C8B-B14F-4D97-AF65-F5344CB8AC3E}">
-        <p14:creationId xmlns:p14="http://schemas.microsoft.com/office/powerpoint/2010/main" val="3181051890"/>
+        <p14:creationId xmlns:p14="http://schemas.microsoft.com/office/powerpoint/2010/main" val="1807498333"/>
       </p:ext>
     </p:extLst>
   </p:cSld>
@@ -2187,7 +2064,7 @@
 </file>
 
 <file path=ppt/slideLayouts/slideLayout7.xml><?xml version="1.0" encoding="utf-8"?>
-<p:sldLayout xmlns:a="http://schemas.openxmlformats.org/drawingml/2006/main" xmlns:r="http://schemas.openxmlformats.org/officeDocument/2006/relationships" xmlns:p="http://schemas.openxmlformats.org/presentationml/2006/main" showMasterSp="0" type="blank" preserve="1">
+<p:sldLayout xmlns:a="http://schemas.openxmlformats.org/drawingml/2006/main" xmlns:r="http://schemas.openxmlformats.org/officeDocument/2006/relationships" xmlns:p="http://schemas.openxmlformats.org/presentationml/2006/main" type="blank" preserve="1">
   <p:cSld name="Blank">
     <p:spTree>
       <p:nvGrpSpPr>
@@ -2205,83 +2082,13 @@
       </p:grpSpPr>
       <p:sp>
         <p:nvSpPr>
-          <p:cNvPr id="5" name="Rectangle 4"/>
-          <p:cNvSpPr/>
-          <p:nvPr/>
-        </p:nvSpPr>
-        <p:spPr>
-          <a:xfrm>
-            <a:off x="3175" y="6400800"/>
-            <a:ext cx="12188825" cy="457200"/>
-          </a:xfrm>
-          <a:prstGeom prst="rect">
-            <a:avLst/>
-          </a:prstGeom>
-          <a:solidFill>
-            <a:schemeClr val="accent2"/>
-          </a:solidFill>
-          <a:ln>
-            <a:noFill/>
-          </a:ln>
-        </p:spPr>
-        <p:style>
-          <a:lnRef idx="2">
-            <a:schemeClr val="accent1">
-              <a:shade val="50000"/>
-            </a:schemeClr>
-          </a:lnRef>
-          <a:fillRef idx="1">
-            <a:schemeClr val="accent1"/>
-          </a:fillRef>
-          <a:effectRef idx="0">
-            <a:schemeClr val="accent1"/>
-          </a:effectRef>
-          <a:fontRef idx="minor">
-            <a:schemeClr val="lt1"/>
-          </a:fontRef>
-        </p:style>
-      </p:sp>
-      <p:sp>
-        <p:nvSpPr>
-          <p:cNvPr id="6" name="Rectangle 5"/>
-          <p:cNvSpPr/>
-          <p:nvPr/>
-        </p:nvSpPr>
-        <p:spPr>
-          <a:xfrm>
-            <a:off x="15" y="6334316"/>
-            <a:ext cx="12188825" cy="64008"/>
-          </a:xfrm>
-          <a:prstGeom prst="rect">
-            <a:avLst/>
-          </a:prstGeom>
-          <a:solidFill>
-            <a:schemeClr val="accent1"/>
-          </a:solidFill>
-          <a:ln>
-            <a:noFill/>
-          </a:ln>
-        </p:spPr>
-        <p:style>
-          <a:lnRef idx="2">
-            <a:schemeClr val="accent1">
-              <a:shade val="50000"/>
-            </a:schemeClr>
-          </a:lnRef>
-          <a:fillRef idx="1">
-            <a:schemeClr val="accent1"/>
-          </a:fillRef>
-          <a:effectRef idx="0">
-            <a:schemeClr val="accent1"/>
-          </a:effectRef>
-          <a:fontRef idx="minor">
-            <a:schemeClr val="lt1"/>
-          </a:fontRef>
-        </p:style>
-      </p:sp>
-      <p:sp>
-        <p:nvSpPr>
-          <p:cNvPr id="7" name="Date Placeholder 6"/>
+          <p:cNvPr id="2" name="Date Placeholder 1">
+            <a:extLst>
+              <a:ext uri="{FF2B5EF4-FFF2-40B4-BE49-F238E27FC236}">
+                <a16:creationId xmlns:a16="http://schemas.microsoft.com/office/drawing/2014/main" id="{28748569-BC60-4217-83FA-0E485D9592AC}"/>
+              </a:ext>
+            </a:extLst>
+          </p:cNvPr>
           <p:cNvSpPr>
             <a:spLocks noGrp="1"/>
           </p:cNvSpPr>
@@ -2296,7 +2103,7 @@
           <a:p>
             <a:fld id="{0855F0DF-591A-4352-A67A-D1A292CE560D}" type="datetimeFigureOut">
               <a:rPr lang="en-US" smtClean="0"/>
-              <a:t>4/26/2023</a:t>
+              <a:t>8/24/2023</a:t>
             </a:fld>
             <a:endParaRPr lang="en-US"/>
           </a:p>
@@ -2304,7 +2111,13 @@
       </p:sp>
       <p:sp>
         <p:nvSpPr>
-          <p:cNvPr id="8" name="Footer Placeholder 7"/>
+          <p:cNvPr id="3" name="Footer Placeholder 2">
+            <a:extLst>
+              <a:ext uri="{FF2B5EF4-FFF2-40B4-BE49-F238E27FC236}">
+                <a16:creationId xmlns:a16="http://schemas.microsoft.com/office/drawing/2014/main" id="{DFDB4DFB-3317-4A0A-A3B0-84A6C953536F}"/>
+              </a:ext>
+            </a:extLst>
+          </p:cNvPr>
           <p:cNvSpPr>
             <a:spLocks noGrp="1"/>
           </p:cNvSpPr>
@@ -2315,15 +2128,7 @@
         <p:spPr/>
         <p:txBody>
           <a:bodyPr/>
-          <a:lstStyle>
-            <a:lvl1pPr>
-              <a:defRPr>
-                <a:solidFill>
-                  <a:srgbClr val="FFFFFF"/>
-                </a:solidFill>
-              </a:defRPr>
-            </a:lvl1pPr>
-          </a:lstStyle>
+          <a:lstStyle/>
           <a:p>
             <a:endParaRPr lang="en-US"/>
           </a:p>
@@ -2331,7 +2136,13 @@
       </p:sp>
       <p:sp>
         <p:nvSpPr>
-          <p:cNvPr id="9" name="Slide Number Placeholder 8"/>
+          <p:cNvPr id="4" name="Slide Number Placeholder 3">
+            <a:extLst>
+              <a:ext uri="{FF2B5EF4-FFF2-40B4-BE49-F238E27FC236}">
+                <a16:creationId xmlns:a16="http://schemas.microsoft.com/office/drawing/2014/main" id="{0DC0262A-55B5-4649-B3FA-F598C8485C9A}"/>
+              </a:ext>
+            </a:extLst>
+          </p:cNvPr>
           <p:cNvSpPr>
             <a:spLocks noGrp="1"/>
           </p:cNvSpPr>
@@ -2355,7 +2166,7 @@
     </p:spTree>
     <p:extLst>
       <p:ext uri="{BB962C8B-B14F-4D97-AF65-F5344CB8AC3E}">
-        <p14:creationId xmlns:p14="http://schemas.microsoft.com/office/powerpoint/2010/main" val="3333659481"/>
+        <p14:creationId xmlns:p14="http://schemas.microsoft.com/office/powerpoint/2010/main" val="4058506353"/>
       </p:ext>
     </p:extLst>
   </p:cSld>
@@ -2366,7 +2177,7 @@
 </file>
 
 <file path=ppt/slideLayouts/slideLayout8.xml><?xml version="1.0" encoding="utf-8"?>
-<p:sldLayout xmlns:a="http://schemas.openxmlformats.org/drawingml/2006/main" xmlns:r="http://schemas.openxmlformats.org/officeDocument/2006/relationships" xmlns:p="http://schemas.openxmlformats.org/presentationml/2006/main" showMasterSp="0" type="objTx" preserve="1">
+<p:sldLayout xmlns:a="http://schemas.openxmlformats.org/drawingml/2006/main" xmlns:r="http://schemas.openxmlformats.org/officeDocument/2006/relationships" xmlns:p="http://schemas.openxmlformats.org/presentationml/2006/main" type="objTx" preserve="1">
   <p:cSld name="Content with Caption">
     <p:spTree>
       <p:nvGrpSpPr>
@@ -2384,235 +2195,191 @@
       </p:grpSpPr>
       <p:sp>
         <p:nvSpPr>
-          <p:cNvPr id="8" name="Rectangle 7"/>
-          <p:cNvSpPr/>
-          <p:nvPr/>
+          <p:cNvPr id="2" name="Title 1">
+            <a:extLst>
+              <a:ext uri="{FF2B5EF4-FFF2-40B4-BE49-F238E27FC236}">
+                <a16:creationId xmlns:a16="http://schemas.microsoft.com/office/drawing/2014/main" id="{5AC6CCEE-5ABB-4F0C-AB00-CC4B1F2435F6}"/>
+              </a:ext>
+            </a:extLst>
+          </p:cNvPr>
+          <p:cNvSpPr>
+            <a:spLocks noGrp="1"/>
+          </p:cNvSpPr>
+          <p:nvPr>
+            <p:ph type="title"/>
+          </p:nvPr>
         </p:nvSpPr>
         <p:spPr>
           <a:xfrm>
-            <a:off x="16" y="0"/>
-            <a:ext cx="4050791" cy="6858000"/>
+            <a:off x="839788" y="457200"/>
+            <a:ext cx="3932237" cy="1600200"/>
           </a:xfrm>
-          <a:prstGeom prst="rect">
-            <a:avLst/>
-          </a:prstGeom>
-          <a:solidFill>
-            <a:schemeClr val="accent2"/>
-          </a:solidFill>
-          <a:ln>
-            <a:noFill/>
-          </a:ln>
         </p:spPr>
-        <p:style>
-          <a:lnRef idx="2">
-            <a:schemeClr val="accent1">
-              <a:shade val="50000"/>
-            </a:schemeClr>
-          </a:lnRef>
-          <a:fillRef idx="1">
-            <a:schemeClr val="accent1"/>
-          </a:fillRef>
-          <a:effectRef idx="0">
-            <a:schemeClr val="accent1"/>
-          </a:effectRef>
-          <a:fontRef idx="minor">
-            <a:schemeClr val="lt1"/>
-          </a:fontRef>
-        </p:style>
-      </p:sp>
-      <p:sp>
-        <p:nvSpPr>
-          <p:cNvPr id="9" name="Rectangle 8"/>
-          <p:cNvSpPr/>
-          <p:nvPr/>
+        <p:txBody>
+          <a:bodyPr anchor="b"/>
+          <a:lstStyle>
+            <a:lvl1pPr>
+              <a:defRPr sz="3200"/>
+            </a:lvl1pPr>
+          </a:lstStyle>
+          <a:p>
+            <a:r>
+              <a:rPr lang="en-US"/>
+              <a:t>Click to edit Master title style</a:t>
+            </a:r>
+          </a:p>
+        </p:txBody>
+      </p:sp>
+      <p:sp>
+        <p:nvSpPr>
+          <p:cNvPr id="3" name="Content Placeholder 2">
+            <a:extLst>
+              <a:ext uri="{FF2B5EF4-FFF2-40B4-BE49-F238E27FC236}">
+                <a16:creationId xmlns:a16="http://schemas.microsoft.com/office/drawing/2014/main" id="{0D45B849-83A3-48C9-9875-87C6424D8847}"/>
+              </a:ext>
+            </a:extLst>
+          </p:cNvPr>
+          <p:cNvSpPr>
+            <a:spLocks noGrp="1"/>
+          </p:cNvSpPr>
+          <p:nvPr>
+            <p:ph idx="1"/>
+          </p:nvPr>
         </p:nvSpPr>
         <p:spPr>
           <a:xfrm>
-            <a:off x="4040071" y="0"/>
-            <a:ext cx="64008" cy="6858000"/>
+            <a:off x="5183188" y="987425"/>
+            <a:ext cx="6172200" cy="4873625"/>
           </a:xfrm>
-          <a:prstGeom prst="rect">
-            <a:avLst/>
-          </a:prstGeom>
-          <a:solidFill>
-            <a:schemeClr val="accent1"/>
-          </a:solidFill>
-          <a:ln>
-            <a:noFill/>
-          </a:ln>
         </p:spPr>
-        <p:style>
-          <a:lnRef idx="2">
-            <a:schemeClr val="accent1">
-              <a:shade val="50000"/>
-            </a:schemeClr>
-          </a:lnRef>
-          <a:fillRef idx="1">
-            <a:schemeClr val="accent1"/>
-          </a:fillRef>
-          <a:effectRef idx="0">
-            <a:schemeClr val="accent1"/>
-          </a:effectRef>
-          <a:fontRef idx="minor">
-            <a:schemeClr val="lt1"/>
-          </a:fontRef>
-        </p:style>
-      </p:sp>
-      <p:sp>
-        <p:nvSpPr>
-          <p:cNvPr id="2" name="Title 1"/>
-          <p:cNvSpPr>
-            <a:spLocks noGrp="1"/>
-          </p:cNvSpPr>
-          <p:nvPr>
-            <p:ph type="title"/>
+        <p:txBody>
+          <a:bodyPr/>
+          <a:lstStyle>
+            <a:lvl1pPr>
+              <a:defRPr sz="3200"/>
+            </a:lvl1pPr>
+            <a:lvl2pPr>
+              <a:defRPr sz="2800"/>
+            </a:lvl2pPr>
+            <a:lvl3pPr>
+              <a:defRPr sz="2400"/>
+            </a:lvl3pPr>
+            <a:lvl4pPr>
+              <a:defRPr sz="2000"/>
+            </a:lvl4pPr>
+            <a:lvl5pPr>
+              <a:defRPr sz="2000"/>
+            </a:lvl5pPr>
+            <a:lvl6pPr>
+              <a:defRPr sz="2000"/>
+            </a:lvl6pPr>
+            <a:lvl7pPr>
+              <a:defRPr sz="2000"/>
+            </a:lvl7pPr>
+            <a:lvl8pPr>
+              <a:defRPr sz="2000"/>
+            </a:lvl8pPr>
+            <a:lvl9pPr>
+              <a:defRPr sz="2000"/>
+            </a:lvl9pPr>
+          </a:lstStyle>
+          <a:p>
+            <a:pPr lvl="0"/>
+            <a:r>
+              <a:rPr lang="en-US"/>
+              <a:t>Click to edit Master text styles</a:t>
+            </a:r>
+          </a:p>
+          <a:p>
+            <a:pPr lvl="1"/>
+            <a:r>
+              <a:rPr lang="en-US"/>
+              <a:t>Second level</a:t>
+            </a:r>
+          </a:p>
+          <a:p>
+            <a:pPr lvl="2"/>
+            <a:r>
+              <a:rPr lang="en-US"/>
+              <a:t>Third level</a:t>
+            </a:r>
+          </a:p>
+          <a:p>
+            <a:pPr lvl="3"/>
+            <a:r>
+              <a:rPr lang="en-US"/>
+              <a:t>Fourth level</a:t>
+            </a:r>
+          </a:p>
+          <a:p>
+            <a:pPr lvl="4"/>
+            <a:r>
+              <a:rPr lang="en-US"/>
+              <a:t>Fifth level</a:t>
+            </a:r>
+          </a:p>
+        </p:txBody>
+      </p:sp>
+      <p:sp>
+        <p:nvSpPr>
+          <p:cNvPr id="4" name="Text Placeholder 3">
+            <a:extLst>
+              <a:ext uri="{FF2B5EF4-FFF2-40B4-BE49-F238E27FC236}">
+                <a16:creationId xmlns:a16="http://schemas.microsoft.com/office/drawing/2014/main" id="{202F4828-C34D-45B2-9C77-DB99AEFDAF8F}"/>
+              </a:ext>
+            </a:extLst>
+          </p:cNvPr>
+          <p:cNvSpPr>
+            <a:spLocks noGrp="1"/>
+          </p:cNvSpPr>
+          <p:nvPr>
+            <p:ph type="body" sz="half" idx="2"/>
           </p:nvPr>
         </p:nvSpPr>
         <p:spPr>
           <a:xfrm>
-            <a:off x="457200" y="594359"/>
-            <a:ext cx="3200400" cy="2286000"/>
+            <a:off x="839788" y="2057400"/>
+            <a:ext cx="3932237" cy="3811588"/>
           </a:xfrm>
         </p:spPr>
         <p:txBody>
-          <a:bodyPr anchor="b">
-            <a:normAutofit/>
-          </a:bodyPr>
-          <a:lstStyle>
-            <a:lvl1pPr>
-              <a:defRPr sz="3600" b="0">
-                <a:solidFill>
-                  <a:srgbClr val="FFFFFF"/>
-                </a:solidFill>
-              </a:defRPr>
-            </a:lvl1pPr>
-          </a:lstStyle>
-          <a:p>
-            <a:r>
-              <a:rPr lang="en-US"/>
-              <a:t>Click to edit Master title style</a:t>
-            </a:r>
-            <a:endParaRPr lang="en-US" dirty="0"/>
-          </a:p>
-        </p:txBody>
-      </p:sp>
-      <p:sp>
-        <p:nvSpPr>
-          <p:cNvPr id="3" name="Content Placeholder 2"/>
-          <p:cNvSpPr>
-            <a:spLocks noGrp="1"/>
-          </p:cNvSpPr>
-          <p:nvPr>
-            <p:ph idx="1"/>
-          </p:nvPr>
-        </p:nvSpPr>
-        <p:spPr>
-          <a:xfrm>
-            <a:off x="4800600" y="731520"/>
-            <a:ext cx="6492240" cy="5257800"/>
-          </a:xfrm>
-        </p:spPr>
-        <p:txBody>
-          <a:bodyPr/>
-          <a:lstStyle/>
-          <a:p>
-            <a:pPr lvl="0"/>
-            <a:r>
-              <a:rPr lang="en-US"/>
-              <a:t>Click to edit Master text styles</a:t>
-            </a:r>
-          </a:p>
-          <a:p>
-            <a:pPr lvl="1"/>
-            <a:r>
-              <a:rPr lang="en-US"/>
-              <a:t>Second level</a:t>
-            </a:r>
-          </a:p>
-          <a:p>
-            <a:pPr lvl="2"/>
-            <a:r>
-              <a:rPr lang="en-US"/>
-              <a:t>Third level</a:t>
-            </a:r>
-          </a:p>
-          <a:p>
-            <a:pPr lvl="3"/>
-            <a:r>
-              <a:rPr lang="en-US"/>
-              <a:t>Fourth level</a:t>
-            </a:r>
-          </a:p>
-          <a:p>
-            <a:pPr lvl="4"/>
-            <a:r>
-              <a:rPr lang="en-US"/>
-              <a:t>Fifth level</a:t>
-            </a:r>
-            <a:endParaRPr lang="en-US" dirty="0"/>
-          </a:p>
-        </p:txBody>
-      </p:sp>
-      <p:sp>
-        <p:nvSpPr>
-          <p:cNvPr id="4" name="Text Placeholder 3"/>
-          <p:cNvSpPr>
-            <a:spLocks noGrp="1"/>
-          </p:cNvSpPr>
-          <p:nvPr>
-            <p:ph type="body" sz="half" idx="2"/>
-          </p:nvPr>
-        </p:nvSpPr>
-        <p:spPr>
-          <a:xfrm>
-            <a:off x="457200" y="2926080"/>
-            <a:ext cx="3200400" cy="3379124"/>
-          </a:xfrm>
-        </p:spPr>
-        <p:txBody>
-          <a:bodyPr lIns="91440" rIns="91440">
-            <a:normAutofit/>
-          </a:bodyPr>
+          <a:bodyPr/>
           <a:lstStyle>
             <a:lvl1pPr marL="0" indent="0">
               <a:buNone/>
-              <a:defRPr sz="1500">
-                <a:solidFill>
-                  <a:srgbClr val="FFFFFF"/>
-                </a:solidFill>
-              </a:defRPr>
+              <a:defRPr sz="1600"/>
             </a:lvl1pPr>
             <a:lvl2pPr marL="457200" indent="0">
               <a:buNone/>
-              <a:defRPr sz="1200"/>
+              <a:defRPr sz="1400"/>
             </a:lvl2pPr>
             <a:lvl3pPr marL="914400" indent="0">
               <a:buNone/>
-              <a:defRPr sz="1000"/>
+              <a:defRPr sz="1200"/>
             </a:lvl3pPr>
             <a:lvl4pPr marL="1371600" indent="0">
               <a:buNone/>
-              <a:defRPr sz="900"/>
+              <a:defRPr sz="1000"/>
             </a:lvl4pPr>
             <a:lvl5pPr marL="1828800" indent="0">
               <a:buNone/>
-              <a:defRPr sz="900"/>
+              <a:defRPr sz="1000"/>
             </a:lvl5pPr>
             <a:lvl6pPr marL="2286000" indent="0">
               <a:buNone/>
-              <a:defRPr sz="900"/>
+              <a:defRPr sz="1000"/>
             </a:lvl6pPr>
             <a:lvl7pPr marL="2743200" indent="0">
               <a:buNone/>
-              <a:defRPr sz="900"/>
+              <a:defRPr sz="1000"/>
             </a:lvl7pPr>
             <a:lvl8pPr marL="3200400" indent="0">
               <a:buNone/>
-              <a:defRPr sz="900"/>
+              <a:defRPr sz="1000"/>
             </a:lvl8pPr>
             <a:lvl9pPr marL="3657600" indent="0">
               <a:buNone/>
-              <a:defRPr sz="900"/>
+              <a:defRPr sz="1000"/>
             </a:lvl9pPr>
           </a:lstStyle>
           <a:p>
@@ -2626,7 +2393,13 @@
       </p:sp>
       <p:sp>
         <p:nvSpPr>
-          <p:cNvPr id="5" name="Date Placeholder 4"/>
+          <p:cNvPr id="5" name="Date Placeholder 4">
+            <a:extLst>
+              <a:ext uri="{FF2B5EF4-FFF2-40B4-BE49-F238E27FC236}">
+                <a16:creationId xmlns:a16="http://schemas.microsoft.com/office/drawing/2014/main" id="{14E77840-D188-438B-BDB6-22C1E148C29B}"/>
+              </a:ext>
+            </a:extLst>
+          </p:cNvPr>
           <p:cNvSpPr>
             <a:spLocks noGrp="1"/>
           </p:cNvSpPr>
@@ -2634,23 +2407,14 @@
             <p:ph type="dt" sz="half" idx="10"/>
           </p:nvPr>
         </p:nvSpPr>
-        <p:spPr>
-          <a:xfrm>
-            <a:off x="465512" y="6459785"/>
-            <a:ext cx="2618510" cy="365125"/>
-          </a:xfrm>
-        </p:spPr>
-        <p:txBody>
-          <a:bodyPr/>
-          <a:lstStyle>
-            <a:lvl1pPr algn="l">
-              <a:defRPr/>
-            </a:lvl1pPr>
-          </a:lstStyle>
+        <p:spPr/>
+        <p:txBody>
+          <a:bodyPr/>
+          <a:lstStyle/>
           <a:p>
             <a:fld id="{0855F0DF-591A-4352-A67A-D1A292CE560D}" type="datetimeFigureOut">
               <a:rPr lang="en-US" smtClean="0"/>
-              <a:t>4/26/2023</a:t>
+              <a:t>8/24/2023</a:t>
             </a:fld>
             <a:endParaRPr lang="en-US"/>
           </a:p>
@@ -2658,7 +2422,13 @@
       </p:sp>
       <p:sp>
         <p:nvSpPr>
-          <p:cNvPr id="6" name="Footer Placeholder 5"/>
+          <p:cNvPr id="6" name="Footer Placeholder 5">
+            <a:extLst>
+              <a:ext uri="{FF2B5EF4-FFF2-40B4-BE49-F238E27FC236}">
+                <a16:creationId xmlns:a16="http://schemas.microsoft.com/office/drawing/2014/main" id="{484C6089-05D9-42F7-932A-CCCE9CC63318}"/>
+              </a:ext>
+            </a:extLst>
+          </p:cNvPr>
           <p:cNvSpPr>
             <a:spLocks noGrp="1"/>
           </p:cNvSpPr>
@@ -2666,23 +2436,10 @@
             <p:ph type="ftr" sz="quarter" idx="11"/>
           </p:nvPr>
         </p:nvSpPr>
-        <p:spPr>
-          <a:xfrm>
-            <a:off x="4800600" y="6459785"/>
-            <a:ext cx="4648200" cy="365125"/>
-          </a:xfrm>
-        </p:spPr>
-        <p:txBody>
-          <a:bodyPr/>
-          <a:lstStyle>
-            <a:lvl1pPr algn="l">
-              <a:defRPr>
-                <a:solidFill>
-                  <a:schemeClr val="tx2"/>
-                </a:solidFill>
-              </a:defRPr>
-            </a:lvl1pPr>
-          </a:lstStyle>
+        <p:spPr/>
+        <p:txBody>
+          <a:bodyPr/>
+          <a:lstStyle/>
           <a:p>
             <a:endParaRPr lang="en-US"/>
           </a:p>
@@ -2690,7 +2447,13 @@
       </p:sp>
       <p:sp>
         <p:nvSpPr>
-          <p:cNvPr id="7" name="Slide Number Placeholder 6"/>
+          <p:cNvPr id="7" name="Slide Number Placeholder 6">
+            <a:extLst>
+              <a:ext uri="{FF2B5EF4-FFF2-40B4-BE49-F238E27FC236}">
+                <a16:creationId xmlns:a16="http://schemas.microsoft.com/office/drawing/2014/main" id="{4299F175-A247-466D-8E39-72CAA897BB6E}"/>
+              </a:ext>
+            </a:extLst>
+          </p:cNvPr>
           <p:cNvSpPr>
             <a:spLocks noGrp="1"/>
           </p:cNvSpPr>
@@ -2701,15 +2464,7 @@
         <p:spPr/>
         <p:txBody>
           <a:bodyPr/>
-          <a:lstStyle>
-            <a:lvl1pPr>
-              <a:defRPr>
-                <a:solidFill>
-                  <a:schemeClr val="tx2"/>
-                </a:solidFill>
-              </a:defRPr>
-            </a:lvl1pPr>
-          </a:lstStyle>
+          <a:lstStyle/>
           <a:p>
             <a:fld id="{F809A615-E099-4B47-8AE1-B8503F706AE6}" type="slidenum">
               <a:rPr lang="en-US" smtClean="0"/>
@@ -2722,7 +2477,7 @@
     </p:spTree>
     <p:extLst>
       <p:ext uri="{BB962C8B-B14F-4D97-AF65-F5344CB8AC3E}">
-        <p14:creationId xmlns:p14="http://schemas.microsoft.com/office/powerpoint/2010/main" val="2235788983"/>
+        <p14:creationId xmlns:p14="http://schemas.microsoft.com/office/powerpoint/2010/main" val="1021167036"/>
       </p:ext>
     </p:extLst>
   </p:cSld>
@@ -2733,7 +2488,7 @@
 </file>
 
 <file path=ppt/slideLayouts/slideLayout9.xml><?xml version="1.0" encoding="utf-8"?>
-<p:sldLayout xmlns:a="http://schemas.openxmlformats.org/drawingml/2006/main" xmlns:r="http://schemas.openxmlformats.org/officeDocument/2006/relationships" xmlns:p="http://schemas.openxmlformats.org/presentationml/2006/main" showMasterSp="0" type="picTx" preserve="1">
+<p:sldLayout xmlns:a="http://schemas.openxmlformats.org/drawingml/2006/main" xmlns:r="http://schemas.openxmlformats.org/officeDocument/2006/relationships" xmlns:p="http://schemas.openxmlformats.org/presentationml/2006/main" type="picTx" preserve="1">
   <p:cSld name="Picture with Caption">
     <p:spTree>
       <p:nvGrpSpPr>
@@ -2751,150 +2506,69 @@
       </p:grpSpPr>
       <p:sp>
         <p:nvSpPr>
-          <p:cNvPr id="8" name="Rectangle 7"/>
-          <p:cNvSpPr/>
-          <p:nvPr/>
+          <p:cNvPr id="2" name="Title 1">
+            <a:extLst>
+              <a:ext uri="{FF2B5EF4-FFF2-40B4-BE49-F238E27FC236}">
+                <a16:creationId xmlns:a16="http://schemas.microsoft.com/office/drawing/2014/main" id="{0FE02DBB-3399-4F33-9F90-91E2B92D4CE5}"/>
+              </a:ext>
+            </a:extLst>
+          </p:cNvPr>
+          <p:cNvSpPr>
+            <a:spLocks noGrp="1"/>
+          </p:cNvSpPr>
+          <p:nvPr>
+            <p:ph type="title"/>
+          </p:nvPr>
         </p:nvSpPr>
         <p:spPr>
           <a:xfrm>
-            <a:off x="0" y="4953000"/>
-            <a:ext cx="12188825" cy="1905000"/>
+            <a:off x="839788" y="457200"/>
+            <a:ext cx="3932237" cy="1600200"/>
           </a:xfrm>
-          <a:prstGeom prst="rect">
-            <a:avLst/>
-          </a:prstGeom>
-          <a:solidFill>
-            <a:schemeClr val="accent2"/>
-          </a:solidFill>
-          <a:ln>
-            <a:noFill/>
-          </a:ln>
         </p:spPr>
-        <p:style>
-          <a:lnRef idx="2">
-            <a:schemeClr val="accent1">
-              <a:shade val="50000"/>
-            </a:schemeClr>
-          </a:lnRef>
-          <a:fillRef idx="1">
-            <a:schemeClr val="accent1"/>
-          </a:fillRef>
-          <a:effectRef idx="0">
-            <a:schemeClr val="accent1"/>
-          </a:effectRef>
-          <a:fontRef idx="minor">
-            <a:schemeClr val="lt1"/>
-          </a:fontRef>
-        </p:style>
-      </p:sp>
-      <p:sp>
-        <p:nvSpPr>
-          <p:cNvPr id="9" name="Rectangle 8"/>
-          <p:cNvSpPr/>
-          <p:nvPr/>
+        <p:txBody>
+          <a:bodyPr anchor="b"/>
+          <a:lstStyle>
+            <a:lvl1pPr>
+              <a:defRPr sz="3200"/>
+            </a:lvl1pPr>
+          </a:lstStyle>
+          <a:p>
+            <a:r>
+              <a:rPr lang="en-US"/>
+              <a:t>Click to edit Master title style</a:t>
+            </a:r>
+          </a:p>
+        </p:txBody>
+      </p:sp>
+      <p:sp>
+        <p:nvSpPr>
+          <p:cNvPr id="3" name="Picture Placeholder 2">
+            <a:extLst>
+              <a:ext uri="{FF2B5EF4-FFF2-40B4-BE49-F238E27FC236}">
+                <a16:creationId xmlns:a16="http://schemas.microsoft.com/office/drawing/2014/main" id="{B0030C39-18EC-45CC-9DA8-D71103734AC0}"/>
+              </a:ext>
+            </a:extLst>
+          </p:cNvPr>
+          <p:cNvSpPr>
+            <a:spLocks noGrp="1"/>
+          </p:cNvSpPr>
+          <p:nvPr>
+            <p:ph type="pic" idx="1"/>
+          </p:nvPr>
         </p:nvSpPr>
         <p:spPr>
           <a:xfrm>
-            <a:off x="15" y="4915076"/>
-            <a:ext cx="12188825" cy="64008"/>
-          </a:xfrm>
-          <a:prstGeom prst="rect">
-            <a:avLst/>
-          </a:prstGeom>
-          <a:solidFill>
-            <a:schemeClr val="accent1"/>
-          </a:solidFill>
-          <a:ln>
-            <a:noFill/>
-          </a:ln>
-        </p:spPr>
-        <p:style>
-          <a:lnRef idx="2">
-            <a:schemeClr val="accent1">
-              <a:shade val="50000"/>
-            </a:schemeClr>
-          </a:lnRef>
-          <a:fillRef idx="1">
-            <a:schemeClr val="accent1"/>
-          </a:fillRef>
-          <a:effectRef idx="0">
-            <a:schemeClr val="accent1"/>
-          </a:effectRef>
-          <a:fontRef idx="minor">
-            <a:schemeClr val="lt1"/>
-          </a:fontRef>
-        </p:style>
-      </p:sp>
-      <p:sp>
-        <p:nvSpPr>
-          <p:cNvPr id="2" name="Title 1"/>
-          <p:cNvSpPr>
-            <a:spLocks noGrp="1"/>
-          </p:cNvSpPr>
-          <p:nvPr>
-            <p:ph type="title"/>
-          </p:nvPr>
-        </p:nvSpPr>
-        <p:spPr>
-          <a:xfrm>
-            <a:off x="1097280" y="5074920"/>
-            <a:ext cx="10113264" cy="822960"/>
+            <a:off x="5183188" y="987425"/>
+            <a:ext cx="6172200" cy="4873625"/>
           </a:xfrm>
         </p:spPr>
         <p:txBody>
-          <a:bodyPr lIns="91440" tIns="0" rIns="91440" bIns="0" anchor="b">
-            <a:noAutofit/>
-          </a:bodyPr>
-          <a:lstStyle>
-            <a:lvl1pPr>
-              <a:defRPr sz="3600" b="0">
-                <a:solidFill>
-                  <a:srgbClr val="FFFFFF"/>
-                </a:solidFill>
-              </a:defRPr>
-            </a:lvl1pPr>
-          </a:lstStyle>
-          <a:p>
-            <a:r>
-              <a:rPr lang="en-US"/>
-              <a:t>Click to edit Master title style</a:t>
-            </a:r>
-            <a:endParaRPr lang="en-US" dirty="0"/>
-          </a:p>
-        </p:txBody>
-      </p:sp>
-      <p:sp>
-        <p:nvSpPr>
-          <p:cNvPr id="3" name="Picture Placeholder 2"/>
-          <p:cNvSpPr>
-            <a:spLocks noGrp="1" noChangeAspect="1"/>
-          </p:cNvSpPr>
-          <p:nvPr>
-            <p:ph type="pic" idx="1"/>
-          </p:nvPr>
-        </p:nvSpPr>
-        <p:spPr>
-          <a:xfrm>
-            <a:off x="15" y="0"/>
-            <a:ext cx="12191985" cy="4915076"/>
-          </a:xfrm>
-          <a:blipFill>
-            <a:blip r:embed="rId2"/>
-            <a:stretch>
-              <a:fillRect/>
-            </a:stretch>
-          </a:blipFill>
-        </p:spPr>
-        <p:txBody>
-          <a:bodyPr lIns="457200" tIns="457200" anchor="t"/>
+          <a:bodyPr/>
           <a:lstStyle>
             <a:lvl1pPr marL="0" indent="0">
               <a:buNone/>
-              <a:defRPr sz="3200">
-                <a:solidFill>
-                  <a:schemeClr val="bg1"/>
-                </a:solidFill>
-              </a:defRPr>
+              <a:defRPr sz="3200"/>
             </a:lvl1pPr>
             <a:lvl2pPr marL="457200" indent="0">
               <a:buNone/>
@@ -2930,17 +2604,19 @@
             </a:lvl9pPr>
           </a:lstStyle>
           <a:p>
-            <a:r>
-              <a:rPr lang="en-US"/>
-              <a:t>Click icon to add picture</a:t>
-            </a:r>
-            <a:endParaRPr lang="en-US" dirty="0"/>
-          </a:p>
-        </p:txBody>
-      </p:sp>
-      <p:sp>
-        <p:nvSpPr>
-          <p:cNvPr id="4" name="Text Placeholder 3"/>
+            <a:endParaRPr lang="en-US"/>
+          </a:p>
+        </p:txBody>
+      </p:sp>
+      <p:sp>
+        <p:nvSpPr>
+          <p:cNvPr id="4" name="Text Placeholder 3">
+            <a:extLst>
+              <a:ext uri="{FF2B5EF4-FFF2-40B4-BE49-F238E27FC236}">
+                <a16:creationId xmlns:a16="http://schemas.microsoft.com/office/drawing/2014/main" id="{7DBB2457-EC09-4C90-91BA-C08DD89FE3CE}"/>
+              </a:ext>
+            </a:extLst>
+          </p:cNvPr>
           <p:cNvSpPr>
             <a:spLocks noGrp="1"/>
           </p:cNvSpPr>
@@ -2950,60 +2626,48 @@
         </p:nvSpPr>
         <p:spPr>
           <a:xfrm>
-            <a:off x="1097280" y="5907023"/>
-            <a:ext cx="10113264" cy="594360"/>
+            <a:off x="839788" y="2057400"/>
+            <a:ext cx="3932237" cy="3811588"/>
           </a:xfrm>
         </p:spPr>
         <p:txBody>
-          <a:bodyPr lIns="91440" tIns="0" rIns="91440" bIns="0">
-            <a:normAutofit/>
-          </a:bodyPr>
+          <a:bodyPr/>
           <a:lstStyle>
             <a:lvl1pPr marL="0" indent="0">
-              <a:spcBef>
-                <a:spcPts val="0"/>
-              </a:spcBef>
-              <a:spcAft>
-                <a:spcPts val="600"/>
-              </a:spcAft>
               <a:buNone/>
-              <a:defRPr sz="1500">
-                <a:solidFill>
-                  <a:srgbClr val="FFFFFF"/>
-                </a:solidFill>
-              </a:defRPr>
+              <a:defRPr sz="1600"/>
             </a:lvl1pPr>
             <a:lvl2pPr marL="457200" indent="0">
               <a:buNone/>
-              <a:defRPr sz="1200"/>
+              <a:defRPr sz="1400"/>
             </a:lvl2pPr>
             <a:lvl3pPr marL="914400" indent="0">
               <a:buNone/>
-              <a:defRPr sz="1000"/>
+              <a:defRPr sz="1200"/>
             </a:lvl3pPr>
             <a:lvl4pPr marL="1371600" indent="0">
               <a:buNone/>
-              <a:defRPr sz="900"/>
+              <a:defRPr sz="1000"/>
             </a:lvl4pPr>
             <a:lvl5pPr marL="1828800" indent="0">
               <a:buNone/>
-              <a:defRPr sz="900"/>
+              <a:defRPr sz="1000"/>
             </a:lvl5pPr>
             <a:lvl6pPr marL="2286000" indent="0">
               <a:buNone/>
-              <a:defRPr sz="900"/>
+              <a:defRPr sz="1000"/>
             </a:lvl6pPr>
             <a:lvl7pPr marL="2743200" indent="0">
               <a:buNone/>
-              <a:defRPr sz="900"/>
+              <a:defRPr sz="1000"/>
             </a:lvl7pPr>
             <a:lvl8pPr marL="3200400" indent="0">
               <a:buNone/>
-              <a:defRPr sz="900"/>
+              <a:defRPr sz="1000"/>
             </a:lvl8pPr>
             <a:lvl9pPr marL="3657600" indent="0">
               <a:buNone/>
-              <a:defRPr sz="900"/>
+              <a:defRPr sz="1000"/>
             </a:lvl9pPr>
           </a:lstStyle>
           <a:p>
@@ -3017,7 +2681,13 @@
       </p:sp>
       <p:sp>
         <p:nvSpPr>
-          <p:cNvPr id="5" name="Date Placeholder 4"/>
+          <p:cNvPr id="5" name="Date Placeholder 4">
+            <a:extLst>
+              <a:ext uri="{FF2B5EF4-FFF2-40B4-BE49-F238E27FC236}">
+                <a16:creationId xmlns:a16="http://schemas.microsoft.com/office/drawing/2014/main" id="{4FE6764E-BEB1-43F8-AD20-FEAE68F68E80}"/>
+              </a:ext>
+            </a:extLst>
+          </p:cNvPr>
           <p:cNvSpPr>
             <a:spLocks noGrp="1"/>
           </p:cNvSpPr>
@@ -3032,7 +2702,7 @@
           <a:p>
             <a:fld id="{0855F0DF-591A-4352-A67A-D1A292CE560D}" type="datetimeFigureOut">
               <a:rPr lang="en-US" smtClean="0"/>
-              <a:t>4/26/2023</a:t>
+              <a:t>8/24/2023</a:t>
             </a:fld>
             <a:endParaRPr lang="en-US"/>
           </a:p>
@@ -3040,7 +2710,13 @@
       </p:sp>
       <p:sp>
         <p:nvSpPr>
-          <p:cNvPr id="6" name="Footer Placeholder 5"/>
+          <p:cNvPr id="6" name="Footer Placeholder 5">
+            <a:extLst>
+              <a:ext uri="{FF2B5EF4-FFF2-40B4-BE49-F238E27FC236}">
+                <a16:creationId xmlns:a16="http://schemas.microsoft.com/office/drawing/2014/main" id="{B884B6E1-FDD9-4101-B2CE-8981DA3FA403}"/>
+              </a:ext>
+            </a:extLst>
+          </p:cNvPr>
           <p:cNvSpPr>
             <a:spLocks noGrp="1"/>
           </p:cNvSpPr>
@@ -3059,7 +2735,13 @@
       </p:sp>
       <p:sp>
         <p:nvSpPr>
-          <p:cNvPr id="7" name="Slide Number Placeholder 6"/>
+          <p:cNvPr id="7" name="Slide Number Placeholder 6">
+            <a:extLst>
+              <a:ext uri="{FF2B5EF4-FFF2-40B4-BE49-F238E27FC236}">
+                <a16:creationId xmlns:a16="http://schemas.microsoft.com/office/drawing/2014/main" id="{9EF95318-7BC3-4A29-8549-A810192972E1}"/>
+              </a:ext>
+            </a:extLst>
+          </p:cNvPr>
           <p:cNvSpPr>
             <a:spLocks noGrp="1"/>
           </p:cNvSpPr>
@@ -3083,7 +2765,7 @@
     </p:spTree>
     <p:extLst>
       <p:ext uri="{BB962C8B-B14F-4D97-AF65-F5344CB8AC3E}">
-        <p14:creationId xmlns:p14="http://schemas.microsoft.com/office/powerpoint/2010/main" val="2984059520"/>
+        <p14:creationId xmlns:p14="http://schemas.microsoft.com/office/powerpoint/2010/main" val="602458838"/>
       </p:ext>
     </p:extLst>
   </p:cSld>
@@ -3117,101 +2799,31 @@
       </p:grpSpPr>
       <p:sp>
         <p:nvSpPr>
-          <p:cNvPr id="7" name="Rectangle 6"/>
-          <p:cNvSpPr/>
-          <p:nvPr/>
+          <p:cNvPr id="2" name="Title Placeholder 1">
+            <a:extLst>
+              <a:ext uri="{FF2B5EF4-FFF2-40B4-BE49-F238E27FC236}">
+                <a16:creationId xmlns:a16="http://schemas.microsoft.com/office/drawing/2014/main" id="{4036F50B-40FF-4E99-B403-02FA99C8EB62}"/>
+              </a:ext>
+            </a:extLst>
+          </p:cNvPr>
+          <p:cNvSpPr>
+            <a:spLocks noGrp="1"/>
+          </p:cNvSpPr>
+          <p:nvPr>
+            <p:ph type="title"/>
+          </p:nvPr>
         </p:nvSpPr>
         <p:spPr>
           <a:xfrm>
-            <a:off x="1" y="6400800"/>
-            <a:ext cx="12192000" cy="457200"/>
-          </a:xfrm>
-          <a:prstGeom prst="rect">
-            <a:avLst/>
-          </a:prstGeom>
-          <a:solidFill>
-            <a:schemeClr val="accent2"/>
-          </a:solidFill>
-          <a:ln>
-            <a:noFill/>
-          </a:ln>
-        </p:spPr>
-        <p:style>
-          <a:lnRef idx="2">
-            <a:schemeClr val="accent1">
-              <a:shade val="50000"/>
-            </a:schemeClr>
-          </a:lnRef>
-          <a:fillRef idx="1">
-            <a:schemeClr val="accent1"/>
-          </a:fillRef>
-          <a:effectRef idx="0">
-            <a:schemeClr val="accent1"/>
-          </a:effectRef>
-          <a:fontRef idx="minor">
-            <a:schemeClr val="lt1"/>
-          </a:fontRef>
-        </p:style>
-      </p:sp>
-      <p:sp>
-        <p:nvSpPr>
-          <p:cNvPr id="9" name="Rectangle 8"/>
-          <p:cNvSpPr/>
-          <p:nvPr/>
-        </p:nvSpPr>
-        <p:spPr>
-          <a:xfrm>
-            <a:off x="0" y="6334316"/>
-            <a:ext cx="12192001" cy="65998"/>
-          </a:xfrm>
-          <a:prstGeom prst="rect">
-            <a:avLst/>
-          </a:prstGeom>
-          <a:solidFill>
-            <a:schemeClr val="accent1"/>
-          </a:solidFill>
-          <a:ln>
-            <a:noFill/>
-          </a:ln>
-        </p:spPr>
-        <p:style>
-          <a:lnRef idx="2">
-            <a:schemeClr val="accent1">
-              <a:shade val="50000"/>
-            </a:schemeClr>
-          </a:lnRef>
-          <a:fillRef idx="1">
-            <a:schemeClr val="accent1"/>
-          </a:fillRef>
-          <a:effectRef idx="0">
-            <a:schemeClr val="accent1"/>
-          </a:effectRef>
-          <a:fontRef idx="minor">
-            <a:schemeClr val="lt1"/>
-          </a:fontRef>
-        </p:style>
-      </p:sp>
-      <p:sp>
-        <p:nvSpPr>
-          <p:cNvPr id="2" name="Title Placeholder 1"/>
-          <p:cNvSpPr>
-            <a:spLocks noGrp="1"/>
-          </p:cNvSpPr>
-          <p:nvPr>
-            <p:ph type="title"/>
-          </p:nvPr>
-        </p:nvSpPr>
-        <p:spPr>
-          <a:xfrm>
-            <a:off x="1097280" y="286603"/>
-            <a:ext cx="10058400" cy="1450757"/>
+            <a:off x="838200" y="365125"/>
+            <a:ext cx="10515600" cy="1325563"/>
           </a:xfrm>
           <a:prstGeom prst="rect">
             <a:avLst/>
           </a:prstGeom>
         </p:spPr>
         <p:txBody>
-          <a:bodyPr vert="horz" lIns="91440" tIns="45720" rIns="91440" bIns="45720" rtlCol="0" anchor="b">
+          <a:bodyPr vert="horz" lIns="91440" tIns="45720" rIns="91440" bIns="45720" rtlCol="0" anchor="ctr">
             <a:normAutofit/>
           </a:bodyPr>
           <a:lstStyle/>
@@ -3220,13 +2832,18 @@
               <a:rPr lang="en-US"/>
               <a:t>Click to edit Master title style</a:t>
             </a:r>
-            <a:endParaRPr lang="en-US" dirty="0"/>
-          </a:p>
-        </p:txBody>
-      </p:sp>
-      <p:sp>
-        <p:nvSpPr>
-          <p:cNvPr id="3" name="Text Placeholder 2"/>
+          </a:p>
+        </p:txBody>
+      </p:sp>
+      <p:sp>
+        <p:nvSpPr>
+          <p:cNvPr id="3" name="Text Placeholder 2">
+            <a:extLst>
+              <a:ext uri="{FF2B5EF4-FFF2-40B4-BE49-F238E27FC236}">
+                <a16:creationId xmlns:a16="http://schemas.microsoft.com/office/drawing/2014/main" id="{8713C4AF-51C7-4F68-9067-F04AA9360602}"/>
+              </a:ext>
+            </a:extLst>
+          </p:cNvPr>
           <p:cNvSpPr>
             <a:spLocks noGrp="1"/>
           </p:cNvSpPr>
@@ -3236,15 +2853,15 @@
         </p:nvSpPr>
         <p:spPr>
           <a:xfrm>
-            <a:off x="1097280" y="1845734"/>
-            <a:ext cx="10058400" cy="4023360"/>
+            <a:off x="838200" y="1825625"/>
+            <a:ext cx="10515600" cy="4351338"/>
           </a:xfrm>
           <a:prstGeom prst="rect">
             <a:avLst/>
           </a:prstGeom>
         </p:spPr>
         <p:txBody>
-          <a:bodyPr vert="horz" lIns="0" tIns="45720" rIns="0" bIns="45720" rtlCol="0">
+          <a:bodyPr vert="horz" lIns="91440" tIns="45720" rIns="91440" bIns="45720" rtlCol="0">
             <a:normAutofit/>
           </a:bodyPr>
           <a:lstStyle/>
@@ -3282,13 +2899,18 @@
               <a:rPr lang="en-US"/>
               <a:t>Fifth level</a:t>
             </a:r>
-            <a:endParaRPr lang="en-US" dirty="0"/>
-          </a:p>
-        </p:txBody>
-      </p:sp>
-      <p:sp>
-        <p:nvSpPr>
-          <p:cNvPr id="4" name="Date Placeholder 3"/>
+          </a:p>
+        </p:txBody>
+      </p:sp>
+      <p:sp>
+        <p:nvSpPr>
+          <p:cNvPr id="4" name="Date Placeholder 3">
+            <a:extLst>
+              <a:ext uri="{FF2B5EF4-FFF2-40B4-BE49-F238E27FC236}">
+                <a16:creationId xmlns:a16="http://schemas.microsoft.com/office/drawing/2014/main" id="{FAC35D4B-B275-4004-B476-C400BAC5B583}"/>
+              </a:ext>
+            </a:extLst>
+          </p:cNvPr>
           <p:cNvSpPr>
             <a:spLocks noGrp="1"/>
           </p:cNvSpPr>
@@ -3298,8 +2920,8 @@
         </p:nvSpPr>
         <p:spPr>
           <a:xfrm>
-            <a:off x="1097280" y="6459785"/>
-            <a:ext cx="2472271" cy="365125"/>
+            <a:off x="838200" y="6356350"/>
+            <a:ext cx="2743200" cy="365125"/>
           </a:xfrm>
           <a:prstGeom prst="rect">
             <a:avLst/>
@@ -3309,9 +2931,11 @@
           <a:bodyPr vert="horz" lIns="91440" tIns="45720" rIns="91440" bIns="45720" rtlCol="0" anchor="ctr"/>
           <a:lstStyle>
             <a:lvl1pPr algn="l">
-              <a:defRPr sz="900">
+              <a:defRPr sz="1200">
                 <a:solidFill>
-                  <a:srgbClr val="FFFFFF"/>
+                  <a:schemeClr val="tx1">
+                    <a:tint val="75000"/>
+                  </a:schemeClr>
                 </a:solidFill>
               </a:defRPr>
             </a:lvl1pPr>
@@ -3319,7 +2943,7 @@
           <a:p>
             <a:fld id="{0855F0DF-591A-4352-A67A-D1A292CE560D}" type="datetimeFigureOut">
               <a:rPr lang="en-US" smtClean="0"/>
-              <a:t>4/26/2023</a:t>
+              <a:t>8/24/2023</a:t>
             </a:fld>
             <a:endParaRPr lang="en-US"/>
           </a:p>
@@ -3327,7 +2951,13 @@
       </p:sp>
       <p:sp>
         <p:nvSpPr>
-          <p:cNvPr id="5" name="Footer Placeholder 4"/>
+          <p:cNvPr id="5" name="Footer Placeholder 4">
+            <a:extLst>
+              <a:ext uri="{FF2B5EF4-FFF2-40B4-BE49-F238E27FC236}">
+                <a16:creationId xmlns:a16="http://schemas.microsoft.com/office/drawing/2014/main" id="{243D6A16-1986-4155-B96F-712910589ADE}"/>
+              </a:ext>
+            </a:extLst>
+          </p:cNvPr>
           <p:cNvSpPr>
             <a:spLocks noGrp="1"/>
           </p:cNvSpPr>
@@ -3337,8 +2967,8 @@
         </p:nvSpPr>
         <p:spPr>
           <a:xfrm>
-            <a:off x="3686185" y="6459785"/>
-            <a:ext cx="4822804" cy="365125"/>
+            <a:off x="4038600" y="6356350"/>
+            <a:ext cx="4114800" cy="365125"/>
           </a:xfrm>
           <a:prstGeom prst="rect">
             <a:avLst/>
@@ -3348,9 +2978,11 @@
           <a:bodyPr vert="horz" lIns="91440" tIns="45720" rIns="91440" bIns="45720" rtlCol="0" anchor="ctr"/>
           <a:lstStyle>
             <a:lvl1pPr algn="ctr">
-              <a:defRPr sz="900" cap="all" baseline="0">
+              <a:defRPr sz="1200">
                 <a:solidFill>
-                  <a:srgbClr val="FFFFFF"/>
+                  <a:schemeClr val="tx1">
+                    <a:tint val="75000"/>
+                  </a:schemeClr>
                 </a:solidFill>
               </a:defRPr>
             </a:lvl1pPr>
@@ -3362,7 +2994,13 @@
       </p:sp>
       <p:sp>
         <p:nvSpPr>
-          <p:cNvPr id="6" name="Slide Number Placeholder 5"/>
+          <p:cNvPr id="6" name="Slide Number Placeholder 5">
+            <a:extLst>
+              <a:ext uri="{FF2B5EF4-FFF2-40B4-BE49-F238E27FC236}">
+                <a16:creationId xmlns:a16="http://schemas.microsoft.com/office/drawing/2014/main" id="{3D9DFD16-6C9F-4C52-8156-349DAB618C74}"/>
+              </a:ext>
+            </a:extLst>
+          </p:cNvPr>
           <p:cNvSpPr>
             <a:spLocks noGrp="1"/>
           </p:cNvSpPr>
@@ -3372,8 +3010,8 @@
         </p:nvSpPr>
         <p:spPr>
           <a:xfrm>
-            <a:off x="9900458" y="6459785"/>
-            <a:ext cx="1312025" cy="365125"/>
+            <a:off x="8610600" y="6356350"/>
+            <a:ext cx="2743200" cy="365125"/>
           </a:xfrm>
           <a:prstGeom prst="rect">
             <a:avLst/>
@@ -3383,9 +3021,11 @@
           <a:bodyPr vert="horz" lIns="91440" tIns="45720" rIns="91440" bIns="45720" rtlCol="0" anchor="ctr"/>
           <a:lstStyle>
             <a:lvl1pPr algn="r">
-              <a:defRPr sz="1050">
+              <a:defRPr sz="1200">
                 <a:solidFill>
-                  <a:srgbClr val="FFFFFF"/>
+                  <a:schemeClr val="tx1">
+                    <a:tint val="75000"/>
+                  </a:schemeClr>
                 </a:solidFill>
               </a:defRPr>
             </a:lvl1pPr>
@@ -3399,81 +3039,40 @@
           </a:p>
         </p:txBody>
       </p:sp>
-      <p:cxnSp>
-        <p:nvCxnSpPr>
-          <p:cNvPr id="10" name="Straight Connector 9"/>
-          <p:cNvCxnSpPr/>
-          <p:nvPr/>
-        </p:nvCxnSpPr>
-        <p:spPr>
-          <a:xfrm>
-            <a:off x="1193532" y="1737845"/>
-            <a:ext cx="9966960" cy="0"/>
-          </a:xfrm>
-          <a:prstGeom prst="line">
-            <a:avLst/>
-          </a:prstGeom>
-          <a:ln w="6350">
-            <a:solidFill>
-              <a:schemeClr val="tx1">
-                <a:lumMod val="50000"/>
-                <a:lumOff val="50000"/>
-              </a:schemeClr>
-            </a:solidFill>
-          </a:ln>
-        </p:spPr>
-        <p:style>
-          <a:lnRef idx="1">
-            <a:schemeClr val="accent1"/>
-          </a:lnRef>
-          <a:fillRef idx="0">
-            <a:schemeClr val="accent1"/>
-          </a:fillRef>
-          <a:effectRef idx="0">
-            <a:schemeClr val="accent1"/>
-          </a:effectRef>
-          <a:fontRef idx="minor">
-            <a:schemeClr val="tx1"/>
-          </a:fontRef>
-        </p:style>
-      </p:cxnSp>
     </p:spTree>
     <p:extLst>
       <p:ext uri="{BB962C8B-B14F-4D97-AF65-F5344CB8AC3E}">
-        <p14:creationId xmlns:p14="http://schemas.microsoft.com/office/powerpoint/2010/main" val="700903505"/>
+        <p14:creationId xmlns:p14="http://schemas.microsoft.com/office/powerpoint/2010/main" val="969986416"/>
       </p:ext>
     </p:extLst>
   </p:cSld>
   <p:clrMap bg1="lt1" tx1="dk1" bg2="lt2" tx2="dk2" accent1="accent1" accent2="accent2" accent3="accent3" accent4="accent4" accent5="accent5" accent6="accent6" hlink="hlink" folHlink="folHlink"/>
   <p:sldLayoutIdLst>
-    <p:sldLayoutId id="2147483661" r:id="rId1"/>
-    <p:sldLayoutId id="2147483662" r:id="rId2"/>
-    <p:sldLayoutId id="2147483663" r:id="rId3"/>
-    <p:sldLayoutId id="2147483664" r:id="rId4"/>
-    <p:sldLayoutId id="2147483665" r:id="rId5"/>
-    <p:sldLayoutId id="2147483666" r:id="rId6"/>
-    <p:sldLayoutId id="2147483667" r:id="rId7"/>
-    <p:sldLayoutId id="2147483668" r:id="rId8"/>
-    <p:sldLayoutId id="2147483669" r:id="rId9"/>
-    <p:sldLayoutId id="2147483670" r:id="rId10"/>
-    <p:sldLayoutId id="2147483671" r:id="rId11"/>
+    <p:sldLayoutId id="2147483673" r:id="rId1"/>
+    <p:sldLayoutId id="2147483674" r:id="rId2"/>
+    <p:sldLayoutId id="2147483675" r:id="rId3"/>
+    <p:sldLayoutId id="2147483676" r:id="rId4"/>
+    <p:sldLayoutId id="2147483677" r:id="rId5"/>
+    <p:sldLayoutId id="2147483678" r:id="rId6"/>
+    <p:sldLayoutId id="2147483679" r:id="rId7"/>
+    <p:sldLayoutId id="2147483680" r:id="rId8"/>
+    <p:sldLayoutId id="2147483681" r:id="rId9"/>
+    <p:sldLayoutId id="2147483682" r:id="rId10"/>
+    <p:sldLayoutId id="2147483683" r:id="rId11"/>
   </p:sldLayoutIdLst>
   <p:txStyles>
     <p:titleStyle>
       <a:lvl1pPr algn="l" defTabSz="914400" rtl="0" eaLnBrk="1" latinLnBrk="0" hangingPunct="1">
         <a:lnSpc>
-          <a:spcPct val="85000"/>
+          <a:spcPct val="90000"/>
         </a:lnSpc>
         <a:spcBef>
           <a:spcPct val="0"/>
         </a:spcBef>
         <a:buNone/>
-        <a:defRPr sz="4800" kern="1200" spc="-50" baseline="0">
+        <a:defRPr sz="4400" kern="1200">
           <a:solidFill>
-            <a:schemeClr val="tx1">
-              <a:lumMod val="75000"/>
-              <a:lumOff val="25000"/>
-            </a:schemeClr>
+            <a:schemeClr val="tx1"/>
           </a:solidFill>
           <a:latin typeface="+mj-lt"/>
           <a:ea typeface="+mj-ea"/>
@@ -3482,244 +3081,162 @@
       </a:lvl1pPr>
     </p:titleStyle>
     <p:bodyStyle>
-      <a:lvl1pPr marL="91440" indent="-91440" algn="l" defTabSz="914400" rtl="0" eaLnBrk="1" latinLnBrk="0" hangingPunct="1">
+      <a:lvl1pPr marL="228600" indent="-228600" algn="l" defTabSz="914400" rtl="0" eaLnBrk="1" latinLnBrk="0" hangingPunct="1">
         <a:lnSpc>
           <a:spcPct val="90000"/>
         </a:lnSpc>
         <a:spcBef>
-          <a:spcPts val="1200"/>
+          <a:spcPts val="1000"/>
         </a:spcBef>
-        <a:spcAft>
-          <a:spcPts val="200"/>
-        </a:spcAft>
-        <a:buClr>
-          <a:schemeClr val="accent1"/>
-        </a:buClr>
-        <a:buSzPct val="100000"/>
-        <a:buFont typeface="Calibri" panose="020F0502020204030204" pitchFamily="34" charset="0"/>
-        <a:buChar char=" "/>
-        <a:defRPr sz="2000" kern="1200">
+        <a:buFont typeface="Arial" panose="020B0604020202020204" pitchFamily="34" charset="0"/>
+        <a:buChar char="•"/>
+        <a:defRPr sz="2800" kern="1200">
           <a:solidFill>
-            <a:schemeClr val="tx1">
-              <a:lumMod val="75000"/>
-              <a:lumOff val="25000"/>
-            </a:schemeClr>
+            <a:schemeClr val="tx1"/>
           </a:solidFill>
           <a:latin typeface="+mn-lt"/>
           <a:ea typeface="+mn-ea"/>
           <a:cs typeface="+mn-cs"/>
         </a:defRPr>
       </a:lvl1pPr>
-      <a:lvl2pPr marL="384048" indent="-182880" algn="l" defTabSz="914400" rtl="0" eaLnBrk="1" latinLnBrk="0" hangingPunct="1">
+      <a:lvl2pPr marL="685800" indent="-228600" algn="l" defTabSz="914400" rtl="0" eaLnBrk="1" latinLnBrk="0" hangingPunct="1">
         <a:lnSpc>
           <a:spcPct val="90000"/>
         </a:lnSpc>
         <a:spcBef>
-          <a:spcPts val="200"/>
+          <a:spcPts val="500"/>
         </a:spcBef>
-        <a:spcAft>
-          <a:spcPts val="400"/>
-        </a:spcAft>
-        <a:buClr>
-          <a:schemeClr val="accent1"/>
-        </a:buClr>
-        <a:buFont typeface="Calibri" pitchFamily="34" charset="0"/>
-        <a:buChar char="◦"/>
-        <a:defRPr sz="1800" kern="1200">
+        <a:buFont typeface="Arial" panose="020B0604020202020204" pitchFamily="34" charset="0"/>
+        <a:buChar char="•"/>
+        <a:defRPr sz="2400" kern="1200">
           <a:solidFill>
-            <a:schemeClr val="tx1">
-              <a:lumMod val="75000"/>
-              <a:lumOff val="25000"/>
-            </a:schemeClr>
+            <a:schemeClr val="tx1"/>
           </a:solidFill>
           <a:latin typeface="+mn-lt"/>
           <a:ea typeface="+mn-ea"/>
           <a:cs typeface="+mn-cs"/>
         </a:defRPr>
       </a:lvl2pPr>
-      <a:lvl3pPr marL="566928" indent="-182880" algn="l" defTabSz="914400" rtl="0" eaLnBrk="1" latinLnBrk="0" hangingPunct="1">
+      <a:lvl3pPr marL="1143000" indent="-228600" algn="l" defTabSz="914400" rtl="0" eaLnBrk="1" latinLnBrk="0" hangingPunct="1">
         <a:lnSpc>
           <a:spcPct val="90000"/>
         </a:lnSpc>
         <a:spcBef>
-          <a:spcPts val="200"/>
+          <a:spcPts val="500"/>
         </a:spcBef>
-        <a:spcAft>
-          <a:spcPts val="400"/>
-        </a:spcAft>
-        <a:buClr>
-          <a:schemeClr val="accent1"/>
-        </a:buClr>
-        <a:buFont typeface="Calibri" pitchFamily="34" charset="0"/>
-        <a:buChar char="◦"/>
-        <a:defRPr sz="1400" kern="1200">
+        <a:buFont typeface="Arial" panose="020B0604020202020204" pitchFamily="34" charset="0"/>
+        <a:buChar char="•"/>
+        <a:defRPr sz="2000" kern="1200">
           <a:solidFill>
-            <a:schemeClr val="tx1">
-              <a:lumMod val="75000"/>
-              <a:lumOff val="25000"/>
-            </a:schemeClr>
+            <a:schemeClr val="tx1"/>
           </a:solidFill>
           <a:latin typeface="+mn-lt"/>
           <a:ea typeface="+mn-ea"/>
           <a:cs typeface="+mn-cs"/>
         </a:defRPr>
       </a:lvl3pPr>
-      <a:lvl4pPr marL="749808" indent="-182880" algn="l" defTabSz="914400" rtl="0" eaLnBrk="1" latinLnBrk="0" hangingPunct="1">
+      <a:lvl4pPr marL="1600200" indent="-228600" algn="l" defTabSz="914400" rtl="0" eaLnBrk="1" latinLnBrk="0" hangingPunct="1">
         <a:lnSpc>
           <a:spcPct val="90000"/>
         </a:lnSpc>
         <a:spcBef>
-          <a:spcPts val="200"/>
+          <a:spcPts val="500"/>
         </a:spcBef>
-        <a:spcAft>
-          <a:spcPts val="400"/>
-        </a:spcAft>
-        <a:buClr>
-          <a:schemeClr val="accent1"/>
-        </a:buClr>
-        <a:buFont typeface="Calibri" pitchFamily="34" charset="0"/>
-        <a:buChar char="◦"/>
-        <a:defRPr sz="1400" kern="1200">
+        <a:buFont typeface="Arial" panose="020B0604020202020204" pitchFamily="34" charset="0"/>
+        <a:buChar char="•"/>
+        <a:defRPr sz="1800" kern="1200">
           <a:solidFill>
-            <a:schemeClr val="tx1">
-              <a:lumMod val="75000"/>
-              <a:lumOff val="25000"/>
-            </a:schemeClr>
+            <a:schemeClr val="tx1"/>
           </a:solidFill>
           <a:latin typeface="+mn-lt"/>
           <a:ea typeface="+mn-ea"/>
           <a:cs typeface="+mn-cs"/>
         </a:defRPr>
       </a:lvl4pPr>
-      <a:lvl5pPr marL="932688" indent="-182880" algn="l" defTabSz="914400" rtl="0" eaLnBrk="1" latinLnBrk="0" hangingPunct="1">
+      <a:lvl5pPr marL="2057400" indent="-228600" algn="l" defTabSz="914400" rtl="0" eaLnBrk="1" latinLnBrk="0" hangingPunct="1">
         <a:lnSpc>
           <a:spcPct val="90000"/>
         </a:lnSpc>
         <a:spcBef>
-          <a:spcPts val="200"/>
+          <a:spcPts val="500"/>
         </a:spcBef>
-        <a:spcAft>
-          <a:spcPts val="400"/>
-        </a:spcAft>
-        <a:buClr>
-          <a:schemeClr val="accent1"/>
-        </a:buClr>
-        <a:buFont typeface="Calibri" pitchFamily="34" charset="0"/>
-        <a:buChar char="◦"/>
-        <a:defRPr sz="1400" kern="1200">
+        <a:buFont typeface="Arial" panose="020B0604020202020204" pitchFamily="34" charset="0"/>
+        <a:buChar char="•"/>
+        <a:defRPr sz="1800" kern="1200">
           <a:solidFill>
-            <a:schemeClr val="tx1">
-              <a:lumMod val="75000"/>
-              <a:lumOff val="25000"/>
-            </a:schemeClr>
+            <a:schemeClr val="tx1"/>
           </a:solidFill>
           <a:latin typeface="+mn-lt"/>
           <a:ea typeface="+mn-ea"/>
           <a:cs typeface="+mn-cs"/>
         </a:defRPr>
       </a:lvl5pPr>
-      <a:lvl6pPr marL="1100000" indent="-228600" algn="l" defTabSz="914400" rtl="0" eaLnBrk="1" latinLnBrk="0" hangingPunct="1">
+      <a:lvl6pPr marL="2514600" indent="-228600" algn="l" defTabSz="914400" rtl="0" eaLnBrk="1" latinLnBrk="0" hangingPunct="1">
         <a:lnSpc>
           <a:spcPct val="90000"/>
         </a:lnSpc>
         <a:spcBef>
-          <a:spcPts val="200"/>
+          <a:spcPts val="500"/>
         </a:spcBef>
-        <a:spcAft>
-          <a:spcPts val="400"/>
-        </a:spcAft>
-        <a:buClr>
-          <a:schemeClr val="accent1"/>
-        </a:buClr>
-        <a:buFont typeface="Calibri" pitchFamily="34" charset="0"/>
-        <a:buChar char="◦"/>
-        <a:defRPr sz="1400" kern="1200">
+        <a:buFont typeface="Arial" panose="020B0604020202020204" pitchFamily="34" charset="0"/>
+        <a:buChar char="•"/>
+        <a:defRPr sz="1800" kern="1200">
           <a:solidFill>
-            <a:schemeClr val="tx1">
-              <a:lumMod val="75000"/>
-              <a:lumOff val="25000"/>
-            </a:schemeClr>
+            <a:schemeClr val="tx1"/>
           </a:solidFill>
           <a:latin typeface="+mn-lt"/>
           <a:ea typeface="+mn-ea"/>
           <a:cs typeface="+mn-cs"/>
         </a:defRPr>
       </a:lvl6pPr>
-      <a:lvl7pPr marL="1300000" indent="-228600" algn="l" defTabSz="914400" rtl="0" eaLnBrk="1" latinLnBrk="0" hangingPunct="1">
+      <a:lvl7pPr marL="2971800" indent="-228600" algn="l" defTabSz="914400" rtl="0" eaLnBrk="1" latinLnBrk="0" hangingPunct="1">
         <a:lnSpc>
           <a:spcPct val="90000"/>
         </a:lnSpc>
         <a:spcBef>
-          <a:spcPts val="200"/>
+          <a:spcPts val="500"/>
         </a:spcBef>
-        <a:spcAft>
-          <a:spcPts val="400"/>
-        </a:spcAft>
-        <a:buClr>
-          <a:schemeClr val="accent1"/>
-        </a:buClr>
-        <a:buFont typeface="Calibri" pitchFamily="34" charset="0"/>
-        <a:buChar char="◦"/>
-        <a:defRPr sz="1400" kern="1200">
+        <a:buFont typeface="Arial" panose="020B0604020202020204" pitchFamily="34" charset="0"/>
+        <a:buChar char="•"/>
+        <a:defRPr sz="1800" kern="1200">
           <a:solidFill>
-            <a:schemeClr val="tx1">
-              <a:lumMod val="75000"/>
-              <a:lumOff val="25000"/>
-            </a:schemeClr>
+            <a:schemeClr val="tx1"/>
           </a:solidFill>
           <a:latin typeface="+mn-lt"/>
           <a:ea typeface="+mn-ea"/>
           <a:cs typeface="+mn-cs"/>
         </a:defRPr>
       </a:lvl7pPr>
-      <a:lvl8pPr marL="1500000" indent="-228600" algn="l" defTabSz="914400" rtl="0" eaLnBrk="1" latinLnBrk="0" hangingPunct="1">
+      <a:lvl8pPr marL="3429000" indent="-228600" algn="l" defTabSz="914400" rtl="0" eaLnBrk="1" latinLnBrk="0" hangingPunct="1">
         <a:lnSpc>
           <a:spcPct val="90000"/>
         </a:lnSpc>
         <a:spcBef>
-          <a:spcPts val="200"/>
+          <a:spcPts val="500"/>
         </a:spcBef>
-        <a:spcAft>
-          <a:spcPts val="400"/>
-        </a:spcAft>
-        <a:buClr>
-          <a:schemeClr val="accent1"/>
-        </a:buClr>
-        <a:buFont typeface="Calibri" pitchFamily="34" charset="0"/>
-        <a:buChar char="◦"/>
-        <a:defRPr sz="1400" kern="1200">
+        <a:buFont typeface="Arial" panose="020B0604020202020204" pitchFamily="34" charset="0"/>
+        <a:buChar char="•"/>
+        <a:defRPr sz="1800" kern="1200">
           <a:solidFill>
-            <a:schemeClr val="tx1">
-              <a:lumMod val="75000"/>
-              <a:lumOff val="25000"/>
-            </a:schemeClr>
+            <a:schemeClr val="tx1"/>
           </a:solidFill>
           <a:latin typeface="+mn-lt"/>
           <a:ea typeface="+mn-ea"/>
           <a:cs typeface="+mn-cs"/>
         </a:defRPr>
       </a:lvl8pPr>
-      <a:lvl9pPr marL="1700000" indent="-228600" algn="l" defTabSz="914400" rtl="0" eaLnBrk="1" latinLnBrk="0" hangingPunct="1">
+      <a:lvl9pPr marL="3886200" indent="-228600" algn="l" defTabSz="914400" rtl="0" eaLnBrk="1" latinLnBrk="0" hangingPunct="1">
         <a:lnSpc>
           <a:spcPct val="90000"/>
         </a:lnSpc>
         <a:spcBef>
-          <a:spcPts val="200"/>
+          <a:spcPts val="500"/>
         </a:spcBef>
-        <a:spcAft>
-          <a:spcPts val="400"/>
-        </a:spcAft>
-        <a:buClr>
-          <a:schemeClr val="accent1"/>
-        </a:buClr>
-        <a:buFont typeface="Calibri" pitchFamily="34" charset="0"/>
-        <a:buChar char="◦"/>
-        <a:defRPr sz="1400" kern="1200">
+        <a:buFont typeface="Arial" panose="020B0604020202020204" pitchFamily="34" charset="0"/>
+        <a:buChar char="•"/>
+        <a:defRPr sz="1800" kern="1200">
           <a:solidFill>
-            <a:schemeClr val="tx1">
-              <a:lumMod val="75000"/>
-              <a:lumOff val="25000"/>
-            </a:schemeClr>
+            <a:schemeClr val="tx1"/>
           </a:solidFill>
           <a:latin typeface="+mn-lt"/>
           <a:ea typeface="+mn-ea"/>
@@ -3984,7 +3501,7 @@
         </p:blipFill>
         <p:spPr>
           <a:xfrm>
-            <a:off x="-1" y="-717"/>
+            <a:off x="-1" y="17213"/>
             <a:ext cx="5298141" cy="6858717"/>
           </a:xfrm>
         </p:spPr>
@@ -7366,10 +6883,10 @@
       </p:sp>
       <p:pic>
         <p:nvPicPr>
-          <p:cNvPr id="5" name="Picture 4">
-            <a:extLst>
-              <a:ext uri="{FF2B5EF4-FFF2-40B4-BE49-F238E27FC236}">
-                <a16:creationId xmlns:a16="http://schemas.microsoft.com/office/drawing/2014/main" id="{08DF131A-126A-4E8A-8852-D959B5C10088}"/>
+          <p:cNvPr id="6" name="Picture 5">
+            <a:extLst>
+              <a:ext uri="{FF2B5EF4-FFF2-40B4-BE49-F238E27FC236}">
+                <a16:creationId xmlns:a16="http://schemas.microsoft.com/office/drawing/2014/main" id="{F31D17A1-ECF5-47F5-9A9F-0E8E15021AC3}"/>
               </a:ext>
             </a:extLst>
           </p:cNvPr>
@@ -7392,8 +6909,8 @@
         </p:blipFill>
         <p:spPr>
           <a:xfrm>
-            <a:off x="0" y="4745101"/>
-            <a:ext cx="12192000" cy="2112900"/>
+            <a:off x="6096000" y="3786464"/>
+            <a:ext cx="6096000" cy="3071536"/>
           </a:xfrm>
           <a:prstGeom prst="rect">
             <a:avLst/>
@@ -8072,54 +7589,54 @@
 </file>
 
 <file path=ppt/theme/theme1.xml><?xml version="1.0" encoding="utf-8"?>
-<a:theme xmlns:a="http://schemas.openxmlformats.org/drawingml/2006/main" name="Retrospect">
+<a:theme xmlns:a="http://schemas.openxmlformats.org/drawingml/2006/main" name="Office Theme">
   <a:themeElements>
-    <a:clrScheme name="Retrospect">
+    <a:clrScheme name="Office">
       <a:dk1>
-        <a:srgbClr val="000000"/>
+        <a:sysClr val="windowText" lastClr="000000"/>
       </a:dk1>
       <a:lt1>
         <a:sysClr val="window" lastClr="FFFFFF"/>
       </a:lt1>
       <a:dk2>
-        <a:srgbClr val="637052"/>
+        <a:srgbClr val="44546A"/>
       </a:dk2>
       <a:lt2>
-        <a:srgbClr val="CCDDEA"/>
+        <a:srgbClr val="E7E6E6"/>
       </a:lt2>
       <a:accent1>
-        <a:srgbClr val="E48312"/>
+        <a:srgbClr val="4472C4"/>
       </a:accent1>
       <a:accent2>
-        <a:srgbClr val="BD582C"/>
+        <a:srgbClr val="ED7D31"/>
       </a:accent2>
       <a:accent3>
-        <a:srgbClr val="865640"/>
+        <a:srgbClr val="A5A5A5"/>
       </a:accent3>
       <a:accent4>
-        <a:srgbClr val="9B8357"/>
+        <a:srgbClr val="FFC000"/>
       </a:accent4>
       <a:accent5>
-        <a:srgbClr val="C2BC80"/>
+        <a:srgbClr val="5B9BD5"/>
       </a:accent5>
       <a:accent6>
-        <a:srgbClr val="94A088"/>
+        <a:srgbClr val="70AD47"/>
       </a:accent6>
       <a:hlink>
-        <a:srgbClr val="2998E3"/>
+        <a:srgbClr val="0563C1"/>
       </a:hlink>
       <a:folHlink>
-        <a:srgbClr val="8C8C8C"/>
+        <a:srgbClr val="954F72"/>
       </a:folHlink>
     </a:clrScheme>
-    <a:fontScheme name="Retrospect">
+    <a:fontScheme name="Office">
       <a:majorFont>
         <a:latin typeface="Calibri Light" panose="020F0302020204030204"/>
         <a:ea typeface=""/>
         <a:cs typeface=""/>
-        <a:font script="Jpan" typeface="ＭＳ Ｐゴシック"/>
+        <a:font script="Jpan" typeface="游ゴシック Light"/>
         <a:font script="Hang" typeface="맑은 고딕"/>
-        <a:font script="Hans" typeface="宋体"/>
+        <a:font script="Hans" typeface="等线 Light"/>
         <a:font script="Hant" typeface="新細明體"/>
         <a:font script="Arab" typeface="Times New Roman"/>
         <a:font script="Hebr" typeface="Times New Roman"/>
@@ -8147,14 +7664,31 @@
         <a:font script="Viet" typeface="Times New Roman"/>
         <a:font script="Uigh" typeface="Microsoft Uighur"/>
         <a:font script="Geor" typeface="Sylfaen"/>
+        <a:font script="Armn" typeface="Arial"/>
+        <a:font script="Bugi" typeface="Leelawadee UI"/>
+        <a:font script="Bopo" typeface="Microsoft JhengHei"/>
+        <a:font script="Java" typeface="Javanese Text"/>
+        <a:font script="Lisu" typeface="Segoe UI"/>
+        <a:font script="Mymr" typeface="Myanmar Text"/>
+        <a:font script="Nkoo" typeface="Ebrima"/>
+        <a:font script="Olck" typeface="Nirmala UI"/>
+        <a:font script="Osma" typeface="Ebrima"/>
+        <a:font script="Phag" typeface="Phagspa"/>
+        <a:font script="Syrn" typeface="Estrangelo Edessa"/>
+        <a:font script="Syrj" typeface="Estrangelo Edessa"/>
+        <a:font script="Syre" typeface="Estrangelo Edessa"/>
+        <a:font script="Sora" typeface="Nirmala UI"/>
+        <a:font script="Tale" typeface="Microsoft Tai Le"/>
+        <a:font script="Talu" typeface="Microsoft New Tai Lue"/>
+        <a:font script="Tfng" typeface="Ebrima"/>
       </a:majorFont>
       <a:minorFont>
         <a:latin typeface="Calibri" panose="020F0502020204030204"/>
         <a:ea typeface=""/>
         <a:cs typeface=""/>
-        <a:font script="Jpan" typeface="ＭＳ Ｐゴシック"/>
+        <a:font script="Jpan" typeface="游ゴシック"/>
         <a:font script="Hang" typeface="맑은 고딕"/>
-        <a:font script="Hans" typeface="宋体"/>
+        <a:font script="Hans" typeface="等线"/>
         <a:font script="Hant" typeface="新細明體"/>
         <a:font script="Arab" typeface="Arial"/>
         <a:font script="Hebr" typeface="Arial"/>
@@ -8182,9 +7716,26 @@
         <a:font script="Viet" typeface="Arial"/>
         <a:font script="Uigh" typeface="Microsoft Uighur"/>
         <a:font script="Geor" typeface="Sylfaen"/>
+        <a:font script="Armn" typeface="Arial"/>
+        <a:font script="Bugi" typeface="Leelawadee UI"/>
+        <a:font script="Bopo" typeface="Microsoft JhengHei"/>
+        <a:font script="Java" typeface="Javanese Text"/>
+        <a:font script="Lisu" typeface="Segoe UI"/>
+        <a:font script="Mymr" typeface="Myanmar Text"/>
+        <a:font script="Nkoo" typeface="Ebrima"/>
+        <a:font script="Olck" typeface="Nirmala UI"/>
+        <a:font script="Osma" typeface="Ebrima"/>
+        <a:font script="Phag" typeface="Phagspa"/>
+        <a:font script="Syrn" typeface="Estrangelo Edessa"/>
+        <a:font script="Syrj" typeface="Estrangelo Edessa"/>
+        <a:font script="Syre" typeface="Estrangelo Edessa"/>
+        <a:font script="Sora" typeface="Nirmala UI"/>
+        <a:font script="Tale" typeface="Microsoft Tai Le"/>
+        <a:font script="Talu" typeface="Microsoft New Tai Lue"/>
+        <a:font script="Tfng" typeface="Ebrima"/>
       </a:minorFont>
     </a:fontScheme>
-    <a:fmtScheme name="Retrospect">
+    <a:fmtScheme name="Office">
       <a:fillStyleLst>
         <a:solidFill>
           <a:schemeClr val="phClr"/>
@@ -8193,81 +7744,76 @@
           <a:gsLst>
             <a:gs pos="0">
               <a:schemeClr val="phClr">
-                <a:tint val="65000"/>
-                <a:shade val="92000"/>
-                <a:satMod val="130000"/>
+                <a:lumMod val="110000"/>
+                <a:satMod val="105000"/>
+                <a:tint val="67000"/>
               </a:schemeClr>
             </a:gs>
-            <a:gs pos="45000">
+            <a:gs pos="50000">
               <a:schemeClr val="phClr">
-                <a:tint val="60000"/>
-                <a:shade val="99000"/>
-                <a:satMod val="120000"/>
+                <a:lumMod val="105000"/>
+                <a:satMod val="103000"/>
+                <a:tint val="73000"/>
               </a:schemeClr>
             </a:gs>
             <a:gs pos="100000">
               <a:schemeClr val="phClr">
-                <a:tint val="55000"/>
-                <a:satMod val="140000"/>
+                <a:lumMod val="105000"/>
+                <a:satMod val="109000"/>
+                <a:tint val="81000"/>
               </a:schemeClr>
             </a:gs>
           </a:gsLst>
-          <a:path path="circle">
-            <a:fillToRect l="100000" t="100000" r="100000" b="100000"/>
-          </a:path>
+          <a:lin ang="5400000" scaled="0"/>
         </a:gradFill>
         <a:gradFill rotWithShape="1">
           <a:gsLst>
             <a:gs pos="0">
               <a:schemeClr val="phClr">
-                <a:shade val="85000"/>
-                <a:satMod val="130000"/>
+                <a:satMod val="103000"/>
+                <a:lumMod val="102000"/>
+                <a:tint val="94000"/>
               </a:schemeClr>
             </a:gs>
-            <a:gs pos="34000">
+            <a:gs pos="50000">
               <a:schemeClr val="phClr">
-                <a:shade val="87000"/>
-                <a:satMod val="125000"/>
-              </a:schemeClr>
-            </a:gs>
-            <a:gs pos="70000">
-              <a:schemeClr val="phClr">
-                <a:tint val="100000"/>
-                <a:shade val="90000"/>
-                <a:satMod val="130000"/>
+                <a:satMod val="110000"/>
+                <a:lumMod val="100000"/>
+                <a:shade val="100000"/>
               </a:schemeClr>
             </a:gs>
             <a:gs pos="100000">
               <a:schemeClr val="phClr">
-                <a:tint val="100000"/>
-                <a:shade val="100000"/>
-                <a:satMod val="110000"/>
+                <a:lumMod val="99000"/>
+                <a:satMod val="120000"/>
+                <a:shade val="78000"/>
               </a:schemeClr>
             </a:gs>
           </a:gsLst>
-          <a:path path="circle">
-            <a:fillToRect l="100000" t="100000" r="100000" b="100000"/>
-          </a:path>
+          <a:lin ang="5400000" scaled="0"/>
         </a:gradFill>
       </a:fillStyleLst>
       <a:lnStyleLst>
+        <a:ln w="6350" cap="flat" cmpd="sng" algn="ctr">
+          <a:solidFill>
+            <a:schemeClr val="phClr"/>
+          </a:solidFill>
+          <a:prstDash val="solid"/>
+          <a:miter lim="800000"/>
+        </a:ln>
         <a:ln w="12700" cap="flat" cmpd="sng" algn="ctr">
           <a:solidFill>
             <a:schemeClr val="phClr"/>
           </a:solidFill>
           <a:prstDash val="solid"/>
+          <a:miter lim="800000"/>
         </a:ln>
-        <a:ln w="15875" cap="flat" cmpd="sng" algn="ctr">
+        <a:ln w="19050" cap="flat" cmpd="sng" algn="ctr">
           <a:solidFill>
             <a:schemeClr val="phClr"/>
           </a:solidFill>
           <a:prstDash val="solid"/>
-        </a:ln>
-        <a:ln w="25400" cap="flat" cmpd="sng" algn="ctr">
-          <a:solidFill>
-            <a:schemeClr val="phClr"/>
-          </a:solidFill>
-          <a:prstDash val="solid"/>
+          <a:miter lim="800000"/>
         </a:ln>
       </a:lnStyleLst>
       <a:effectStyleLst>
@@ -8275,33 +7821,16 @@
           <a:effectLst/>
         </a:effectStyle>
         <a:effectStyle>
+          <a:effectLst/>
+        </a:effectStyle>
+        <a:effectStyle>
           <a:effectLst>
-            <a:outerShdw blurRad="38100" dist="25400" dir="2700000" algn="br" rotWithShape="0">
+            <a:outerShdw blurRad="57150" dist="19050" dir="5400000" algn="ctr" rotWithShape="0">
               <a:srgbClr val="000000">
-                <a:alpha val="60000"/>
+                <a:alpha val="63000"/>
               </a:srgbClr>
             </a:outerShdw>
           </a:effectLst>
-        </a:effectStyle>
-        <a:effectStyle>
-          <a:effectLst>
-            <a:outerShdw blurRad="44450" dist="25400" dir="2700000" algn="br" rotWithShape="0">
-              <a:srgbClr val="000000">
-                <a:alpha val="60000"/>
-              </a:srgbClr>
-            </a:outerShdw>
-          </a:effectLst>
-          <a:scene3d>
-            <a:camera prst="orthographicFront">
-              <a:rot lat="0" lon="0" rev="0"/>
-            </a:camera>
-            <a:lightRig rig="threePt" dir="t">
-              <a:rot lat="0" lon="0" rev="19800000"/>
-            </a:lightRig>
-          </a:scene3d>
-          <a:sp3d prstMaterial="flat">
-            <a:bevelT w="25400" h="31750"/>
-          </a:sp3d>
         </a:effectStyle>
       </a:effectStyleLst>
       <a:bgFillStyleLst>
@@ -8310,36 +7839,36 @@
         </a:solidFill>
         <a:solidFill>
           <a:schemeClr val="phClr">
-            <a:tint val="90000"/>
-            <a:shade val="97000"/>
-            <a:satMod val="130000"/>
+            <a:tint val="95000"/>
+            <a:satMod val="170000"/>
           </a:schemeClr>
         </a:solidFill>
         <a:gradFill rotWithShape="1">
           <a:gsLst>
             <a:gs pos="0">
               <a:schemeClr val="phClr">
-                <a:tint val="96000"/>
-                <a:shade val="99000"/>
-                <a:satMod val="140000"/>
+                <a:tint val="93000"/>
+                <a:satMod val="150000"/>
+                <a:shade val="98000"/>
+                <a:lumMod val="102000"/>
               </a:schemeClr>
             </a:gs>
-            <a:gs pos="65000">
+            <a:gs pos="50000">
               <a:schemeClr val="phClr">
-                <a:tint val="100000"/>
-                <a:shade val="80000"/>
+                <a:tint val="98000"/>
                 <a:satMod val="130000"/>
+                <a:shade val="90000"/>
+                <a:lumMod val="103000"/>
               </a:schemeClr>
             </a:gs>
             <a:gs pos="100000">
               <a:schemeClr val="phClr">
-                <a:tint val="100000"/>
-                <a:shade val="48000"/>
+                <a:shade val="63000"/>
                 <a:satMod val="120000"/>
               </a:schemeClr>
             </a:gs>
           </a:gsLst>
-          <a:lin ang="16200000" scaled="0"/>
+          <a:lin ang="5400000" scaled="0"/>
         </a:gradFill>
       </a:bgFillStyleLst>
     </a:fmtScheme>
@@ -8348,7 +7877,7 @@
   <a:extraClrSchemeLst/>
   <a:extLst>
     <a:ext uri="{05A4C25C-085E-4340-85A3-A5531E510DB2}">
-      <thm15:themeFamily xmlns:thm15="http://schemas.microsoft.com/office/thememl/2012/main" name="Retrospect" id="{5F128B03-DCCA-4EEB-AB3B-CF2899314A46}" vid="{3F1AAB62-24C6-49D2-8E01-B56FAC9A3DCD}"/>
+      <thm15:themeFamily xmlns:thm15="http://schemas.microsoft.com/office/thememl/2012/main" name="Office Theme" id="{62F939B6-93AF-4DB8-9C6B-D6C7DFDC589F}" vid="{4A3C46E8-61CC-4603-A589-7422A47A8E4A}"/>
     </a:ext>
   </a:extLst>
 </a:theme>

--- a/slides/Module 12 - Functions.pptx
+++ b/slides/Module 12 - Functions.pptx
@@ -3467,25 +3467,23 @@
           <a:bodyPr/>
           <a:lstStyle/>
           <a:p>
-            <a:endParaRPr lang="en-US"/>
+            <a:endParaRPr lang="en-US" dirty="0"/>
           </a:p>
         </p:txBody>
       </p:sp>
       <p:pic>
         <p:nvPicPr>
-          <p:cNvPr id="6" name="Content Placeholder 5">
-            <a:extLst>
-              <a:ext uri="{FF2B5EF4-FFF2-40B4-BE49-F238E27FC236}">
-                <a16:creationId xmlns:a16="http://schemas.microsoft.com/office/drawing/2014/main" id="{1F10622D-99B6-4D97-8FB4-00003B6AB716}"/>
+          <p:cNvPr id="16" name="Picture 15">
+            <a:extLst>
+              <a:ext uri="{FF2B5EF4-FFF2-40B4-BE49-F238E27FC236}">
+                <a16:creationId xmlns:a16="http://schemas.microsoft.com/office/drawing/2014/main" id="{A8D0C600-C734-4656-9195-4D1CCB3D509C}"/>
               </a:ext>
             </a:extLst>
           </p:cNvPr>
           <p:cNvPicPr>
-            <a:picLocks noGrp="1" noChangeAspect="1"/>
+            <a:picLocks noChangeAspect="1"/>
           </p:cNvPicPr>
-          <p:nvPr>
-            <p:ph idx="1"/>
-          </p:nvPr>
+          <p:nvPr/>
         </p:nvPicPr>
         <p:blipFill>
           <a:blip r:embed="rId2">
@@ -3501,24 +3499,29 @@
         </p:blipFill>
         <p:spPr>
           <a:xfrm>
-            <a:off x="-1" y="17213"/>
-            <a:ext cx="5298141" cy="6858717"/>
+            <a:off x="1" y="1254176"/>
+            <a:ext cx="4917189" cy="5603823"/>
           </a:xfrm>
+          <a:prstGeom prst="rect">
+            <a:avLst/>
+          </a:prstGeom>
         </p:spPr>
       </p:pic>
       <p:pic>
         <p:nvPicPr>
-          <p:cNvPr id="4" name="Picture 3">
-            <a:extLst>
-              <a:ext uri="{FF2B5EF4-FFF2-40B4-BE49-F238E27FC236}">
-                <a16:creationId xmlns:a16="http://schemas.microsoft.com/office/drawing/2014/main" id="{7C8EA346-ADE9-4400-B0F0-D35D20865FF4}"/>
+          <p:cNvPr id="20" name="Content Placeholder 19">
+            <a:extLst>
+              <a:ext uri="{FF2B5EF4-FFF2-40B4-BE49-F238E27FC236}">
+                <a16:creationId xmlns:a16="http://schemas.microsoft.com/office/drawing/2014/main" id="{245F6F8D-B213-4ADE-99F9-3DDF230D4762}"/>
               </a:ext>
             </a:extLst>
           </p:cNvPr>
           <p:cNvPicPr>
-            <a:picLocks noChangeAspect="1"/>
+            <a:picLocks noGrp="1" noChangeAspect="1"/>
           </p:cNvPicPr>
-          <p:nvPr/>
+          <p:nvPr>
+            <p:ph idx="1"/>
+          </p:nvPr>
         </p:nvPicPr>
         <p:blipFill>
           <a:blip r:embed="rId3">
@@ -3534,12 +3537,9 @@
         </p:blipFill>
         <p:spPr>
           <a:xfrm>
-            <a:off x="5298140" y="0"/>
-            <a:ext cx="6893860" cy="6858000"/>
+            <a:off x="4903694" y="1254177"/>
+            <a:ext cx="7288306" cy="5603823"/>
           </a:xfrm>
-          <a:prstGeom prst="rect">
-            <a:avLst/>
-          </a:prstGeom>
         </p:spPr>
       </p:pic>
     </p:spTree>
@@ -3810,20 +3810,28 @@
               <a:t>JS Functions have both properties and methods, including the </a:t>
             </a:r>
             <a:r>
-              <a:rPr lang="en-US" dirty="0" err="1"/>
+              <a:rPr lang="en-US" b="1" i="1" dirty="0" err="1"/>
               <a:t>arguments.length</a:t>
             </a:r>
             <a:r>
-              <a:rPr lang="en-US" dirty="0"/>
-              <a:t> property and the </a:t>
-            </a:r>
-            <a:r>
-              <a:rPr lang="en-US" dirty="0" err="1"/>
+              <a:rPr lang="en-US" b="1" i="1" dirty="0"/>
+              <a:t> </a:t>
+            </a:r>
+            <a:r>
+              <a:rPr lang="en-US" dirty="0"/>
+              <a:t>property and the </a:t>
+            </a:r>
+            <a:r>
+              <a:rPr lang="en-US" b="1" i="1" dirty="0" err="1"/>
               <a:t>toString</a:t>
             </a:r>
             <a:r>
-              <a:rPr lang="en-US" dirty="0"/>
-              <a:t>() method</a:t>
+              <a:rPr lang="en-US" b="1" i="1" dirty="0"/>
+              <a:t>() </a:t>
+            </a:r>
+            <a:r>
+              <a:rPr lang="en-US" dirty="0"/>
+              <a:t>method</a:t>
             </a:r>
           </a:p>
         </p:txBody>
@@ -3908,22 +3916,30 @@
           <a:lstStyle/>
           <a:p>
             <a:r>
-              <a:rPr lang="en-US" dirty="0" err="1"/>
+              <a:rPr lang="en-US" b="1" i="1" dirty="0" err="1"/>
               <a:t>arguments.length</a:t>
             </a:r>
             <a:r>
-              <a:rPr lang="en-US" dirty="0"/>
-              <a:t> returns the number of arguments received when the function was called</a:t>
-            </a:r>
-          </a:p>
-          <a:p>
-            <a:r>
-              <a:rPr lang="en-US" dirty="0" err="1"/>
+              <a:rPr lang="en-US" b="1" i="1" dirty="0"/>
+              <a:t> </a:t>
+            </a:r>
+            <a:r>
+              <a:rPr lang="en-US" dirty="0"/>
+              <a:t>returns the number of arguments received when the function was called</a:t>
+            </a:r>
+          </a:p>
+          <a:p>
+            <a:r>
+              <a:rPr lang="en-US" b="1" i="1" dirty="0" err="1"/>
               <a:t>toString</a:t>
             </a:r>
             <a:r>
-              <a:rPr lang="en-US" dirty="0"/>
-              <a:t>() returns your function as a string</a:t>
+              <a:rPr lang="en-US" b="1" i="1" dirty="0"/>
+              <a:t>()</a:t>
+            </a:r>
+            <a:r>
+              <a:rPr lang="en-US" dirty="0"/>
+              <a:t> returns your function as a string</a:t>
             </a:r>
           </a:p>
         </p:txBody>
@@ -4081,7 +4097,7 @@
           <a:p>
             <a:r>
               <a:rPr lang="en-US" dirty="0"/>
-              <a:t>Let you omit </a:t>
+              <a:t>Arrow functions let you omit </a:t>
             </a:r>
             <a:r>
               <a:rPr lang="en-US" b="1" i="1" dirty="0"/>
@@ -4089,7 +4105,7 @@
             </a:r>
             <a:r>
               <a:rPr lang="en-US" dirty="0"/>
-              <a:t>, </a:t>
+              <a:t> and </a:t>
             </a:r>
             <a:r>
               <a:rPr lang="en-US" b="1" i="1" dirty="0"/>
@@ -4097,7 +4113,7 @@
             </a:r>
             <a:r>
               <a:rPr lang="en-US" dirty="0"/>
-              <a:t>, and the curly braces of a function</a:t>
+              <a:t> keywords as well as the curly braces of a function</a:t>
             </a:r>
           </a:p>
           <a:p>
@@ -4474,7 +4490,7 @@
           <a:p>
             <a:r>
               <a:rPr lang="en-US" dirty="0"/>
-              <a:t>JavaScript function also will not check the number of arguments received</a:t>
+              <a:t>JavaScript functions also will not check the number of arguments received</a:t>
             </a:r>
           </a:p>
         </p:txBody>
@@ -4737,6 +4753,42 @@
           </a:p>
         </p:txBody>
       </p:sp>
+      <p:pic>
+        <p:nvPicPr>
+          <p:cNvPr id="5" name="Picture 4">
+            <a:extLst>
+              <a:ext uri="{FF2B5EF4-FFF2-40B4-BE49-F238E27FC236}">
+                <a16:creationId xmlns:a16="http://schemas.microsoft.com/office/drawing/2014/main" id="{903E1A04-D86B-49DE-A0F5-DF0FD61B1029}"/>
+              </a:ext>
+            </a:extLst>
+          </p:cNvPr>
+          <p:cNvPicPr>
+            <a:picLocks noChangeAspect="1"/>
+          </p:cNvPicPr>
+          <p:nvPr/>
+        </p:nvPicPr>
+        <p:blipFill>
+          <a:blip r:embed="rId2">
+            <a:extLst>
+              <a:ext uri="{28A0092B-C50C-407E-A947-70E740481C1C}">
+                <a14:useLocalDpi xmlns:a14="http://schemas.microsoft.com/office/drawing/2010/main" val="0"/>
+              </a:ext>
+            </a:extLst>
+          </a:blip>
+          <a:stretch>
+            <a:fillRect/>
+          </a:stretch>
+        </p:blipFill>
+        <p:spPr>
+          <a:xfrm>
+            <a:off x="6758469" y="3764012"/>
+            <a:ext cx="5433531" cy="3093988"/>
+          </a:xfrm>
+          <a:prstGeom prst="rect">
+            <a:avLst/>
+          </a:prstGeom>
+        </p:spPr>
+      </p:pic>
     </p:spTree>
     <p:extLst>
       <p:ext uri="{BB962C8B-B14F-4D97-AF65-F5344CB8AC3E}">
@@ -5455,8 +5507,8 @@
         </p:blipFill>
         <p:spPr>
           <a:xfrm>
-            <a:off x="5964840" y="5396753"/>
-            <a:ext cx="6227160" cy="1461247"/>
+            <a:off x="6096000" y="5418565"/>
+            <a:ext cx="6096000" cy="1430470"/>
           </a:xfrm>
           <a:prstGeom prst="rect">
             <a:avLst/>
@@ -5586,8 +5638,8 @@
         </p:blipFill>
         <p:spPr>
           <a:xfrm>
-            <a:off x="6484125" y="4510837"/>
-            <a:ext cx="5707875" cy="2347163"/>
+            <a:off x="6096000" y="4351235"/>
+            <a:ext cx="6096001" cy="2506766"/>
           </a:xfrm>
           <a:prstGeom prst="rect">
             <a:avLst/>
@@ -5949,8 +6001,8 @@
         </p:blipFill>
         <p:spPr>
           <a:xfrm>
-            <a:off x="6092509" y="4186519"/>
-            <a:ext cx="6099491" cy="2671482"/>
+            <a:off x="6096000" y="4197011"/>
+            <a:ext cx="6096000" cy="2669953"/>
           </a:xfrm>
           <a:prstGeom prst="rect">
             <a:avLst/>
@@ -6340,8 +6392,8 @@
         </p:blipFill>
         <p:spPr>
           <a:xfrm>
-            <a:off x="4321202" y="3177221"/>
-            <a:ext cx="7879763" cy="3680779"/>
+            <a:off x="1376082" y="2448483"/>
+            <a:ext cx="9439836" cy="4409517"/>
           </a:xfrm>
           <a:prstGeom prst="rect">
             <a:avLst/>
@@ -6637,7 +6689,7 @@
         </p:blipFill>
         <p:spPr>
           <a:xfrm>
-            <a:off x="2689412" y="2533049"/>
+            <a:off x="1344706" y="2533048"/>
             <a:ext cx="9502588" cy="4324952"/>
           </a:xfrm>
           <a:prstGeom prst="rect">
@@ -6771,8 +6823,8 @@
         </p:blipFill>
         <p:spPr>
           <a:xfrm>
-            <a:off x="3720627" y="4903694"/>
-            <a:ext cx="8471373" cy="1943887"/>
+            <a:off x="930157" y="4487236"/>
+            <a:ext cx="10331686" cy="2370764"/>
           </a:xfrm>
           <a:prstGeom prst="rect">
             <a:avLst/>

--- a/slides/Module 12 - Functions.pptx
+++ b/slides/Module 12 - Functions.pptx
@@ -4484,7 +4484,7 @@
           <a:p>
             <a:r>
               <a:rPr lang="en-US" dirty="0"/>
-              <a:t>JavaScript will not check the type of parameters, meaning that we have to check their type on our own</a:t>
+              <a:t>JavaScript will not check the type of parameters, meaning that we must check their type on our own</a:t>
             </a:r>
           </a:p>
           <a:p>
@@ -5254,6 +5254,42 @@
           </a:p>
         </p:txBody>
       </p:sp>
+      <p:pic>
+        <p:nvPicPr>
+          <p:cNvPr id="5" name="Picture 4" descr="A screenshot of a computer program&#10;&#10;Description automatically generated">
+            <a:extLst>
+              <a:ext uri="{FF2B5EF4-FFF2-40B4-BE49-F238E27FC236}">
+                <a16:creationId xmlns:a16="http://schemas.microsoft.com/office/drawing/2014/main" id="{D871CCAD-B189-3BBC-2BA0-C319511E9E6A}"/>
+              </a:ext>
+            </a:extLst>
+          </p:cNvPr>
+          <p:cNvPicPr>
+            <a:picLocks noChangeAspect="1"/>
+          </p:cNvPicPr>
+          <p:nvPr/>
+        </p:nvPicPr>
+        <p:blipFill>
+          <a:blip r:embed="rId2">
+            <a:extLst>
+              <a:ext uri="{28A0092B-C50C-407E-A947-70E740481C1C}">
+                <a14:useLocalDpi xmlns:a14="http://schemas.microsoft.com/office/drawing/2010/main" val="0"/>
+              </a:ext>
+            </a:extLst>
+          </a:blip>
+          <a:stretch>
+            <a:fillRect/>
+          </a:stretch>
+        </p:blipFill>
+        <p:spPr>
+          <a:xfrm>
+            <a:off x="0" y="4166783"/>
+            <a:ext cx="5181600" cy="2691218"/>
+          </a:xfrm>
+          <a:prstGeom prst="rect">
+            <a:avLst/>
+          </a:prstGeom>
+        </p:spPr>
+      </p:pic>
     </p:spTree>
     <p:extLst>
       <p:ext uri="{BB962C8B-B14F-4D97-AF65-F5344CB8AC3E}">
@@ -6790,7 +6826,7 @@
           <a:p>
             <a:r>
               <a:rPr lang="en-US" dirty="0"/>
-              <a:t>Since Arrays are objects, we are able to apply() the Math object’s max() method on our Array</a:t>
+              <a:t>Since Arrays are objects, we can apply() the Math object’s max() method on our Array</a:t>
             </a:r>
           </a:p>
         </p:txBody>
